--- a/02 Package Management.pptx
+++ b/02 Package Management.pptx
@@ -40,15 +40,15 @@
   <p:notesSz cx="9144000" cy="6858000"/>
   <p:embeddedFontLst>
     <p:embeddedFont>
-      <p:font typeface="Questrial" panose="020B0604020202020204" charset="0"/>
+      <p:font typeface="Calibri" panose="020F0502020204030204" pitchFamily="34" charset="0"/>
       <p:regular r:id="rId30"/>
+      <p:bold r:id="rId31"/>
+      <p:italic r:id="rId32"/>
+      <p:boldItalic r:id="rId33"/>
     </p:embeddedFont>
     <p:embeddedFont>
-      <p:font typeface="Calibri" panose="020F0502020204030204" pitchFamily="34" charset="0"/>
-      <p:regular r:id="rId31"/>
-      <p:bold r:id="rId32"/>
-      <p:italic r:id="rId33"/>
-      <p:boldItalic r:id="rId34"/>
+      <p:font typeface="Questrial" panose="020B0604020202020204" charset="0"/>
+      <p:regular r:id="rId34"/>
     </p:embeddedFont>
   </p:embeddedFontLst>
   <p:defaultTextStyle>
@@ -10479,36 +10479,302 @@
           </a:p>
         </p:txBody>
       </p:sp>
-      <p:pic>
-        <p:nvPicPr>
-          <p:cNvPr id="11" name="Picture 10"/>
-          <p:cNvPicPr>
-            <a:picLocks noChangeAspect="1"/>
-          </p:cNvPicPr>
+      <p:sp>
+        <p:nvSpPr>
+          <p:cNvPr id="9" name="Shape 190"/>
+          <p:cNvSpPr txBox="1"/>
           <p:nvPr/>
-        </p:nvPicPr>
-        <p:blipFill>
-          <a:blip r:embed="rId3">
-            <a:extLst>
-              <a:ext uri="{28A0092B-C50C-407E-A947-70E740481C1C}">
-                <a14:useLocalDpi xmlns:a14="http://schemas.microsoft.com/office/drawing/2010/main" val="0"/>
-              </a:ext>
-            </a:extLst>
-          </a:blip>
-          <a:stretch>
-            <a:fillRect/>
-          </a:stretch>
-        </p:blipFill>
-        <p:spPr>
-          <a:xfrm>
-            <a:off x="943372" y="4101175"/>
-            <a:ext cx="5648613" cy="2259445"/>
+        </p:nvSpPr>
+        <p:spPr>
+          <a:xfrm>
+            <a:off x="1053509" y="3774487"/>
+            <a:ext cx="7658689" cy="3006559"/>
           </a:xfrm>
           <a:prstGeom prst="rect">
             <a:avLst/>
           </a:prstGeom>
-        </p:spPr>
-      </p:pic>
+          <a:solidFill>
+            <a:schemeClr val="bg1"/>
+          </a:solidFill>
+          <a:ln w="19800" cap="flat" cmpd="sng">
+            <a:solidFill>
+              <a:schemeClr val="bg1"/>
+            </a:solidFill>
+            <a:prstDash val="solid"/>
+            <a:round/>
+            <a:headEnd type="none" w="med" len="med"/>
+            <a:tailEnd type="none" w="med" len="med"/>
+          </a:ln>
+        </p:spPr>
+        <p:txBody>
+          <a:bodyPr wrap="square" lIns="0" tIns="31100" rIns="0" bIns="0" anchor="t" anchorCtr="0">
+            <a:noAutofit/>
+          </a:bodyPr>
+          <a:lstStyle/>
+          <a:p>
+            <a:r>
+              <a:rPr lang="en-US" b="1" dirty="0" smtClean="0">
+                <a:latin typeface="Questrial" panose="020B0604020202020204" charset="0"/>
+              </a:rPr>
+              <a:t> </a:t>
+            </a:r>
+            <a:r>
+              <a:rPr lang="en-US" b="1" dirty="0" smtClean="0">
+                <a:latin typeface="Questrial" panose="020B0604020202020204" charset="0"/>
+              </a:rPr>
+              <a:t>{</a:t>
+            </a:r>
+          </a:p>
+          <a:p>
+            <a:r>
+              <a:rPr lang="en-US" sz="2000" b="1" dirty="0" smtClean="0">
+                <a:solidFill>
+                  <a:srgbClr val="7030A0"/>
+                </a:solidFill>
+                <a:latin typeface="Questrial" panose="020B0604020202020204" charset="0"/>
+              </a:rPr>
+              <a:t>   “name” </a:t>
+            </a:r>
+            <a:r>
+              <a:rPr lang="en-US" sz="2000" b="1" dirty="0" smtClean="0">
+                <a:latin typeface="Questrial" panose="020B0604020202020204" charset="0"/>
+              </a:rPr>
+              <a:t>: </a:t>
+            </a:r>
+            <a:r>
+              <a:rPr lang="en-US" sz="2000" b="1" dirty="0" smtClean="0">
+                <a:solidFill>
+                  <a:srgbClr val="008000"/>
+                </a:solidFill>
+                <a:latin typeface="Questrial" panose="020B0604020202020204" charset="0"/>
+              </a:rPr>
+              <a:t>“interview”</a:t>
+            </a:r>
+            <a:r>
+              <a:rPr lang="en-US" sz="2000" dirty="0" smtClean="0">
+                <a:solidFill>
+                  <a:schemeClr val="tx1"/>
+                </a:solidFill>
+                <a:latin typeface="Questrial"/>
+                <a:sym typeface="Questrial"/>
+              </a:rPr>
+              <a:t>,</a:t>
+            </a:r>
+          </a:p>
+          <a:p>
+            <a:r>
+              <a:rPr lang="en-US" sz="2000" b="1" dirty="0">
+                <a:solidFill>
+                  <a:srgbClr val="7030A0"/>
+                </a:solidFill>
+                <a:latin typeface="Questrial" panose="020B0604020202020204" charset="0"/>
+              </a:rPr>
+              <a:t> </a:t>
+            </a:r>
+            <a:r>
+              <a:rPr lang="en-US" sz="2000" b="1" dirty="0" smtClean="0">
+                <a:solidFill>
+                  <a:srgbClr val="7030A0"/>
+                </a:solidFill>
+                <a:latin typeface="Questrial" panose="020B0604020202020204" charset="0"/>
+              </a:rPr>
+              <a:t>  “version” </a:t>
+            </a:r>
+            <a:r>
+              <a:rPr lang="en-US" sz="2000" b="1" dirty="0">
+                <a:latin typeface="Questrial" panose="020B0604020202020204" charset="0"/>
+              </a:rPr>
+              <a:t>: </a:t>
+            </a:r>
+            <a:r>
+              <a:rPr lang="en-US" sz="2000" b="1" dirty="0" smtClean="0">
+                <a:solidFill>
+                  <a:srgbClr val="008000"/>
+                </a:solidFill>
+                <a:latin typeface="Questrial" panose="020B0604020202020204" charset="0"/>
+              </a:rPr>
+              <a:t>“0.1.0”</a:t>
+            </a:r>
+            <a:r>
+              <a:rPr lang="en-US" sz="2000" dirty="0" smtClean="0">
+                <a:solidFill>
+                  <a:schemeClr val="tx1"/>
+                </a:solidFill>
+                <a:latin typeface="Questrial"/>
+                <a:sym typeface="Questrial"/>
+              </a:rPr>
+              <a:t>,</a:t>
+            </a:r>
+          </a:p>
+          <a:p>
+            <a:r>
+              <a:rPr lang="en-US" sz="2000" b="1" dirty="0" smtClean="0">
+                <a:solidFill>
+                  <a:srgbClr val="7030A0"/>
+                </a:solidFill>
+                <a:latin typeface="Questrial" panose="020B0604020202020204" charset="0"/>
+              </a:rPr>
+              <a:t>   “dependencies” </a:t>
+            </a:r>
+            <a:r>
+              <a:rPr lang="en-US" sz="2000" b="1" dirty="0">
+                <a:latin typeface="Questrial" panose="020B0604020202020204" charset="0"/>
+              </a:rPr>
+              <a:t>: </a:t>
+            </a:r>
+            <a:r>
+              <a:rPr lang="en-US" sz="2000" b="1" dirty="0" smtClean="0">
+                <a:solidFill>
+                  <a:schemeClr val="tx1"/>
+                </a:solidFill>
+                <a:latin typeface="Questrial" panose="020B0604020202020204" charset="0"/>
+              </a:rPr>
+              <a:t>{</a:t>
+            </a:r>
+          </a:p>
+          <a:p>
+            <a:r>
+              <a:rPr lang="en-US" sz="2000" b="1" dirty="0" smtClean="0">
+                <a:solidFill>
+                  <a:schemeClr val="tx1"/>
+                </a:solidFill>
+                <a:latin typeface="Questrial" panose="020B0604020202020204" charset="0"/>
+              </a:rPr>
+              <a:t>        …</a:t>
+            </a:r>
+          </a:p>
+          <a:p>
+            <a:r>
+              <a:rPr lang="en-US" sz="2000" b="1" dirty="0" smtClean="0">
+                <a:solidFill>
+                  <a:schemeClr val="tx1"/>
+                </a:solidFill>
+                <a:latin typeface="Questrial" panose="020B0604020202020204" charset="0"/>
+              </a:rPr>
+              <a:t>   },</a:t>
+            </a:r>
+          </a:p>
+          <a:p>
+            <a:r>
+              <a:rPr lang="en-US" sz="2000" b="1" dirty="0" smtClean="0">
+                <a:solidFill>
+                  <a:srgbClr val="7030A0"/>
+                </a:solidFill>
+                <a:latin typeface="Questrial" panose="020B0604020202020204" charset="0"/>
+              </a:rPr>
+              <a:t>   “scripts” </a:t>
+            </a:r>
+            <a:r>
+              <a:rPr lang="en-US" sz="2000" b="1" dirty="0">
+                <a:latin typeface="Questrial" panose="020B0604020202020204" charset="0"/>
+              </a:rPr>
+              <a:t>: </a:t>
+            </a:r>
+            <a:r>
+              <a:rPr lang="en-US" sz="2000" b="1" dirty="0">
+                <a:solidFill>
+                  <a:schemeClr val="tx1"/>
+                </a:solidFill>
+                <a:latin typeface="Questrial" panose="020B0604020202020204" charset="0"/>
+              </a:rPr>
+              <a:t>{</a:t>
+            </a:r>
+          </a:p>
+          <a:p>
+            <a:r>
+              <a:rPr lang="en-US" sz="2000" b="1" dirty="0">
+                <a:solidFill>
+                  <a:schemeClr val="tx1"/>
+                </a:solidFill>
+                <a:latin typeface="Questrial" panose="020B0604020202020204" charset="0"/>
+              </a:rPr>
+              <a:t>        </a:t>
+            </a:r>
+            <a:r>
+              <a:rPr lang="en-US" sz="2000" b="1" dirty="0" smtClean="0">
+                <a:solidFill>
+                  <a:srgbClr val="7030A0"/>
+                </a:solidFill>
+                <a:latin typeface="Questrial" panose="020B0604020202020204" charset="0"/>
+              </a:rPr>
+              <a:t>“test” </a:t>
+            </a:r>
+            <a:r>
+              <a:rPr lang="en-US" sz="2000" b="1" dirty="0">
+                <a:latin typeface="Questrial" panose="020B0604020202020204" charset="0"/>
+              </a:rPr>
+              <a:t>: </a:t>
+            </a:r>
+            <a:r>
+              <a:rPr lang="en-US" sz="2000" b="1" dirty="0" smtClean="0">
+                <a:solidFill>
+                  <a:srgbClr val="008000"/>
+                </a:solidFill>
+                <a:latin typeface="Questrial" panose="020B0604020202020204" charset="0"/>
+              </a:rPr>
+              <a:t>“…..”</a:t>
+            </a:r>
+            <a:endParaRPr lang="en-US" sz="2000" b="1" dirty="0">
+              <a:solidFill>
+                <a:schemeClr val="tx1"/>
+              </a:solidFill>
+              <a:latin typeface="Questrial" panose="020B0604020202020204" charset="0"/>
+            </a:endParaRPr>
+          </a:p>
+          <a:p>
+            <a:r>
+              <a:rPr lang="en-US" sz="2000" b="1" dirty="0">
+                <a:solidFill>
+                  <a:schemeClr val="tx1"/>
+                </a:solidFill>
+                <a:latin typeface="Questrial" panose="020B0604020202020204" charset="0"/>
+              </a:rPr>
+              <a:t>   </a:t>
+            </a:r>
+            <a:r>
+              <a:rPr lang="en-US" sz="2000" b="1" dirty="0" smtClean="0">
+                <a:solidFill>
+                  <a:schemeClr val="tx1"/>
+                </a:solidFill>
+                <a:latin typeface="Questrial" panose="020B0604020202020204" charset="0"/>
+              </a:rPr>
+              <a:t>}, …</a:t>
+            </a:r>
+          </a:p>
+          <a:p>
+            <a:r>
+              <a:rPr lang="en-US" sz="2000" b="1" dirty="0">
+                <a:solidFill>
+                  <a:schemeClr val="tx1"/>
+                </a:solidFill>
+                <a:latin typeface="Questrial" panose="020B0604020202020204" charset="0"/>
+              </a:rPr>
+              <a:t>}</a:t>
+            </a:r>
+          </a:p>
+          <a:p>
+            <a:endParaRPr lang="en-US" sz="2000" b="1" dirty="0" smtClean="0">
+              <a:solidFill>
+                <a:schemeClr val="tx1"/>
+              </a:solidFill>
+              <a:latin typeface="Questrial" panose="020B0604020202020204" charset="0"/>
+            </a:endParaRPr>
+          </a:p>
+          <a:p>
+            <a:endParaRPr lang="en-US" sz="2000" dirty="0">
+              <a:solidFill>
+                <a:schemeClr val="tx1"/>
+              </a:solidFill>
+              <a:latin typeface="Questrial" panose="020B0604020202020204" charset="0"/>
+            </a:endParaRPr>
+          </a:p>
+          <a:p>
+            <a:endParaRPr lang="en-US" sz="2000" dirty="0">
+              <a:latin typeface="Questrial" panose="020B0604020202020204" charset="0"/>
+            </a:endParaRPr>
+          </a:p>
+        </p:txBody>
+      </p:sp>
     </p:spTree>
     <p:extLst>
       <p:ext uri="{BB962C8B-B14F-4D97-AF65-F5344CB8AC3E}">
@@ -10873,7 +11139,13 @@
               <a:rPr lang="en-US" sz="2600" dirty="0" smtClean="0">
                 <a:latin typeface="Questrial" panose="020B0604020202020204" charset="0"/>
               </a:rPr>
-              <a:t>Most common but optional</a:t>
+              <a:t>Most </a:t>
+            </a:r>
+            <a:r>
+              <a:rPr lang="en-US" sz="2600" dirty="0" smtClean="0">
+                <a:latin typeface="Questrial" panose="020B0604020202020204" charset="0"/>
+              </a:rPr>
+              <a:t>common</a:t>
             </a:r>
             <a:endParaRPr lang="en-US" sz="2600" dirty="0">
               <a:latin typeface="Questrial" panose="020B0604020202020204" charset="0"/>
@@ -10914,8 +11186,38 @@
               <a:rPr lang="en-US" sz="2200" dirty="0" smtClean="0">
                 <a:latin typeface="Questrial" panose="020B0604020202020204" charset="0"/>
               </a:rPr>
-              <a:t>main – application’s entry point </a:t>
-            </a:r>
+              <a:t>main – </a:t>
+            </a:r>
+            <a:r>
+              <a:rPr lang="en-US" sz="2200" dirty="0" smtClean="0">
+                <a:latin typeface="Questrial" panose="020B0604020202020204" charset="0"/>
+              </a:rPr>
+              <a:t>package’s </a:t>
+            </a:r>
+            <a:r>
+              <a:rPr lang="en-US" sz="2200" dirty="0" smtClean="0">
+                <a:latin typeface="Questrial" panose="020B0604020202020204" charset="0"/>
+              </a:rPr>
+              <a:t>entry point </a:t>
+            </a:r>
+            <a:r>
+              <a:rPr lang="en-US" sz="2200" dirty="0" smtClean="0">
+                <a:latin typeface="Questrial" panose="020B0604020202020204" charset="0"/>
+              </a:rPr>
+              <a:t> e.g. </a:t>
+            </a:r>
+            <a:r>
+              <a:rPr lang="en-US" sz="2200" dirty="0" smtClean="0">
+                <a:solidFill>
+                  <a:srgbClr val="FF0000"/>
+                </a:solidFill>
+                <a:latin typeface="Questrial" panose="020B0604020202020204" charset="0"/>
+              </a:rPr>
+              <a:t>“index.js”</a:t>
+            </a:r>
+            <a:endParaRPr lang="en-US" sz="2200" dirty="0" smtClean="0">
+              <a:latin typeface="Questrial" panose="020B0604020202020204" charset="0"/>
+            </a:endParaRPr>
           </a:p>
           <a:p>
             <a:pPr marL="652780" lvl="1" indent="-284480">
@@ -11017,9 +11319,6 @@
               </a:rPr>
               <a:t>Specifies where the code lives</a:t>
             </a:r>
-            <a:endParaRPr lang="en-US" sz="2200" dirty="0">
-              <a:latin typeface="Questrial" panose="020B0604020202020204" charset="0"/>
-            </a:endParaRPr>
           </a:p>
           <a:p>
             <a:pPr marL="332740" lvl="0" indent="-320040">
@@ -12422,7 +12721,7 @@
             <a:r>
               <a:rPr lang="en-US" sz="2800" dirty="0" err="1">
                 <a:solidFill>
-                  <a:srgbClr val="0070C0"/>
+                  <a:srgbClr val="FF0000"/>
                 </a:solidFill>
               </a:rPr>
               <a:t>npm</a:t>
@@ -12430,7 +12729,7 @@
             <a:r>
               <a:rPr lang="en-US" sz="2800" dirty="0">
                 <a:solidFill>
-                  <a:srgbClr val="0070C0"/>
+                  <a:srgbClr val="FF0000"/>
                 </a:solidFill>
               </a:rPr>
               <a:t> install </a:t>
@@ -12438,7 +12737,7 @@
             <a:r>
               <a:rPr lang="en-US" sz="2800" dirty="0" err="1">
                 <a:solidFill>
-                  <a:srgbClr val="0070C0"/>
+                  <a:srgbClr val="FF0000"/>
                 </a:solidFill>
               </a:rPr>
               <a:t>npm@latest</a:t>
@@ -12446,7 +12745,7 @@
             <a:r>
               <a:rPr lang="en-US" sz="2800" dirty="0">
                 <a:solidFill>
-                  <a:srgbClr val="0070C0"/>
+                  <a:srgbClr val="FF0000"/>
                 </a:solidFill>
               </a:rPr>
               <a:t> </a:t>
@@ -12454,7 +12753,7 @@
             <a:r>
               <a:rPr lang="en-US" sz="2800" dirty="0" smtClean="0">
                 <a:solidFill>
-                  <a:srgbClr val="0070C0"/>
+                  <a:srgbClr val="FF0000"/>
                 </a:solidFill>
               </a:rPr>
               <a:t>–g</a:t>
@@ -12936,6 +13235,109 @@
             </a:endParaRPr>
           </a:p>
           <a:p>
+            <a:pPr marL="332740" indent="-320040">
+              <a:spcBef>
+                <a:spcPts val="695"/>
+              </a:spcBef>
+              <a:buClr>
+                <a:srgbClr val="DD8046"/>
+              </a:buClr>
+              <a:buSzPct val="60344"/>
+              <a:buFont typeface="Arial"/>
+              <a:buChar char=""/>
+            </a:pPr>
+            <a:endParaRPr lang="en-US" sz="2600" dirty="0" smtClean="0">
+              <a:latin typeface="Questrial" panose="020B0604020202020204" charset="0"/>
+            </a:endParaRPr>
+          </a:p>
+          <a:p>
+            <a:pPr marL="332740" indent="-320040">
+              <a:spcBef>
+                <a:spcPts val="695"/>
+              </a:spcBef>
+              <a:buClr>
+                <a:srgbClr val="DD8046"/>
+              </a:buClr>
+              <a:buSzPct val="60344"/>
+              <a:buFont typeface="Arial"/>
+              <a:buChar char=""/>
+            </a:pPr>
+            <a:endParaRPr lang="en-US" sz="2600" dirty="0" smtClean="0">
+              <a:latin typeface="Questrial" panose="020B0604020202020204" charset="0"/>
+            </a:endParaRPr>
+          </a:p>
+          <a:p>
+            <a:pPr marL="332740" indent="-320040">
+              <a:spcBef>
+                <a:spcPts val="695"/>
+              </a:spcBef>
+              <a:buClr>
+                <a:srgbClr val="DD8046"/>
+              </a:buClr>
+              <a:buSzPct val="60344"/>
+              <a:buFont typeface="Arial"/>
+              <a:buChar char=""/>
+            </a:pPr>
+            <a:r>
+              <a:rPr lang="en-US" sz="2600" dirty="0" smtClean="0">
+                <a:latin typeface="Questrial" panose="020B0604020202020204" charset="0"/>
+              </a:rPr>
+              <a:t>Most </a:t>
+            </a:r>
+            <a:r>
+              <a:rPr lang="en-US" sz="2600" dirty="0">
+                <a:latin typeface="Questrial" panose="020B0604020202020204" charset="0"/>
+              </a:rPr>
+              <a:t>packages use </a:t>
+            </a:r>
+            <a:r>
+              <a:rPr lang="en-US" sz="2600" dirty="0" err="1">
+                <a:solidFill>
+                  <a:srgbClr val="0070C0"/>
+                </a:solidFill>
+                <a:latin typeface="Questrial" panose="020B0604020202020204" charset="0"/>
+              </a:rPr>
+              <a:t>Semver</a:t>
+            </a:r>
+            <a:r>
+              <a:rPr lang="en-US" sz="2600" dirty="0">
+                <a:latin typeface="Questrial" panose="020B0604020202020204" charset="0"/>
+              </a:rPr>
+              <a:t> - Semantic Versioning</a:t>
+            </a:r>
+            <a:endParaRPr lang="en-US" sz="2600" dirty="0" smtClean="0">
+              <a:latin typeface="Questrial" panose="020B0604020202020204" charset="0"/>
+            </a:endParaRPr>
+          </a:p>
+          <a:p>
+            <a:pPr marL="652780" lvl="1" indent="-284480">
+              <a:spcBef>
+                <a:spcPts val="625"/>
+              </a:spcBef>
+              <a:buClr>
+                <a:srgbClr val="93B6D2"/>
+              </a:buClr>
+              <a:buSzPct val="69230"/>
+              <a:buFont typeface="Noto Sans Symbols"/>
+              <a:buChar char="⬜"/>
+            </a:pPr>
+            <a:r>
+              <a:rPr lang="en-US" sz="2200" dirty="0" err="1" smtClean="0">
+                <a:latin typeface="Questrial" panose="020B0604020202020204" charset="0"/>
+              </a:rPr>
+              <a:t>major.minor.patch</a:t>
+            </a:r>
+            <a:r>
+              <a:rPr lang="en-US" sz="2200" dirty="0" smtClean="0">
+                <a:latin typeface="Questrial" panose="020B0604020202020204" charset="0"/>
+              </a:rPr>
+              <a:t> </a:t>
+            </a:r>
+            <a:endParaRPr lang="en-US" sz="2600" dirty="0" smtClean="0">
+              <a:latin typeface="Questrial" panose="020B0604020202020204" charset="0"/>
+            </a:endParaRPr>
+          </a:p>
+          <a:p>
             <a:pPr marL="332740" lvl="0" indent="-320040">
               <a:buClr>
                 <a:srgbClr val="DD8046"/>
@@ -12944,9 +13346,12 @@
               <a:buFont typeface="Arial"/>
               <a:buChar char=""/>
             </a:pPr>
-            <a:endParaRPr lang="en-US" sz="2600" dirty="0" smtClean="0">
-              <a:latin typeface="Questrial" panose="020B0604020202020204" charset="0"/>
-            </a:endParaRPr>
+            <a:r>
+              <a:rPr lang="en-US" sz="2600" dirty="0" smtClean="0">
+                <a:latin typeface="Questrial" panose="020B0604020202020204" charset="0"/>
+              </a:rPr>
+              <a:t>Packages update rapidly</a:t>
+            </a:r>
           </a:p>
           <a:p>
             <a:pPr marL="332740" lvl="0" indent="-320040">
@@ -12957,96 +13362,18 @@
               <a:buFont typeface="Arial"/>
               <a:buChar char=""/>
             </a:pPr>
-            <a:endParaRPr lang="en-US" sz="2600" dirty="0" smtClean="0">
-              <a:latin typeface="Questrial" panose="020B0604020202020204" charset="0"/>
-            </a:endParaRPr>
-          </a:p>
-          <a:p>
-            <a:pPr marL="332740" indent="-320040">
-              <a:spcBef>
-                <a:spcPts val="695"/>
-              </a:spcBef>
-              <a:buClr>
-                <a:srgbClr val="DD8046"/>
-              </a:buClr>
-              <a:buSzPct val="60344"/>
-              <a:buFont typeface="Arial"/>
-              <a:buChar char=""/>
-            </a:pPr>
-            <a:endParaRPr lang="en-US" sz="2600" dirty="0" smtClean="0">
-              <a:latin typeface="Questrial" panose="020B0604020202020204" charset="0"/>
-            </a:endParaRPr>
-          </a:p>
-          <a:p>
-            <a:pPr marL="332740" indent="-320040">
-              <a:spcBef>
-                <a:spcPts val="695"/>
-              </a:spcBef>
-              <a:buClr>
-                <a:srgbClr val="DD8046"/>
-              </a:buClr>
-              <a:buSzPct val="60344"/>
-              <a:buFont typeface="Arial"/>
-              <a:buChar char=""/>
-            </a:pPr>
+            <a:r>
+              <a:rPr lang="en-US" sz="2600" dirty="0" err="1" smtClean="0">
+                <a:latin typeface="Questrial" panose="020B0604020202020204" charset="0"/>
+              </a:rPr>
+              <a:t>npm</a:t>
+            </a:r>
             <a:r>
               <a:rPr lang="en-US" sz="2600" dirty="0" smtClean="0">
                 <a:latin typeface="Questrial" panose="020B0604020202020204" charset="0"/>
               </a:rPr>
-              <a:t>Most </a:t>
-            </a:r>
-            <a:r>
-              <a:rPr lang="en-US" sz="2600" dirty="0">
-                <a:latin typeface="Questrial" panose="020B0604020202020204" charset="0"/>
-              </a:rPr>
-              <a:t>packages use </a:t>
-            </a:r>
-            <a:r>
-              <a:rPr lang="en-US" sz="2600" dirty="0" err="1">
-                <a:solidFill>
-                  <a:srgbClr val="0070C0"/>
-                </a:solidFill>
-                <a:latin typeface="Questrial" panose="020B0604020202020204" charset="0"/>
-              </a:rPr>
-              <a:t>Semver</a:t>
-            </a:r>
-            <a:r>
-              <a:rPr lang="en-US" sz="2600" dirty="0">
-                <a:latin typeface="Questrial" panose="020B0604020202020204" charset="0"/>
-              </a:rPr>
-              <a:t> - Semantic Versioning</a:t>
-            </a:r>
-            <a:endParaRPr lang="en-US" sz="2600" dirty="0" smtClean="0">
-              <a:latin typeface="Questrial" panose="020B0604020202020204" charset="0"/>
-            </a:endParaRPr>
-          </a:p>
-          <a:p>
-            <a:pPr marL="652780" lvl="1" indent="-284480">
-              <a:spcBef>
-                <a:spcPts val="625"/>
-              </a:spcBef>
-              <a:buClr>
-                <a:srgbClr val="93B6D2"/>
-              </a:buClr>
-              <a:buSzPct val="69230"/>
-              <a:buFont typeface="Noto Sans Symbols"/>
-              <a:buChar char="⬜"/>
-            </a:pPr>
-            <a:r>
-              <a:rPr lang="en-US" sz="2200" dirty="0" err="1" smtClean="0">
-                <a:latin typeface="Questrial" panose="020B0604020202020204" charset="0"/>
-              </a:rPr>
-              <a:t>major.minor.patch</a:t>
-            </a:r>
-            <a:r>
-              <a:rPr lang="en-US" sz="2200" dirty="0" smtClean="0">
-                <a:latin typeface="Questrial" panose="020B0604020202020204" charset="0"/>
-              </a:rPr>
-              <a:t> </a:t>
-            </a:r>
-            <a:endParaRPr lang="en-US" sz="2600" dirty="0" smtClean="0">
-              <a:latin typeface="Questrial" panose="020B0604020202020204" charset="0"/>
-            </a:endParaRPr>
+              <a:t> uses version ranges to accommodate that</a:t>
+            </a:r>
           </a:p>
           <a:p>
             <a:pPr marL="332740" lvl="0" indent="-320040">
@@ -13061,8 +13388,26 @@
               <a:rPr lang="en-US" sz="2600" dirty="0" smtClean="0">
                 <a:latin typeface="Questrial" panose="020B0604020202020204" charset="0"/>
               </a:rPr>
-              <a:t>Packages update rapidly</a:t>
-            </a:r>
+              <a:t>Installs and updates the latest allowed in the range</a:t>
+            </a:r>
+          </a:p>
+          <a:p>
+            <a:pPr marL="12700" lvl="0">
+              <a:buClr>
+                <a:srgbClr val="DD8046"/>
+              </a:buClr>
+              <a:buSzPct val="60344"/>
+            </a:pPr>
+            <a:r>
+              <a:rPr lang="en-US" sz="2800" dirty="0"/>
+              <a:t/>
+            </a:r>
+            <a:br>
+              <a:rPr lang="en-US" sz="2800" dirty="0"/>
+            </a:br>
+            <a:endParaRPr lang="en-US" sz="2600" dirty="0" smtClean="0">
+              <a:latin typeface="Questrial" panose="020B0604020202020204" charset="0"/>
+            </a:endParaRPr>
           </a:p>
           <a:p>
             <a:pPr marL="332740" lvl="0" indent="-320040">
@@ -13073,98 +13418,130 @@
               <a:buFont typeface="Arial"/>
               <a:buChar char=""/>
             </a:pPr>
-            <a:r>
-              <a:rPr lang="en-US" sz="2600" dirty="0" err="1" smtClean="0">
-                <a:latin typeface="Questrial" panose="020B0604020202020204" charset="0"/>
-              </a:rPr>
-              <a:t>npm</a:t>
-            </a:r>
-            <a:r>
-              <a:rPr lang="en-US" sz="2600" dirty="0" smtClean="0">
-                <a:latin typeface="Questrial" panose="020B0604020202020204" charset="0"/>
-              </a:rPr>
-              <a:t> uses version ranges to accommodate that</a:t>
-            </a:r>
-          </a:p>
-          <a:p>
-            <a:pPr marL="332740" lvl="0" indent="-320040">
-              <a:buClr>
-                <a:srgbClr val="DD8046"/>
-              </a:buClr>
-              <a:buSzPct val="60344"/>
-              <a:buFont typeface="Arial"/>
-              <a:buChar char=""/>
-            </a:pPr>
-            <a:r>
-              <a:rPr lang="en-US" sz="2600" dirty="0" smtClean="0">
-                <a:latin typeface="Questrial" panose="020B0604020202020204" charset="0"/>
-              </a:rPr>
-              <a:t>Installs and updates the latest allowed in the range</a:t>
-            </a:r>
-          </a:p>
-          <a:p>
-            <a:pPr marL="12700" lvl="0">
-              <a:buClr>
-                <a:srgbClr val="DD8046"/>
-              </a:buClr>
-              <a:buSzPct val="60344"/>
-            </a:pPr>
-            <a:r>
-              <a:rPr lang="en-US" sz="2800" dirty="0"/>
-              <a:t/>
-            </a:r>
-            <a:br>
-              <a:rPr lang="en-US" sz="2800" dirty="0"/>
-            </a:br>
             <a:endParaRPr lang="en-US" sz="2600" dirty="0" smtClean="0">
               <a:latin typeface="Questrial" panose="020B0604020202020204" charset="0"/>
             </a:endParaRPr>
           </a:p>
-          <a:p>
-            <a:pPr marL="332740" lvl="0" indent="-320040">
-              <a:buClr>
-                <a:srgbClr val="DD8046"/>
-              </a:buClr>
-              <a:buSzPct val="60344"/>
-              <a:buFont typeface="Arial"/>
-              <a:buChar char=""/>
-            </a:pPr>
-            <a:endParaRPr lang="en-US" sz="2600" dirty="0" smtClean="0">
+        </p:txBody>
+      </p:sp>
+      <p:sp>
+        <p:nvSpPr>
+          <p:cNvPr id="9" name="Shape 190"/>
+          <p:cNvSpPr txBox="1"/>
+          <p:nvPr/>
+        </p:nvSpPr>
+        <p:spPr>
+          <a:xfrm>
+            <a:off x="1348966" y="2689758"/>
+            <a:ext cx="7001093" cy="933323"/>
+          </a:xfrm>
+          <a:prstGeom prst="rect">
+            <a:avLst/>
+          </a:prstGeom>
+          <a:solidFill>
+            <a:schemeClr val="bg1"/>
+          </a:solidFill>
+          <a:ln w="19800" cap="flat" cmpd="sng">
+            <a:solidFill>
+              <a:schemeClr val="bg1"/>
+            </a:solidFill>
+            <a:prstDash val="solid"/>
+            <a:round/>
+            <a:headEnd type="none" w="med" len="med"/>
+            <a:tailEnd type="none" w="med" len="med"/>
+          </a:ln>
+        </p:spPr>
+        <p:txBody>
+          <a:bodyPr wrap="square" lIns="0" tIns="31100" rIns="0" bIns="0" anchor="t" anchorCtr="0">
+            <a:noAutofit/>
+          </a:bodyPr>
+          <a:lstStyle/>
+          <a:p>
+            <a:r>
+              <a:rPr lang="en-US" sz="2000" b="1" dirty="0">
+                <a:solidFill>
+                  <a:srgbClr val="7030A0"/>
+                </a:solidFill>
+                <a:latin typeface="Questrial" panose="020B0604020202020204" charset="0"/>
+              </a:rPr>
+              <a:t>“dependencies” </a:t>
+            </a:r>
+            <a:r>
+              <a:rPr lang="en-US" sz="2000" b="1" dirty="0">
+                <a:latin typeface="Questrial" panose="020B0604020202020204" charset="0"/>
+              </a:rPr>
+              <a:t>: </a:t>
+            </a:r>
+            <a:r>
+              <a:rPr lang="en-US" sz="2000" b="1" dirty="0">
+                <a:solidFill>
+                  <a:schemeClr val="tx1"/>
+                </a:solidFill>
+                <a:latin typeface="Questrial" panose="020B0604020202020204" charset="0"/>
+              </a:rPr>
+              <a:t>{</a:t>
+            </a:r>
+          </a:p>
+          <a:p>
+            <a:r>
+              <a:rPr lang="en-US" sz="2000" b="1" dirty="0">
+                <a:solidFill>
+                  <a:schemeClr val="tx1"/>
+                </a:solidFill>
+                <a:latin typeface="Questrial" panose="020B0604020202020204" charset="0"/>
+              </a:rPr>
+              <a:t>        </a:t>
+            </a:r>
+            <a:r>
+              <a:rPr lang="en-US" sz="2000" b="1" dirty="0">
+                <a:solidFill>
+                  <a:srgbClr val="7030A0"/>
+                </a:solidFill>
+                <a:latin typeface="Questrial" panose="020B0604020202020204" charset="0"/>
+              </a:rPr>
+              <a:t>“express” </a:t>
+            </a:r>
+            <a:r>
+              <a:rPr lang="en-US" sz="2000" b="1" dirty="0">
+                <a:latin typeface="Questrial" panose="020B0604020202020204" charset="0"/>
+              </a:rPr>
+              <a:t>: </a:t>
+            </a:r>
+            <a:r>
+              <a:rPr lang="en-US" sz="2000" b="1" dirty="0">
+                <a:solidFill>
+                  <a:srgbClr val="008000"/>
+                </a:solidFill>
+                <a:latin typeface="Questrial" panose="020B0604020202020204" charset="0"/>
+              </a:rPr>
+              <a:t>“4.14.0”</a:t>
+            </a:r>
+            <a:endParaRPr lang="en-US" sz="2000" b="1" dirty="0">
+              <a:solidFill>
+                <a:schemeClr val="tx1"/>
+              </a:solidFill>
               <a:latin typeface="Questrial" panose="020B0604020202020204" charset="0"/>
             </a:endParaRPr>
           </a:p>
+          <a:p>
+            <a:r>
+              <a:rPr lang="en-US" sz="2000" b="1" dirty="0">
+                <a:solidFill>
+                  <a:schemeClr val="tx1"/>
+                </a:solidFill>
+                <a:latin typeface="Questrial" panose="020B0604020202020204" charset="0"/>
+              </a:rPr>
+              <a:t>   },</a:t>
+            </a:r>
+            <a:endParaRPr lang="en-US" sz="2000" b="1" dirty="0">
+              <a:solidFill>
+                <a:schemeClr val="tx1"/>
+              </a:solidFill>
+              <a:latin typeface="Questrial" panose="020B0604020202020204" charset="0"/>
+            </a:endParaRPr>
+          </a:p>
         </p:txBody>
       </p:sp>
-      <p:pic>
-        <p:nvPicPr>
-          <p:cNvPr id="2" name="Picture 1"/>
-          <p:cNvPicPr>
-            <a:picLocks noChangeAspect="1"/>
-          </p:cNvPicPr>
-          <p:nvPr/>
-        </p:nvPicPr>
-        <p:blipFill>
-          <a:blip r:embed="rId3">
-            <a:extLst>
-              <a:ext uri="{28A0092B-C50C-407E-A947-70E740481C1C}">
-                <a14:useLocalDpi xmlns:a14="http://schemas.microsoft.com/office/drawing/2010/main" val="0"/>
-              </a:ext>
-            </a:extLst>
-          </a:blip>
-          <a:stretch>
-            <a:fillRect/>
-          </a:stretch>
-        </p:blipFill>
-        <p:spPr>
-          <a:xfrm>
-            <a:off x="999181" y="2832087"/>
-            <a:ext cx="3199077" cy="988479"/>
-          </a:xfrm>
-          <a:prstGeom prst="rect">
-            <a:avLst/>
-          </a:prstGeom>
-        </p:spPr>
-      </p:pic>
     </p:spTree>
     <p:extLst>
       <p:ext uri="{BB962C8B-B14F-4D97-AF65-F5344CB8AC3E}">
@@ -14531,7 +14908,13 @@
               <a:rPr lang="en-US" sz="2200" i="1" dirty="0" smtClean="0">
                 <a:latin typeface="Questrial" panose="020B0604020202020204" charset="0"/>
               </a:rPr>
-              <a:t>Staring from v 5 </a:t>
+              <a:t>Staring from v </a:t>
+            </a:r>
+            <a:r>
+              <a:rPr lang="en-US" sz="2200" i="1" dirty="0" smtClean="0">
+                <a:latin typeface="Questrial" panose="020B0604020202020204" charset="0"/>
+              </a:rPr>
+              <a:t>5 </a:t>
             </a:r>
             <a:r>
               <a:rPr lang="en-US" sz="2200" i="1" dirty="0" smtClean="0">
@@ -15525,29 +15908,8 @@
                 <a:cs typeface="Questrial"/>
                 <a:sym typeface="Questrial"/>
               </a:rPr>
-              <a:t> </a:t>
-            </a:r>
-            <a:r>
-              <a:rPr lang="en-US" dirty="0" smtClean="0">
-                <a:solidFill>
-                  <a:srgbClr val="FFFFFF"/>
-                </a:solidFill>
-                <a:latin typeface="Questrial"/>
-                <a:ea typeface="Questrial"/>
-                <a:cs typeface="Questrial"/>
-                <a:sym typeface="Questrial"/>
-              </a:rPr>
-              <a:t>update</a:t>
-            </a:r>
-            <a:endParaRPr lang="en-US" dirty="0" smtClean="0">
-              <a:solidFill>
-                <a:srgbClr val="FFFFFF"/>
-              </a:solidFill>
-              <a:latin typeface="Questrial"/>
-              <a:ea typeface="Questrial"/>
-              <a:cs typeface="Questrial"/>
-              <a:sym typeface="Questrial"/>
-            </a:endParaRPr>
+              <a:t> update</a:t>
+            </a:r>
           </a:p>
           <a:p>
             <a:pPr marL="119379" marR="114935" lvl="0" indent="-5079">
@@ -15724,31 +16086,7 @@
                 <a:cs typeface="Questrial"/>
                 <a:sym typeface="Questrial"/>
               </a:rPr>
-              <a:t> </a:t>
-            </a:r>
-            <a:r>
-              <a:rPr lang="en-US" dirty="0" smtClean="0">
-                <a:solidFill>
-                  <a:srgbClr val="FFFFFF"/>
-                </a:solidFill>
-                <a:latin typeface="Questrial"/>
-                <a:ea typeface="Questrial"/>
-                <a:cs typeface="Questrial"/>
-                <a:sym typeface="Questrial"/>
-              </a:rPr>
-              <a:t>update</a:t>
-            </a:r>
-            <a:r>
-              <a:rPr lang="en-US" dirty="0" smtClean="0">
-                <a:solidFill>
-                  <a:srgbClr val="FFFFFF"/>
-                </a:solidFill>
-                <a:latin typeface="Questrial"/>
-                <a:ea typeface="Questrial"/>
-                <a:cs typeface="Questrial"/>
-                <a:sym typeface="Questrial"/>
-              </a:rPr>
-              <a:t> react </a:t>
+              <a:t> update react </a:t>
             </a:r>
           </a:p>
           <a:p>
@@ -16753,29 +17091,8 @@
                 <a:cs typeface="Questrial"/>
                 <a:sym typeface="Questrial"/>
               </a:rPr>
-              <a:t> </a:t>
-            </a:r>
-            <a:r>
-              <a:rPr lang="en-US" dirty="0" smtClean="0">
-                <a:solidFill>
-                  <a:srgbClr val="FFFFFF"/>
-                </a:solidFill>
-                <a:latin typeface="Questrial"/>
-                <a:ea typeface="Questrial"/>
-                <a:cs typeface="Questrial"/>
-                <a:sym typeface="Questrial"/>
-              </a:rPr>
-              <a:t>repo react</a:t>
-            </a:r>
-            <a:endParaRPr lang="en-US" dirty="0" smtClean="0">
-              <a:solidFill>
-                <a:srgbClr val="FFFFFF"/>
-              </a:solidFill>
-              <a:latin typeface="Questrial"/>
-              <a:ea typeface="Questrial"/>
-              <a:cs typeface="Questrial"/>
-              <a:sym typeface="Questrial"/>
-            </a:endParaRPr>
+              <a:t> repo react</a:t>
+            </a:r>
           </a:p>
           <a:p>
             <a:pPr marL="119379" marR="114935" lvl="0" indent="-5079">
@@ -16863,29 +17180,8 @@
                 <a:cs typeface="Questrial"/>
                 <a:sym typeface="Questrial"/>
               </a:rPr>
-              <a:t> </a:t>
-            </a:r>
-            <a:r>
-              <a:rPr lang="en-US" dirty="0" smtClean="0">
-                <a:solidFill>
-                  <a:srgbClr val="FFFFFF"/>
-                </a:solidFill>
-                <a:latin typeface="Questrial"/>
-                <a:ea typeface="Questrial"/>
-                <a:cs typeface="Questrial"/>
-                <a:sym typeface="Questrial"/>
-              </a:rPr>
-              <a:t>home react</a:t>
-            </a:r>
-            <a:endParaRPr lang="en-US" dirty="0" smtClean="0">
-              <a:solidFill>
-                <a:srgbClr val="FFFFFF"/>
-              </a:solidFill>
-              <a:latin typeface="Questrial"/>
-              <a:ea typeface="Questrial"/>
-              <a:cs typeface="Questrial"/>
-              <a:sym typeface="Questrial"/>
-            </a:endParaRPr>
+              <a:t> home react</a:t>
+            </a:r>
           </a:p>
           <a:p>
             <a:pPr marL="119379" marR="114935" lvl="0" indent="-5079">
@@ -17870,29 +18166,8 @@
                 <a:cs typeface="Questrial"/>
                 <a:sym typeface="Questrial"/>
               </a:rPr>
-              <a:t> </a:t>
-            </a:r>
-            <a:r>
-              <a:rPr lang="en-US" dirty="0" smtClean="0">
-                <a:solidFill>
-                  <a:srgbClr val="FFFFFF"/>
-                </a:solidFill>
-                <a:latin typeface="Questrial"/>
-                <a:ea typeface="Questrial"/>
-                <a:cs typeface="Questrial"/>
-                <a:sym typeface="Questrial"/>
-              </a:rPr>
-              <a:t>repo react</a:t>
-            </a:r>
-            <a:endParaRPr lang="en-US" dirty="0" smtClean="0">
-              <a:solidFill>
-                <a:srgbClr val="FFFFFF"/>
-              </a:solidFill>
-              <a:latin typeface="Questrial"/>
-              <a:ea typeface="Questrial"/>
-              <a:cs typeface="Questrial"/>
-              <a:sym typeface="Questrial"/>
-            </a:endParaRPr>
+              <a:t> repo react</a:t>
+            </a:r>
           </a:p>
           <a:p>
             <a:pPr marL="119379" marR="114935" lvl="0" indent="-5079">
@@ -17980,29 +18255,8 @@
                 <a:cs typeface="Questrial"/>
                 <a:sym typeface="Questrial"/>
               </a:rPr>
-              <a:t> </a:t>
-            </a:r>
-            <a:r>
-              <a:rPr lang="en-US" dirty="0" smtClean="0">
-                <a:solidFill>
-                  <a:srgbClr val="FFFFFF"/>
-                </a:solidFill>
-                <a:latin typeface="Questrial"/>
-                <a:ea typeface="Questrial"/>
-                <a:cs typeface="Questrial"/>
-                <a:sym typeface="Questrial"/>
-              </a:rPr>
-              <a:t>home react</a:t>
-            </a:r>
-            <a:endParaRPr lang="en-US" dirty="0" smtClean="0">
-              <a:solidFill>
-                <a:srgbClr val="FFFFFF"/>
-              </a:solidFill>
-              <a:latin typeface="Questrial"/>
-              <a:ea typeface="Questrial"/>
-              <a:cs typeface="Questrial"/>
-              <a:sym typeface="Questrial"/>
-            </a:endParaRPr>
+              <a:t> home react</a:t>
+            </a:r>
           </a:p>
           <a:p>
             <a:pPr marL="119379" marR="114935" lvl="0" indent="-5079">
@@ -21519,7 +21773,6 @@
               <a:rPr lang="en-US" dirty="0"/>
               <a:t>() {</a:t>
             </a:r>
-            <a:endParaRPr lang="en-US" dirty="0"/>
           </a:p>
           <a:p>
             <a:r>
@@ -21548,7 +21801,6 @@
               <a:rPr lang="en-US" dirty="0"/>
               <a:t>'bar';</a:t>
             </a:r>
-            <a:endParaRPr lang="en-US" dirty="0"/>
           </a:p>
           <a:p>
             <a:r>
@@ -21565,7 +21817,6 @@
               <a:rPr lang="en-US" dirty="0"/>
               <a:t> = foo;</a:t>
             </a:r>
-            <a:endParaRPr lang="en-US" dirty="0"/>
           </a:p>
           <a:p>
             <a:endParaRPr lang="en-US" dirty="0"/>
@@ -21661,7 +21912,6 @@
               <a:rPr lang="en-US" dirty="0"/>
               <a:t>console.log (foo());</a:t>
             </a:r>
-            <a:endParaRPr lang="en-US" dirty="0"/>
           </a:p>
           <a:p>
             <a:r>
@@ -24957,7 +25207,19 @@
               <a:rPr lang="en-US" sz="2400" dirty="0" smtClean="0">
                 <a:latin typeface="Questrial" panose="020B0604020202020204" charset="0"/>
               </a:rPr>
-              <a:t>e.g. foo.js loads module ./goo.js</a:t>
+              <a:t>e.g. </a:t>
+            </a:r>
+            <a:r>
+              <a:rPr lang="en-US" sz="2400" dirty="0" smtClean="0">
+                <a:latin typeface="Questrial" panose="020B0604020202020204" charset="0"/>
+              </a:rPr>
+              <a:t> foo.js </a:t>
+            </a:r>
+            <a:r>
+              <a:rPr lang="en-US" sz="2400" dirty="0" smtClean="0">
+                <a:latin typeface="Questrial" panose="020B0604020202020204" charset="0"/>
+              </a:rPr>
+              <a:t>loads module ./goo.js</a:t>
             </a:r>
           </a:p>
           <a:p>
@@ -24982,13 +25244,7 @@
               <a:rPr lang="en-US" sz="2600" dirty="0" smtClean="0">
                 <a:latin typeface="Questrial" panose="020B0604020202020204" charset="0"/>
               </a:rPr>
-              <a:t> - </a:t>
-            </a:r>
-            <a:r>
-              <a:rPr lang="en-US" sz="2600" dirty="0" smtClean="0">
-                <a:latin typeface="Questrial" panose="020B0604020202020204" charset="0"/>
-              </a:rPr>
-              <a:t>one or more modules packaged together</a:t>
+              <a:t> - one or more modules packaged together</a:t>
             </a:r>
           </a:p>
         </p:txBody>
@@ -25928,9 +26184,6 @@
               </a:rPr>
               <a:t>goodbye ^3.4.0</a:t>
             </a:r>
-            <a:endParaRPr lang="en-US" sz="2000" dirty="0">
-              <a:latin typeface="Questrial" panose="020B0604020202020204" charset="0"/>
-            </a:endParaRPr>
           </a:p>
         </p:txBody>
       </p:sp>
@@ -27147,7 +27400,13 @@
               <a:rPr lang="en-US" sz="2400" dirty="0" smtClean="0">
                 <a:latin typeface="Questrial" panose="020B0604020202020204" charset="0"/>
               </a:rPr>
-              <a:t>React depends on react-</a:t>
+              <a:t>e.g. React </a:t>
+            </a:r>
+            <a:r>
+              <a:rPr lang="en-US" sz="2400" dirty="0" smtClean="0">
+                <a:latin typeface="Questrial" panose="020B0604020202020204" charset="0"/>
+              </a:rPr>
+              <a:t>depends on react-</a:t>
             </a:r>
             <a:r>
               <a:rPr lang="en-US" sz="2400" dirty="0" err="1" smtClean="0">

--- a/02 Package Management.pptx
+++ b/02 Package Management.pptx
@@ -5,7 +5,7 @@
     <p:sldMasterId id="2147483653" r:id="rId1"/>
   </p:sldMasterIdLst>
   <p:notesMasterIdLst>
-    <p:notesMasterId r:id="rId29"/>
+    <p:notesMasterId r:id="rId31"/>
   </p:notesMasterIdLst>
   <p:sldIdLst>
     <p:sldId id="256" r:id="rId2"/>
@@ -30,25 +30,31 @@
     <p:sldId id="321" r:id="rId21"/>
     <p:sldId id="324" r:id="rId22"/>
     <p:sldId id="325" r:id="rId23"/>
-    <p:sldId id="326" r:id="rId24"/>
-    <p:sldId id="327" r:id="rId25"/>
-    <p:sldId id="328" r:id="rId26"/>
-    <p:sldId id="329" r:id="rId27"/>
-    <p:sldId id="330" r:id="rId28"/>
+    <p:sldId id="331" r:id="rId24"/>
+    <p:sldId id="326" r:id="rId25"/>
+    <p:sldId id="332" r:id="rId26"/>
+    <p:sldId id="327" r:id="rId27"/>
+    <p:sldId id="328" r:id="rId28"/>
+    <p:sldId id="329" r:id="rId29"/>
+    <p:sldId id="330" r:id="rId30"/>
   </p:sldIdLst>
   <p:sldSz cx="9144000" cy="6858000" type="screen4x3"/>
   <p:notesSz cx="9144000" cy="6858000"/>
   <p:embeddedFontLst>
     <p:embeddedFont>
+      <p:font typeface="Arial Unicode MS" panose="020B0604020202020204" pitchFamily="34" charset="-128"/>
+      <p:regular r:id="rId32"/>
+    </p:embeddedFont>
+    <p:embeddedFont>
       <p:font typeface="Calibri" panose="020F0502020204030204" pitchFamily="34" charset="0"/>
-      <p:regular r:id="rId30"/>
-      <p:bold r:id="rId31"/>
-      <p:italic r:id="rId32"/>
-      <p:boldItalic r:id="rId33"/>
+      <p:regular r:id="rId33"/>
+      <p:bold r:id="rId34"/>
+      <p:italic r:id="rId35"/>
+      <p:boldItalic r:id="rId36"/>
     </p:embeddedFont>
     <p:embeddedFont>
       <p:font typeface="Questrial" panose="020B0604020202020204" charset="0"/>
-      <p:regular r:id="rId34"/>
+      <p:regular r:id="rId37"/>
     </p:embeddedFont>
   </p:embeddedFontLst>
   <p:defaultTextStyle>
@@ -2291,7 +2297,7 @@
     </p:spTree>
     <p:extLst>
       <p:ext uri="{BB962C8B-B14F-4D97-AF65-F5344CB8AC3E}">
-        <p14:creationId xmlns:p14="http://schemas.microsoft.com/office/powerpoint/2010/main" val="3942103206"/>
+        <p14:creationId xmlns:p14="http://schemas.microsoft.com/office/powerpoint/2010/main" val="427440960"/>
       </p:ext>
     </p:extLst>
   </p:cSld>
@@ -2401,7 +2407,7 @@
     </p:spTree>
     <p:extLst>
       <p:ext uri="{BB962C8B-B14F-4D97-AF65-F5344CB8AC3E}">
-        <p14:creationId xmlns:p14="http://schemas.microsoft.com/office/powerpoint/2010/main" val="1791240284"/>
+        <p14:creationId xmlns:p14="http://schemas.microsoft.com/office/powerpoint/2010/main" val="3942103206"/>
       </p:ext>
     </p:extLst>
   </p:cSld>
@@ -2511,7 +2517,7 @@
     </p:spTree>
     <p:extLst>
       <p:ext uri="{BB962C8B-B14F-4D97-AF65-F5344CB8AC3E}">
-        <p14:creationId xmlns:p14="http://schemas.microsoft.com/office/powerpoint/2010/main" val="3122603746"/>
+        <p14:creationId xmlns:p14="http://schemas.microsoft.com/office/powerpoint/2010/main" val="2849016898"/>
       </p:ext>
     </p:extLst>
   </p:cSld>
@@ -2621,6 +2627,226 @@
     </p:spTree>
     <p:extLst>
       <p:ext uri="{BB962C8B-B14F-4D97-AF65-F5344CB8AC3E}">
+        <p14:creationId xmlns:p14="http://schemas.microsoft.com/office/powerpoint/2010/main" val="1791240284"/>
+      </p:ext>
+    </p:extLst>
+  </p:cSld>
+  <p:clrMapOvr>
+    <a:masterClrMapping/>
+  </p:clrMapOvr>
+</p:notes>
+</file>
+
+<file path=ppt/notesSlides/notesSlide27.xml><?xml version="1.0" encoding="utf-8"?>
+<p:notes xmlns:a="http://schemas.openxmlformats.org/drawingml/2006/main" xmlns:r="http://schemas.openxmlformats.org/officeDocument/2006/relationships" xmlns:p="http://schemas.openxmlformats.org/presentationml/2006/main" showMasterSp="0" showMasterPhAnim="0">
+  <p:cSld>
+    <p:spTree>
+      <p:nvGrpSpPr>
+        <p:cNvPr id="1" name="Shape 77"/>
+        <p:cNvGrpSpPr/>
+        <p:nvPr/>
+      </p:nvGrpSpPr>
+      <p:grpSpPr>
+        <a:xfrm>
+          <a:off x="0" y="0"/>
+          <a:ext cx="0" cy="0"/>
+          <a:chOff x="0" y="0"/>
+          <a:chExt cx="0" cy="0"/>
+        </a:xfrm>
+      </p:grpSpPr>
+      <p:sp>
+        <p:nvSpPr>
+          <p:cNvPr id="78" name="Shape 78"/>
+          <p:cNvSpPr txBox="1">
+            <a:spLocks noGrp="1"/>
+          </p:cNvSpPr>
+          <p:nvPr>
+            <p:ph type="body" idx="1"/>
+          </p:nvPr>
+        </p:nvSpPr>
+        <p:spPr>
+          <a:xfrm>
+            <a:off x="914400" y="3257550"/>
+            <a:ext cx="7315200" cy="3086100"/>
+          </a:xfrm>
+          <a:prstGeom prst="rect">
+            <a:avLst/>
+          </a:prstGeom>
+          <a:noFill/>
+          <a:ln>
+            <a:noFill/>
+          </a:ln>
+        </p:spPr>
+        <p:txBody>
+          <a:bodyPr wrap="square" lIns="91425" tIns="91425" rIns="91425" bIns="91425" anchor="ctr" anchorCtr="0">
+            <a:noAutofit/>
+          </a:bodyPr>
+          <a:lstStyle/>
+          <a:p>
+            <a:pPr lvl="0">
+              <a:spcBef>
+                <a:spcPts val="0"/>
+              </a:spcBef>
+              <a:buNone/>
+            </a:pPr>
+            <a:endParaRPr/>
+          </a:p>
+        </p:txBody>
+      </p:sp>
+      <p:sp>
+        <p:nvSpPr>
+          <p:cNvPr id="79" name="Shape 79"/>
+          <p:cNvSpPr>
+            <a:spLocks noGrp="1" noRot="1" noChangeAspect="1"/>
+          </p:cNvSpPr>
+          <p:nvPr>
+            <p:ph type="sldImg" idx="2"/>
+          </p:nvPr>
+        </p:nvSpPr>
+        <p:spPr>
+          <a:xfrm>
+            <a:off x="2857500" y="514350"/>
+            <a:ext cx="3429000" cy="2571750"/>
+          </a:xfrm>
+          <a:custGeom>
+            <a:avLst/>
+            <a:gdLst/>
+            <a:ahLst/>
+            <a:cxnLst/>
+            <a:rect l="0" t="0" r="0" b="0"/>
+            <a:pathLst>
+              <a:path w="120000" h="120000" extrusionOk="0">
+                <a:moveTo>
+                  <a:pt x="0" y="0"/>
+                </a:moveTo>
+                <a:lnTo>
+                  <a:pt x="120000" y="0"/>
+                </a:lnTo>
+                <a:lnTo>
+                  <a:pt x="120000" y="120000"/>
+                </a:lnTo>
+                <a:lnTo>
+                  <a:pt x="0" y="120000"/>
+                </a:lnTo>
+                <a:close/>
+              </a:path>
+            </a:pathLst>
+          </a:custGeom>
+        </p:spPr>
+      </p:sp>
+    </p:spTree>
+    <p:extLst>
+      <p:ext uri="{BB962C8B-B14F-4D97-AF65-F5344CB8AC3E}">
+        <p14:creationId xmlns:p14="http://schemas.microsoft.com/office/powerpoint/2010/main" val="3122603746"/>
+      </p:ext>
+    </p:extLst>
+  </p:cSld>
+  <p:clrMapOvr>
+    <a:masterClrMapping/>
+  </p:clrMapOvr>
+</p:notes>
+</file>
+
+<file path=ppt/notesSlides/notesSlide28.xml><?xml version="1.0" encoding="utf-8"?>
+<p:notes xmlns:a="http://schemas.openxmlformats.org/drawingml/2006/main" xmlns:r="http://schemas.openxmlformats.org/officeDocument/2006/relationships" xmlns:p="http://schemas.openxmlformats.org/presentationml/2006/main" showMasterSp="0" showMasterPhAnim="0">
+  <p:cSld>
+    <p:spTree>
+      <p:nvGrpSpPr>
+        <p:cNvPr id="1" name="Shape 77"/>
+        <p:cNvGrpSpPr/>
+        <p:nvPr/>
+      </p:nvGrpSpPr>
+      <p:grpSpPr>
+        <a:xfrm>
+          <a:off x="0" y="0"/>
+          <a:ext cx="0" cy="0"/>
+          <a:chOff x="0" y="0"/>
+          <a:chExt cx="0" cy="0"/>
+        </a:xfrm>
+      </p:grpSpPr>
+      <p:sp>
+        <p:nvSpPr>
+          <p:cNvPr id="78" name="Shape 78"/>
+          <p:cNvSpPr txBox="1">
+            <a:spLocks noGrp="1"/>
+          </p:cNvSpPr>
+          <p:nvPr>
+            <p:ph type="body" idx="1"/>
+          </p:nvPr>
+        </p:nvSpPr>
+        <p:spPr>
+          <a:xfrm>
+            <a:off x="914400" y="3257550"/>
+            <a:ext cx="7315200" cy="3086100"/>
+          </a:xfrm>
+          <a:prstGeom prst="rect">
+            <a:avLst/>
+          </a:prstGeom>
+          <a:noFill/>
+          <a:ln>
+            <a:noFill/>
+          </a:ln>
+        </p:spPr>
+        <p:txBody>
+          <a:bodyPr wrap="square" lIns="91425" tIns="91425" rIns="91425" bIns="91425" anchor="ctr" anchorCtr="0">
+            <a:noAutofit/>
+          </a:bodyPr>
+          <a:lstStyle/>
+          <a:p>
+            <a:pPr lvl="0">
+              <a:spcBef>
+                <a:spcPts val="0"/>
+              </a:spcBef>
+              <a:buNone/>
+            </a:pPr>
+            <a:endParaRPr/>
+          </a:p>
+        </p:txBody>
+      </p:sp>
+      <p:sp>
+        <p:nvSpPr>
+          <p:cNvPr id="79" name="Shape 79"/>
+          <p:cNvSpPr>
+            <a:spLocks noGrp="1" noRot="1" noChangeAspect="1"/>
+          </p:cNvSpPr>
+          <p:nvPr>
+            <p:ph type="sldImg" idx="2"/>
+          </p:nvPr>
+        </p:nvSpPr>
+        <p:spPr>
+          <a:xfrm>
+            <a:off x="2857500" y="514350"/>
+            <a:ext cx="3429000" cy="2571750"/>
+          </a:xfrm>
+          <a:custGeom>
+            <a:avLst/>
+            <a:gdLst/>
+            <a:ahLst/>
+            <a:cxnLst/>
+            <a:rect l="0" t="0" r="0" b="0"/>
+            <a:pathLst>
+              <a:path w="120000" h="120000" extrusionOk="0">
+                <a:moveTo>
+                  <a:pt x="0" y="0"/>
+                </a:moveTo>
+                <a:lnTo>
+                  <a:pt x="120000" y="0"/>
+                </a:lnTo>
+                <a:lnTo>
+                  <a:pt x="120000" y="120000"/>
+                </a:lnTo>
+                <a:lnTo>
+                  <a:pt x="0" y="120000"/>
+                </a:lnTo>
+                <a:close/>
+              </a:path>
+            </a:pathLst>
+          </a:custGeom>
+        </p:spPr>
+      </p:sp>
+    </p:spTree>
+    <p:extLst>
+      <p:ext uri="{BB962C8B-B14F-4D97-AF65-F5344CB8AC3E}">
         <p14:creationId xmlns:p14="http://schemas.microsoft.com/office/powerpoint/2010/main" val="1419275807"/>
       </p:ext>
     </p:extLst>
@@ -2631,7 +2857,7 @@
 </p:notes>
 </file>
 
-<file path=ppt/notesSlides/notesSlide27.xml><?xml version="1.0" encoding="utf-8"?>
+<file path=ppt/notesSlides/notesSlide29.xml><?xml version="1.0" encoding="utf-8"?>
 <p:notes xmlns:a="http://schemas.openxmlformats.org/drawingml/2006/main" xmlns:r="http://schemas.openxmlformats.org/officeDocument/2006/relationships" xmlns:p="http://schemas.openxmlformats.org/presentationml/2006/main" showMasterSp="0" showMasterPhAnim="0">
   <p:cSld>
     <p:spTree>
@@ -10516,13 +10742,7 @@
               <a:rPr lang="en-US" b="1" dirty="0" smtClean="0">
                 <a:latin typeface="Questrial" panose="020B0604020202020204" charset="0"/>
               </a:rPr>
-              <a:t> </a:t>
-            </a:r>
-            <a:r>
-              <a:rPr lang="en-US" b="1" dirty="0" smtClean="0">
-                <a:latin typeface="Questrial" panose="020B0604020202020204" charset="0"/>
-              </a:rPr>
-              <a:t>{</a:t>
+              <a:t> {</a:t>
             </a:r>
           </a:p>
           <a:p>
@@ -11139,13 +11359,7 @@
               <a:rPr lang="en-US" sz="2600" dirty="0" smtClean="0">
                 <a:latin typeface="Questrial" panose="020B0604020202020204" charset="0"/>
               </a:rPr>
-              <a:t>Most </a:t>
-            </a:r>
-            <a:r>
-              <a:rPr lang="en-US" sz="2600" dirty="0" smtClean="0">
-                <a:latin typeface="Questrial" panose="020B0604020202020204" charset="0"/>
-              </a:rPr>
-              <a:t>common</a:t>
+              <a:t>Most common</a:t>
             </a:r>
             <a:endParaRPr lang="en-US" sz="2600" dirty="0">
               <a:latin typeface="Questrial" panose="020B0604020202020204" charset="0"/>
@@ -11186,25 +11400,7 @@
               <a:rPr lang="en-US" sz="2200" dirty="0" smtClean="0">
                 <a:latin typeface="Questrial" panose="020B0604020202020204" charset="0"/>
               </a:rPr>
-              <a:t>main – </a:t>
-            </a:r>
-            <a:r>
-              <a:rPr lang="en-US" sz="2200" dirty="0" smtClean="0">
-                <a:latin typeface="Questrial" panose="020B0604020202020204" charset="0"/>
-              </a:rPr>
-              <a:t>package’s </a:t>
-            </a:r>
-            <a:r>
-              <a:rPr lang="en-US" sz="2200" dirty="0" smtClean="0">
-                <a:latin typeface="Questrial" panose="020B0604020202020204" charset="0"/>
-              </a:rPr>
-              <a:t>entry point </a:t>
-            </a:r>
-            <a:r>
-              <a:rPr lang="en-US" sz="2200" dirty="0" smtClean="0">
-                <a:latin typeface="Questrial" panose="020B0604020202020204" charset="0"/>
-              </a:rPr>
-              <a:t> e.g. </a:t>
+              <a:t>main – package’s entry point  e.g. </a:t>
             </a:r>
             <a:r>
               <a:rPr lang="en-US" sz="2200" dirty="0" smtClean="0">
@@ -13533,12 +13729,6 @@
               </a:rPr>
               <a:t>   },</a:t>
             </a:r>
-            <a:endParaRPr lang="en-US" sz="2000" b="1" dirty="0">
-              <a:solidFill>
-                <a:schemeClr val="tx1"/>
-              </a:solidFill>
-              <a:latin typeface="Questrial" panose="020B0604020202020204" charset="0"/>
-            </a:endParaRPr>
           </a:p>
         </p:txBody>
       </p:sp>
@@ -14908,13 +15098,7 @@
               <a:rPr lang="en-US" sz="2200" i="1" dirty="0" smtClean="0">
                 <a:latin typeface="Questrial" panose="020B0604020202020204" charset="0"/>
               </a:rPr>
-              <a:t>Staring from v </a:t>
-            </a:r>
-            <a:r>
-              <a:rPr lang="en-US" sz="2200" i="1" dirty="0" smtClean="0">
-                <a:latin typeface="Questrial" panose="020B0604020202020204" charset="0"/>
-              </a:rPr>
-              <a:t>5 </a:t>
+              <a:t>Staring from v 5 </a:t>
             </a:r>
             <a:r>
               <a:rPr lang="en-US" sz="2200" i="1" dirty="0" smtClean="0">
@@ -19841,7 +20025,7 @@
             </a:r>
             <a:r>
               <a:rPr lang="en-US" sz="3800" dirty="0" smtClean="0"/>
-              <a:t> – configuring</a:t>
+              <a:t> – lock files</a:t>
             </a:r>
             <a:endParaRPr lang="en-US" sz="3800" b="0" i="0" u="none" strike="noStrike" cap="none" dirty="0">
               <a:solidFill>
@@ -20052,121 +20236,6 @@
           </a:bodyPr>
           <a:lstStyle/>
           <a:p>
-            <a:pPr marL="332740" indent="-320040">
-              <a:spcBef>
-                <a:spcPts val="695"/>
-              </a:spcBef>
-              <a:buClr>
-                <a:srgbClr val="DD8046"/>
-              </a:buClr>
-              <a:buSzPct val="60344"/>
-              <a:buFont typeface="Arial"/>
-              <a:buChar char=""/>
-            </a:pPr>
-            <a:r>
-              <a:rPr lang="en-US" sz="2600" dirty="0" err="1">
-                <a:latin typeface="Questrial" panose="020B0604020202020204" charset="0"/>
-              </a:rPr>
-              <a:t>Npm</a:t>
-            </a:r>
-            <a:r>
-              <a:rPr lang="en-US" sz="2600" dirty="0">
-                <a:latin typeface="Questrial" panose="020B0604020202020204" charset="0"/>
-              </a:rPr>
-              <a:t> is </a:t>
-            </a:r>
-            <a:r>
-              <a:rPr lang="en-US" sz="2600" dirty="0" smtClean="0">
-                <a:latin typeface="Questrial" panose="020B0604020202020204" charset="0"/>
-              </a:rPr>
-              <a:t>configurable via several sources </a:t>
-            </a:r>
-          </a:p>
-          <a:p>
-            <a:pPr marL="652780" lvl="1" indent="-284480">
-              <a:spcBef>
-                <a:spcPts val="625"/>
-              </a:spcBef>
-              <a:buClr>
-                <a:srgbClr val="93B6D2"/>
-              </a:buClr>
-              <a:buSzPct val="69230"/>
-              <a:buFont typeface="Noto Sans Symbols"/>
-              <a:buChar char="⬜"/>
-            </a:pPr>
-            <a:r>
-              <a:rPr lang="en-US" sz="2200" dirty="0" err="1" smtClean="0">
-                <a:latin typeface="Questrial" panose="020B0604020202020204" charset="0"/>
-              </a:rPr>
-              <a:t>commandline</a:t>
-            </a:r>
-            <a:r>
-              <a:rPr lang="en-US" sz="2200" dirty="0" smtClean="0">
-                <a:latin typeface="Questrial" panose="020B0604020202020204" charset="0"/>
-              </a:rPr>
-              <a:t> </a:t>
-            </a:r>
-          </a:p>
-          <a:p>
-            <a:pPr marL="652780" lvl="1" indent="-284480">
-              <a:spcBef>
-                <a:spcPts val="625"/>
-              </a:spcBef>
-              <a:buClr>
-                <a:srgbClr val="93B6D2"/>
-              </a:buClr>
-              <a:buSzPct val="69230"/>
-              <a:buFont typeface="Noto Sans Symbols"/>
-              <a:buChar char="⬜"/>
-            </a:pPr>
-            <a:r>
-              <a:rPr lang="en-US" sz="2200" dirty="0">
-                <a:latin typeface="Questrial" panose="020B0604020202020204" charset="0"/>
-              </a:rPr>
-              <a:t>environment </a:t>
-            </a:r>
-            <a:r>
-              <a:rPr lang="en-US" sz="2200" dirty="0" smtClean="0">
-                <a:latin typeface="Questrial" panose="020B0604020202020204" charset="0"/>
-              </a:rPr>
-              <a:t>variables</a:t>
-            </a:r>
-          </a:p>
-          <a:p>
-            <a:pPr marL="652780" lvl="1" indent="-284480">
-              <a:spcBef>
-                <a:spcPts val="625"/>
-              </a:spcBef>
-              <a:buClr>
-                <a:srgbClr val="93B6D2"/>
-              </a:buClr>
-              <a:buSzPct val="69230"/>
-              <a:buFont typeface="Noto Sans Symbols"/>
-              <a:buChar char="⬜"/>
-            </a:pPr>
-            <a:r>
-              <a:rPr lang="en-US" sz="2200" dirty="0">
-                <a:latin typeface="Questrial" panose="020B0604020202020204" charset="0"/>
-              </a:rPr>
-              <a:t>.</a:t>
-            </a:r>
-            <a:r>
-              <a:rPr lang="en-US" sz="2200" dirty="0" err="1">
-                <a:latin typeface="Questrial" panose="020B0604020202020204" charset="0"/>
-              </a:rPr>
-              <a:t>npmrc</a:t>
-            </a:r>
-            <a:r>
-              <a:rPr lang="en-US" sz="2200" dirty="0">
-                <a:latin typeface="Questrial" panose="020B0604020202020204" charset="0"/>
-              </a:rPr>
-              <a:t> files</a:t>
-            </a:r>
-            <a:endParaRPr lang="en-US" sz="2200" dirty="0" smtClean="0">
-              <a:latin typeface="Questrial" panose="020B0604020202020204" charset="0"/>
-            </a:endParaRPr>
-          </a:p>
-          <a:p>
             <a:pPr marL="332740" lvl="0" indent="-320040">
               <a:buClr>
                 <a:srgbClr val="DD8046"/>
@@ -20176,11 +20245,32 @@
               <a:buChar char=""/>
             </a:pPr>
             <a:r>
+              <a:rPr lang="en-US" sz="2600" dirty="0" err="1" smtClean="0">
+                <a:latin typeface="Questrial" panose="020B0604020202020204" charset="0"/>
+              </a:rPr>
+              <a:t>npm</a:t>
+            </a:r>
+            <a:r>
               <a:rPr lang="en-US" sz="2600" dirty="0" smtClean="0">
                 <a:latin typeface="Questrial" panose="020B0604020202020204" charset="0"/>
               </a:rPr>
-              <a:t>One user might have a different tree from another</a:t>
-            </a:r>
+              <a:t> uses another lock file type : </a:t>
+            </a:r>
+            <a:r>
+              <a:rPr lang="en-US" sz="2600" dirty="0" err="1" smtClean="0">
+                <a:solidFill>
+                  <a:srgbClr val="0070C0"/>
+                </a:solidFill>
+                <a:latin typeface="Questrial" panose="020B0604020202020204" charset="0"/>
+              </a:rPr>
+              <a:t>npm-shrinkwrap.json</a:t>
+            </a:r>
+            <a:endParaRPr lang="en-US" sz="2600" dirty="0" smtClean="0">
+              <a:solidFill>
+                <a:srgbClr val="0070C0"/>
+              </a:solidFill>
+              <a:latin typeface="Questrial" panose="020B0604020202020204" charset="0"/>
+            </a:endParaRPr>
           </a:p>
           <a:p>
             <a:pPr marL="332740" lvl="0" indent="-320040">
@@ -20195,8 +20285,234 @@
               <a:rPr lang="en-US" sz="2600" dirty="0" smtClean="0">
                 <a:latin typeface="Questrial" panose="020B0604020202020204" charset="0"/>
               </a:rPr>
-              <a:t>Need a way to settle this</a:t>
-            </a:r>
+              <a:t>Same functionality and </a:t>
+            </a:r>
+            <a:r>
+              <a:rPr lang="en-US" sz="2600" dirty="0" smtClean="0">
+                <a:latin typeface="Questrial" panose="020B0604020202020204" charset="0"/>
+              </a:rPr>
+              <a:t>structure </a:t>
+            </a:r>
+            <a:r>
+              <a:rPr lang="en-US" sz="2600" dirty="0" smtClean="0">
+                <a:latin typeface="Questrial" panose="020B0604020202020204" charset="0"/>
+              </a:rPr>
+              <a:t>as package-lock</a:t>
+            </a:r>
+            <a:endParaRPr lang="en-US" sz="2600" dirty="0" smtClean="0">
+              <a:latin typeface="Questrial" panose="020B0604020202020204" charset="0"/>
+            </a:endParaRPr>
+          </a:p>
+          <a:p>
+            <a:pPr marL="332740" indent="-320040">
+              <a:buClr>
+                <a:srgbClr val="DD8046"/>
+              </a:buClr>
+              <a:buSzPct val="60344"/>
+              <a:buFont typeface="Arial"/>
+              <a:buChar char=""/>
+            </a:pPr>
+            <a:r>
+              <a:rPr lang="en-US" sz="2600" dirty="0" err="1" smtClean="0">
+                <a:latin typeface="Questrial" panose="020B0604020202020204" charset="0"/>
+              </a:rPr>
+              <a:t>npm</a:t>
+            </a:r>
+            <a:r>
+              <a:rPr lang="en-US" sz="2600" dirty="0" smtClean="0">
+                <a:latin typeface="Questrial" panose="020B0604020202020204" charset="0"/>
+              </a:rPr>
+              <a:t> doesn’t </a:t>
+            </a:r>
+            <a:r>
+              <a:rPr lang="en-US" sz="2600" dirty="0">
+                <a:latin typeface="Questrial" panose="020B0604020202020204" charset="0"/>
+              </a:rPr>
+              <a:t>publish </a:t>
+            </a:r>
+            <a:r>
+              <a:rPr lang="en-US" sz="2600" dirty="0" smtClean="0">
+                <a:latin typeface="Questrial" panose="020B0604020202020204" charset="0"/>
+              </a:rPr>
+              <a:t>package-lock file with package</a:t>
+            </a:r>
+          </a:p>
+          <a:p>
+            <a:pPr marL="332740" indent="-320040">
+              <a:buClr>
+                <a:srgbClr val="DD8046"/>
+              </a:buClr>
+              <a:buSzPct val="60344"/>
+              <a:buFont typeface="Arial"/>
+              <a:buChar char=""/>
+            </a:pPr>
+            <a:r>
+              <a:rPr lang="en-US" sz="2600" dirty="0" smtClean="0">
+                <a:latin typeface="Questrial" panose="020B0604020202020204" charset="0"/>
+              </a:rPr>
+              <a:t>It does too with </a:t>
+            </a:r>
+            <a:r>
+              <a:rPr lang="en-US" sz="2600" dirty="0" err="1" smtClean="0">
+                <a:solidFill>
+                  <a:schemeClr val="tx1"/>
+                </a:solidFill>
+                <a:latin typeface="Questrial" panose="020B0604020202020204" charset="0"/>
+              </a:rPr>
+              <a:t>npm-shrinkwrap.json</a:t>
+            </a:r>
+            <a:endParaRPr lang="en-US" sz="2600" dirty="0" smtClean="0">
+              <a:solidFill>
+                <a:schemeClr val="tx1"/>
+              </a:solidFill>
+              <a:latin typeface="Questrial" panose="020B0604020202020204" charset="0"/>
+            </a:endParaRPr>
+          </a:p>
+          <a:p>
+            <a:pPr marL="332740" indent="-320040">
+              <a:spcBef>
+                <a:spcPts val="695"/>
+              </a:spcBef>
+              <a:buClr>
+                <a:srgbClr val="DD8046"/>
+              </a:buClr>
+              <a:buSzPct val="60344"/>
+              <a:buFont typeface="Arial"/>
+              <a:buChar char=""/>
+            </a:pPr>
+            <a:r>
+              <a:rPr lang="en-US" sz="2600" dirty="0" smtClean="0">
+                <a:latin typeface="Questrial" panose="020B0604020202020204" charset="0"/>
+              </a:rPr>
+              <a:t>To </a:t>
+            </a:r>
+            <a:r>
+              <a:rPr lang="en-US" sz="2600" dirty="0">
+                <a:latin typeface="Questrial" panose="020B0604020202020204" charset="0"/>
+              </a:rPr>
+              <a:t>create one type </a:t>
+            </a:r>
+            <a:r>
+              <a:rPr lang="en-US" sz="2600" dirty="0" err="1">
+                <a:solidFill>
+                  <a:srgbClr val="FF0000"/>
+                </a:solidFill>
+                <a:latin typeface="Questrial" panose="020B0604020202020204" charset="0"/>
+              </a:rPr>
+              <a:t>npm</a:t>
+            </a:r>
+            <a:r>
+              <a:rPr lang="en-US" sz="2600" dirty="0">
+                <a:solidFill>
+                  <a:srgbClr val="FF0000"/>
+                </a:solidFill>
+                <a:latin typeface="Questrial" panose="020B0604020202020204" charset="0"/>
+              </a:rPr>
+              <a:t> </a:t>
+            </a:r>
+            <a:r>
+              <a:rPr lang="en-US" sz="2600" dirty="0" err="1">
+                <a:solidFill>
+                  <a:srgbClr val="FF0000"/>
+                </a:solidFill>
+                <a:latin typeface="Questrial" panose="020B0604020202020204" charset="0"/>
+              </a:rPr>
+              <a:t>shrinkwrap</a:t>
+            </a:r>
+            <a:endParaRPr lang="en-US" sz="2600" dirty="0" smtClean="0">
+              <a:latin typeface="Questrial" panose="020B0604020202020204" charset="0"/>
+            </a:endParaRPr>
+          </a:p>
+          <a:p>
+            <a:pPr marL="652780" lvl="1" indent="-284480">
+              <a:spcBef>
+                <a:spcPts val="625"/>
+              </a:spcBef>
+              <a:buClr>
+                <a:srgbClr val="93B6D2"/>
+              </a:buClr>
+              <a:buSzPct val="69230"/>
+              <a:buFont typeface="Noto Sans Symbols"/>
+              <a:buChar char="⬜"/>
+            </a:pPr>
+            <a:r>
+              <a:rPr lang="en-US" sz="2200" dirty="0" smtClean="0">
+                <a:latin typeface="Questrial" panose="020B0604020202020204" charset="0"/>
+              </a:rPr>
+              <a:t>If package-lock exists – will change the name</a:t>
+            </a:r>
+          </a:p>
+          <a:p>
+            <a:pPr marL="652780" lvl="1" indent="-284480">
+              <a:spcBef>
+                <a:spcPts val="625"/>
+              </a:spcBef>
+              <a:buClr>
+                <a:srgbClr val="93B6D2"/>
+              </a:buClr>
+              <a:buSzPct val="69230"/>
+              <a:buFont typeface="Noto Sans Symbols"/>
+              <a:buChar char="⬜"/>
+            </a:pPr>
+            <a:r>
+              <a:rPr lang="en-US" sz="2200" dirty="0" smtClean="0">
+                <a:latin typeface="Questrial" panose="020B0604020202020204" charset="0"/>
+              </a:rPr>
+              <a:t>Otherwise will create one.</a:t>
+            </a:r>
+            <a:endParaRPr lang="en-US" sz="2200" dirty="0">
+              <a:solidFill>
+                <a:srgbClr val="FF0000"/>
+              </a:solidFill>
+              <a:latin typeface="Questrial" panose="020B0604020202020204" charset="0"/>
+            </a:endParaRPr>
+          </a:p>
+          <a:p>
+            <a:pPr marL="332740" indent="-320040">
+              <a:buClr>
+                <a:srgbClr val="DD8046"/>
+              </a:buClr>
+              <a:buSzPct val="60344"/>
+              <a:buFont typeface="Arial"/>
+              <a:buChar char=""/>
+            </a:pPr>
+            <a:r>
+              <a:rPr lang="en-US" sz="2600" dirty="0" err="1" smtClean="0">
+                <a:solidFill>
+                  <a:schemeClr val="tx1"/>
+                </a:solidFill>
+                <a:latin typeface="Questrial" panose="020B0604020202020204" charset="0"/>
+              </a:rPr>
+              <a:t>npm-shrinkwrap.json</a:t>
+            </a:r>
+            <a:r>
+              <a:rPr lang="en-US" sz="2600" dirty="0" smtClean="0">
+                <a:solidFill>
+                  <a:schemeClr val="tx1"/>
+                </a:solidFill>
+                <a:latin typeface="Questrial" panose="020B0604020202020204" charset="0"/>
+              </a:rPr>
+              <a:t> overrides package-lock</a:t>
+            </a:r>
+            <a:endParaRPr lang="en-US" sz="2600" dirty="0">
+              <a:solidFill>
+                <a:schemeClr val="tx1"/>
+              </a:solidFill>
+              <a:latin typeface="Questrial" panose="020B0604020202020204" charset="0"/>
+            </a:endParaRPr>
+          </a:p>
+          <a:p>
+            <a:pPr marL="332740" indent="-320040">
+              <a:buClr>
+                <a:srgbClr val="DD8046"/>
+              </a:buClr>
+              <a:buSzPct val="60344"/>
+              <a:buFont typeface="Arial"/>
+              <a:buChar char=""/>
+            </a:pPr>
+            <a:endParaRPr lang="en-US" sz="2600" dirty="0">
+              <a:latin typeface="Questrial" panose="020B0604020202020204" charset="0"/>
+            </a:endParaRPr>
           </a:p>
           <a:p>
             <a:pPr marL="332740" lvl="0" indent="-320040">
@@ -20207,73 +20523,6 @@
               <a:buFont typeface="Arial"/>
               <a:buChar char=""/>
             </a:pPr>
-            <a:r>
-              <a:rPr lang="en-US" sz="2600" dirty="0" err="1" smtClean="0">
-                <a:latin typeface="Questrial" panose="020B0604020202020204" charset="0"/>
-              </a:rPr>
-              <a:t>npm</a:t>
-            </a:r>
-            <a:r>
-              <a:rPr lang="en-US" sz="2600" dirty="0" smtClean="0">
-                <a:latin typeface="Questrial" panose="020B0604020202020204" charset="0"/>
-              </a:rPr>
-              <a:t> emits </a:t>
-            </a:r>
-            <a:r>
-              <a:rPr lang="en-US" sz="2600" dirty="0" smtClean="0">
-                <a:solidFill>
-                  <a:srgbClr val="0070C0"/>
-                </a:solidFill>
-                <a:latin typeface="Questrial" panose="020B0604020202020204" charset="0"/>
-              </a:rPr>
-              <a:t>package-</a:t>
-            </a:r>
-            <a:r>
-              <a:rPr lang="en-US" sz="2600" dirty="0" err="1" smtClean="0">
-                <a:solidFill>
-                  <a:srgbClr val="0070C0"/>
-                </a:solidFill>
-                <a:latin typeface="Questrial" panose="020B0604020202020204" charset="0"/>
-              </a:rPr>
-              <a:t>lock.json</a:t>
-            </a:r>
-            <a:r>
-              <a:rPr lang="en-US" sz="2600" dirty="0" smtClean="0">
-                <a:latin typeface="Questrial" panose="020B0604020202020204" charset="0"/>
-              </a:rPr>
-              <a:t> while installing</a:t>
-            </a:r>
-          </a:p>
-          <a:p>
-            <a:pPr marL="332740" lvl="0" indent="-320040">
-              <a:buClr>
-                <a:srgbClr val="DD8046"/>
-              </a:buClr>
-              <a:buSzPct val="60344"/>
-              <a:buFont typeface="Arial"/>
-              <a:buChar char=""/>
-            </a:pPr>
-            <a:r>
-              <a:rPr lang="en-US" sz="2600" dirty="0" smtClean="0">
-                <a:latin typeface="Questrial" panose="020B0604020202020204" charset="0"/>
-              </a:rPr>
-              <a:t>Starting from v5</a:t>
-            </a:r>
-            <a:endParaRPr lang="en-US" sz="2800" dirty="0" smtClean="0">
-              <a:solidFill>
-                <a:srgbClr val="0070C0"/>
-              </a:solidFill>
-            </a:endParaRPr>
-          </a:p>
-          <a:p>
-            <a:pPr marL="332740" lvl="0" indent="-320040">
-              <a:buClr>
-                <a:srgbClr val="DD8046"/>
-              </a:buClr>
-              <a:buSzPct val="60344"/>
-              <a:buFont typeface="Arial"/>
-              <a:buChar char=""/>
-            </a:pPr>
             <a:endParaRPr lang="en-US" sz="2600" dirty="0" smtClean="0">
               <a:latin typeface="Questrial" panose="020B0604020202020204" charset="0"/>
             </a:endParaRPr>
@@ -20283,7 +20532,7 @@
     </p:spTree>
     <p:extLst>
       <p:ext uri="{BB962C8B-B14F-4D97-AF65-F5344CB8AC3E}">
-        <p14:creationId xmlns:p14="http://schemas.microsoft.com/office/powerpoint/2010/main" val="3159946491"/>
+        <p14:creationId xmlns:p14="http://schemas.microsoft.com/office/powerpoint/2010/main" val="1135452940"/>
       </p:ext>
     </p:extLst>
   </p:cSld>
@@ -20350,8 +20599,12 @@
               <a:buSzPct val="25000"/>
             </a:pPr>
             <a:r>
+              <a:rPr lang="en-US" sz="3800" dirty="0" err="1" smtClean="0"/>
+              <a:t>npm</a:t>
+            </a:r>
+            <a:r>
               <a:rPr lang="en-US" sz="3800" dirty="0" smtClean="0"/>
-              <a:t>yarn</a:t>
+              <a:t> – configuring</a:t>
             </a:r>
             <a:endParaRPr lang="en-US" sz="3800" b="0" i="0" u="none" strike="noStrike" cap="none" dirty="0">
               <a:solidFill>
@@ -20574,91 +20827,22 @@
               <a:buChar char=""/>
             </a:pPr>
             <a:r>
-              <a:rPr lang="en-US" sz="2600" dirty="0" err="1" smtClean="0">
-                <a:latin typeface="Questrial" panose="020B0604020202020204" charset="0"/>
-              </a:rPr>
-              <a:t>npm</a:t>
+              <a:rPr lang="en-US" sz="2600" dirty="0" err="1">
+                <a:latin typeface="Questrial" panose="020B0604020202020204" charset="0"/>
+              </a:rPr>
+              <a:t>Npm</a:t>
+            </a:r>
+            <a:r>
+              <a:rPr lang="en-US" sz="2600" dirty="0">
+                <a:latin typeface="Questrial" panose="020B0604020202020204" charset="0"/>
+              </a:rPr>
+              <a:t> is </a:t>
             </a:r>
             <a:r>
               <a:rPr lang="en-US" sz="2600" dirty="0" smtClean="0">
                 <a:latin typeface="Questrial" panose="020B0604020202020204" charset="0"/>
               </a:rPr>
-              <a:t> </a:t>
-            </a:r>
-            <a:r>
-              <a:rPr lang="en-US" sz="2600" dirty="0">
-                <a:latin typeface="Questrial" panose="020B0604020202020204" charset="0"/>
-              </a:rPr>
-              <a:t>is not the only player in the packaging </a:t>
-            </a:r>
-            <a:r>
-              <a:rPr lang="en-US" sz="2600" dirty="0" smtClean="0">
-                <a:latin typeface="Questrial" panose="020B0604020202020204" charset="0"/>
-              </a:rPr>
-              <a:t>game </a:t>
-            </a:r>
-          </a:p>
-          <a:p>
-            <a:pPr marL="332740" indent="-320040">
-              <a:spcBef>
-                <a:spcPts val="695"/>
-              </a:spcBef>
-              <a:buClr>
-                <a:srgbClr val="DD8046"/>
-              </a:buClr>
-              <a:buSzPct val="60344"/>
-              <a:buFont typeface="Arial"/>
-              <a:buChar char=""/>
-            </a:pPr>
-            <a:r>
-              <a:rPr lang="en-US" sz="2600" dirty="0" smtClean="0">
-                <a:latin typeface="Questrial" panose="020B0604020202020204" charset="0"/>
-              </a:rPr>
-              <a:t>yarn is the newest kid in town</a:t>
-            </a:r>
-          </a:p>
-          <a:p>
-            <a:pPr marL="332740" indent="-320040">
-              <a:spcBef>
-                <a:spcPts val="695"/>
-              </a:spcBef>
-              <a:buClr>
-                <a:srgbClr val="DD8046"/>
-              </a:buClr>
-              <a:buSzPct val="60344"/>
-              <a:buFont typeface="Arial"/>
-              <a:buChar char=""/>
-            </a:pPr>
-            <a:r>
-              <a:rPr lang="en-US" sz="2600" dirty="0" smtClean="0">
-                <a:latin typeface="Questrial" panose="020B0604020202020204" charset="0"/>
-              </a:rPr>
-              <a:t>In public use from end of 2016</a:t>
-            </a:r>
-          </a:p>
-          <a:p>
-            <a:pPr marL="332740" indent="-320040">
-              <a:spcBef>
-                <a:spcPts val="695"/>
-              </a:spcBef>
-              <a:buClr>
-                <a:srgbClr val="DD8046"/>
-              </a:buClr>
-              <a:buSzPct val="60344"/>
-              <a:buFont typeface="Arial"/>
-              <a:buChar char=""/>
-            </a:pPr>
-            <a:r>
-              <a:rPr lang="en-US" sz="2600" dirty="0" smtClean="0">
-                <a:latin typeface="Questrial" panose="020B0604020202020204" charset="0"/>
-              </a:rPr>
-              <a:t>Developed </a:t>
-            </a:r>
-            <a:r>
-              <a:rPr lang="en-US" sz="2600" dirty="0">
-                <a:latin typeface="Questrial" panose="020B0604020202020204" charset="0"/>
-              </a:rPr>
-              <a:t>by Facebook</a:t>
+              <a:t>configurable via several sources </a:t>
             </a:r>
           </a:p>
           <a:p>
@@ -20674,85 +20858,16 @@
               <a:buChar char="⬜"/>
             </a:pPr>
             <a:r>
+              <a:rPr lang="en-US" sz="2200" dirty="0" err="1" smtClean="0">
+                <a:latin typeface="Questrial" panose="020B0604020202020204" charset="0"/>
+              </a:rPr>
+              <a:t>commandline</a:t>
+            </a:r>
+            <a:r>
               <a:rPr lang="en-US" sz="2200" dirty="0" smtClean="0">
                 <a:latin typeface="Questrial" panose="020B0604020202020204" charset="0"/>
               </a:rPr>
-              <a:t>To answer performance problems using </a:t>
-            </a:r>
-            <a:r>
-              <a:rPr lang="en-US" sz="2200" dirty="0" err="1" smtClean="0">
-                <a:latin typeface="Questrial" panose="020B0604020202020204" charset="0"/>
-              </a:rPr>
-              <a:t>npm</a:t>
-            </a:r>
-            <a:r>
-              <a:rPr lang="en-US" sz="2200" dirty="0" smtClean="0">
-                <a:latin typeface="Questrial" panose="020B0604020202020204" charset="0"/>
-              </a:rPr>
-              <a:t> at the time</a:t>
-            </a:r>
-            <a:endParaRPr lang="en-US" sz="2200" dirty="0">
-              <a:latin typeface="Questrial" panose="020B0604020202020204" charset="0"/>
-            </a:endParaRPr>
-          </a:p>
-          <a:p>
-            <a:pPr marL="332740" indent="-320040">
-              <a:buClr>
-                <a:srgbClr val="DD8046"/>
-              </a:buClr>
-              <a:buSzPct val="60344"/>
-              <a:buFont typeface="Arial"/>
-              <a:buChar char=""/>
-            </a:pPr>
-            <a:r>
-              <a:rPr lang="en-US" sz="2600" dirty="0" smtClean="0">
-                <a:latin typeface="Questrial" panose="020B0604020202020204" charset="0"/>
-              </a:rPr>
-              <a:t>Utilizes lock files</a:t>
-            </a:r>
-          </a:p>
-          <a:p>
-            <a:pPr marL="332740" indent="-320040">
-              <a:buClr>
-                <a:srgbClr val="DD8046"/>
-              </a:buClr>
-              <a:buSzPct val="60344"/>
-              <a:buFont typeface="Arial"/>
-              <a:buChar char=""/>
-            </a:pPr>
-            <a:r>
-              <a:rPr lang="en-US" sz="2600" dirty="0" smtClean="0">
-                <a:latin typeface="Questrial" panose="020B0604020202020204" charset="0"/>
-              </a:rPr>
-              <a:t>Installs packages much faster than </a:t>
-            </a:r>
-            <a:r>
-              <a:rPr lang="en-US" sz="2600" dirty="0" err="1" smtClean="0">
-                <a:latin typeface="Questrial" panose="020B0604020202020204" charset="0"/>
-              </a:rPr>
-              <a:t>npm</a:t>
-            </a:r>
-            <a:r>
-              <a:rPr lang="en-US" sz="2600" dirty="0" smtClean="0">
-                <a:latin typeface="Questrial" panose="020B0604020202020204" charset="0"/>
-              </a:rPr>
-              <a:t> 4</a:t>
-            </a:r>
-          </a:p>
-          <a:p>
-            <a:pPr marL="332740" indent="-320040">
-              <a:buClr>
-                <a:srgbClr val="DD8046"/>
-              </a:buClr>
-              <a:buSzPct val="60344"/>
-              <a:buFont typeface="Arial"/>
-              <a:buChar char=""/>
-            </a:pPr>
-            <a:r>
-              <a:rPr lang="en-US" sz="2600" dirty="0">
-                <a:latin typeface="Questrial" panose="020B0604020202020204" charset="0"/>
-              </a:rPr>
-              <a:t>Has no independent repository</a:t>
+              <a:t> </a:t>
             </a:r>
           </a:p>
           <a:p>
@@ -20768,36 +20883,49 @@
               <a:buChar char="⬜"/>
             </a:pPr>
             <a:r>
+              <a:rPr lang="en-US" sz="2200" dirty="0">
+                <a:latin typeface="Questrial" panose="020B0604020202020204" charset="0"/>
+              </a:rPr>
+              <a:t>environment </a:t>
+            </a:r>
+            <a:r>
               <a:rPr lang="en-US" sz="2200" dirty="0" smtClean="0">
                 <a:latin typeface="Questrial" panose="020B0604020202020204" charset="0"/>
               </a:rPr>
-              <a:t>Uses </a:t>
-            </a:r>
-            <a:r>
-              <a:rPr lang="en-US" sz="2200" dirty="0" err="1" smtClean="0">
-                <a:latin typeface="Questrial" panose="020B0604020202020204" charset="0"/>
-              </a:rPr>
-              <a:t>npm</a:t>
-            </a:r>
-            <a:r>
-              <a:rPr lang="en-US" sz="2200" dirty="0" smtClean="0">
-                <a:latin typeface="Questrial" panose="020B0604020202020204" charset="0"/>
-              </a:rPr>
-              <a:t> repository as its package </a:t>
-            </a:r>
-            <a:r>
-              <a:rPr lang="en-US" sz="2200" dirty="0" err="1" smtClean="0">
-                <a:latin typeface="Questrial" panose="020B0604020202020204" charset="0"/>
-              </a:rPr>
-              <a:t>intalltion</a:t>
-            </a:r>
-            <a:r>
-              <a:rPr lang="en-US" sz="2200" dirty="0" smtClean="0">
-                <a:latin typeface="Questrial" panose="020B0604020202020204" charset="0"/>
-              </a:rPr>
-              <a:t> source</a:t>
-            </a:r>
-            <a:endParaRPr lang="en-US" sz="2600" dirty="0" smtClean="0">
+              <a:t>variables</a:t>
+            </a:r>
+          </a:p>
+          <a:p>
+            <a:pPr marL="652780" lvl="1" indent="-284480">
+              <a:spcBef>
+                <a:spcPts val="625"/>
+              </a:spcBef>
+              <a:buClr>
+                <a:srgbClr val="93B6D2"/>
+              </a:buClr>
+              <a:buSzPct val="69230"/>
+              <a:buFont typeface="Noto Sans Symbols"/>
+              <a:buChar char="⬜"/>
+            </a:pPr>
+            <a:r>
+              <a:rPr lang="en-US" sz="2200" dirty="0">
+                <a:latin typeface="Questrial" panose="020B0604020202020204" charset="0"/>
+              </a:rPr>
+              <a:t>.</a:t>
+            </a:r>
+            <a:r>
+              <a:rPr lang="en-US" sz="2200" dirty="0" err="1">
+                <a:latin typeface="Questrial" panose="020B0604020202020204" charset="0"/>
+              </a:rPr>
+              <a:t>npmrc</a:t>
+            </a:r>
+            <a:r>
+              <a:rPr lang="en-US" sz="2200" dirty="0">
+                <a:latin typeface="Questrial" panose="020B0604020202020204" charset="0"/>
+              </a:rPr>
+              <a:t> files</a:t>
+            </a:r>
+            <a:endParaRPr lang="en-US" sz="2200" dirty="0" smtClean="0">
               <a:latin typeface="Questrial" panose="020B0604020202020204" charset="0"/>
             </a:endParaRPr>
           </a:p>
@@ -20811,17 +20939,405 @@
               <a:buChar char=""/>
             </a:pPr>
             <a:r>
+              <a:rPr lang="en-US" sz="2600" smtClean="0">
+                <a:latin typeface="Questrial" panose="020B0604020202020204" charset="0"/>
+              </a:rPr>
+              <a:t>Following settings </a:t>
+            </a:r>
+            <a:r>
               <a:rPr lang="en-US" sz="2600" dirty="0" smtClean="0">
                 <a:latin typeface="Questrial" panose="020B0604020202020204" charset="0"/>
               </a:rPr>
-              <a:t>Was considered by many a better alternative to </a:t>
+              <a:t>will be written in a .</a:t>
             </a:r>
             <a:r>
               <a:rPr lang="en-US" sz="2600" dirty="0" err="1" smtClean="0">
                 <a:latin typeface="Questrial" panose="020B0604020202020204" charset="0"/>
               </a:rPr>
+              <a:t>npmrc</a:t>
+            </a:r>
+            <a:r>
+              <a:rPr lang="en-US" sz="2600" dirty="0" smtClean="0">
+                <a:latin typeface="Questrial" panose="020B0604020202020204" charset="0"/>
+              </a:rPr>
+              <a:t> file</a:t>
+            </a:r>
+            <a:endParaRPr lang="en-US" sz="2600" dirty="0">
+              <a:latin typeface="Questrial" panose="020B0604020202020204" charset="0"/>
+            </a:endParaRPr>
+          </a:p>
+          <a:p>
+            <a:pPr marL="652780" lvl="1" indent="-284480">
+              <a:spcBef>
+                <a:spcPts val="625"/>
+              </a:spcBef>
+              <a:buClr>
+                <a:srgbClr val="93B6D2"/>
+              </a:buClr>
+              <a:buSzPct val="69230"/>
+              <a:buFont typeface="Noto Sans Symbols"/>
+              <a:buChar char="⬜"/>
+            </a:pPr>
+            <a:r>
+              <a:rPr lang="en-US" sz="2200" dirty="0" smtClean="0">
+                <a:latin typeface="Questrial" panose="020B0604020202020204" charset="0"/>
+              </a:rPr>
+              <a:t>Found in </a:t>
+            </a:r>
+            <a:r>
+              <a:rPr lang="en-US" sz="2200" dirty="0" smtClean="0">
+                <a:solidFill>
+                  <a:srgbClr val="0070C0"/>
+                </a:solidFill>
+                <a:latin typeface="Questrial" panose="020B0604020202020204" charset="0"/>
+              </a:rPr>
+              <a:t>[user path]/</a:t>
+            </a:r>
+            <a:r>
+              <a:rPr lang="en-US" sz="2400" dirty="0">
+                <a:solidFill>
+                  <a:srgbClr val="0070C0"/>
+                </a:solidFill>
+                <a:latin typeface="Questrial" panose="020B0604020202020204" charset="0"/>
+              </a:rPr>
+              <a:t> .</a:t>
+            </a:r>
+            <a:r>
+              <a:rPr lang="en-US" sz="2400" dirty="0" err="1">
+                <a:solidFill>
+                  <a:srgbClr val="0070C0"/>
+                </a:solidFill>
+                <a:latin typeface="Questrial" panose="020B0604020202020204" charset="0"/>
+              </a:rPr>
+              <a:t>npmrc</a:t>
+            </a:r>
+            <a:r>
+              <a:rPr lang="en-US" sz="2400" dirty="0">
+                <a:solidFill>
+                  <a:srgbClr val="0070C0"/>
+                </a:solidFill>
+                <a:latin typeface="Questrial" panose="020B0604020202020204" charset="0"/>
+              </a:rPr>
+              <a:t> </a:t>
+            </a:r>
+            <a:endParaRPr lang="en-US" sz="2200" dirty="0" smtClean="0">
+              <a:solidFill>
+                <a:srgbClr val="0070C0"/>
+              </a:solidFill>
+              <a:latin typeface="Questrial" panose="020B0604020202020204" charset="0"/>
+            </a:endParaRPr>
+          </a:p>
+          <a:p>
+            <a:pPr marL="332740" lvl="0" indent="-320040">
+              <a:buClr>
+                <a:srgbClr val="DD8046"/>
+              </a:buClr>
+              <a:buSzPct val="60344"/>
+              <a:buFont typeface="Arial"/>
+              <a:buChar char=""/>
+            </a:pPr>
+            <a:r>
+              <a:rPr lang="en-US" sz="2600" dirty="0" smtClean="0">
+                <a:latin typeface="Questrial" panose="020B0604020202020204" charset="0"/>
+              </a:rPr>
+              <a:t> </a:t>
+            </a:r>
+            <a:r>
+              <a:rPr lang="en-US" sz="2600" dirty="0" err="1" smtClean="0">
+                <a:solidFill>
+                  <a:srgbClr val="FF0000"/>
+                </a:solidFill>
+                <a:latin typeface="Questrial" panose="020B0604020202020204" charset="0"/>
+              </a:rPr>
               <a:t>npm</a:t>
             </a:r>
+            <a:r>
+              <a:rPr lang="en-US" sz="2600" dirty="0" smtClean="0">
+                <a:solidFill>
+                  <a:srgbClr val="FF0000"/>
+                </a:solidFill>
+                <a:latin typeface="Questrial" panose="020B0604020202020204" charset="0"/>
+              </a:rPr>
+              <a:t> </a:t>
+            </a:r>
+            <a:r>
+              <a:rPr lang="en-US" sz="2600" dirty="0" err="1" smtClean="0">
+                <a:solidFill>
+                  <a:srgbClr val="FF0000"/>
+                </a:solidFill>
+                <a:latin typeface="Questrial" panose="020B0604020202020204" charset="0"/>
+              </a:rPr>
+              <a:t>init</a:t>
+            </a:r>
+            <a:r>
+              <a:rPr lang="en-US" sz="2600" dirty="0" smtClean="0">
+                <a:solidFill>
+                  <a:srgbClr val="FF0000"/>
+                </a:solidFill>
+                <a:latin typeface="Questrial" panose="020B0604020202020204" charset="0"/>
+              </a:rPr>
+              <a:t> </a:t>
+            </a:r>
+            <a:r>
+              <a:rPr lang="en-US" sz="2600" dirty="0" smtClean="0">
+                <a:solidFill>
+                  <a:schemeClr val="tx1"/>
+                </a:solidFill>
+                <a:latin typeface="Questrial" panose="020B0604020202020204" charset="0"/>
+              </a:rPr>
+              <a:t>props may be set here</a:t>
+            </a:r>
+            <a:endParaRPr lang="en-US" sz="2600" dirty="0">
+              <a:latin typeface="Questrial" panose="020B0604020202020204" charset="0"/>
+            </a:endParaRPr>
+          </a:p>
+          <a:p>
+            <a:pPr marL="652780" lvl="1" indent="-284480">
+              <a:spcBef>
+                <a:spcPts val="625"/>
+              </a:spcBef>
+              <a:buClr>
+                <a:srgbClr val="93B6D2"/>
+              </a:buClr>
+              <a:buSzPct val="69230"/>
+              <a:buFont typeface="Noto Sans Symbols"/>
+              <a:buChar char="⬜"/>
+            </a:pPr>
+            <a:r>
+              <a:rPr lang="en-US" sz="2200" dirty="0" err="1" smtClean="0">
+                <a:solidFill>
+                  <a:srgbClr val="FF0000"/>
+                </a:solidFill>
+                <a:latin typeface="Questrial" panose="020B0604020202020204" charset="0"/>
+              </a:rPr>
+              <a:t>npm</a:t>
+            </a:r>
+            <a:r>
+              <a:rPr lang="en-US" sz="2200" dirty="0" smtClean="0">
+                <a:solidFill>
+                  <a:srgbClr val="FF0000"/>
+                </a:solidFill>
+                <a:latin typeface="Questrial" panose="020B0604020202020204" charset="0"/>
+              </a:rPr>
+              <a:t> set init.author.name </a:t>
+            </a:r>
+            <a:r>
+              <a:rPr lang="en-US" sz="2400" dirty="0" smtClean="0">
+                <a:solidFill>
+                  <a:schemeClr val="tx1"/>
+                </a:solidFill>
+                <a:latin typeface="Questrial" panose="020B0604020202020204" charset="0"/>
+              </a:rPr>
+              <a:t>– </a:t>
+            </a:r>
+            <a:r>
+              <a:rPr lang="en-US" sz="2200" dirty="0" smtClean="0">
+                <a:solidFill>
+                  <a:schemeClr val="tx1"/>
+                </a:solidFill>
+                <a:latin typeface="Questrial" panose="020B0604020202020204" charset="0"/>
+              </a:rPr>
+              <a:t>change default author name</a:t>
+            </a:r>
+            <a:endParaRPr lang="en-US" sz="2200" dirty="0">
+              <a:solidFill>
+                <a:srgbClr val="FF0000"/>
+              </a:solidFill>
+              <a:latin typeface="Questrial" panose="020B0604020202020204" charset="0"/>
+            </a:endParaRPr>
+          </a:p>
+          <a:p>
+            <a:pPr marL="652780" lvl="1" indent="-284480">
+              <a:spcBef>
+                <a:spcPts val="625"/>
+              </a:spcBef>
+              <a:buClr>
+                <a:srgbClr val="93B6D2"/>
+              </a:buClr>
+              <a:buSzPct val="69230"/>
+              <a:buFont typeface="Noto Sans Symbols"/>
+              <a:buChar char="⬜"/>
+            </a:pPr>
+            <a:r>
+              <a:rPr lang="en-US" sz="2200" dirty="0" err="1" smtClean="0">
+                <a:solidFill>
+                  <a:srgbClr val="FF0000"/>
+                </a:solidFill>
+                <a:latin typeface="Questrial" panose="020B0604020202020204" charset="0"/>
+              </a:rPr>
+              <a:t>npm</a:t>
+            </a:r>
+            <a:r>
+              <a:rPr lang="en-US" sz="2200" dirty="0" smtClean="0">
+                <a:solidFill>
+                  <a:srgbClr val="FF0000"/>
+                </a:solidFill>
+                <a:latin typeface="Questrial" panose="020B0604020202020204" charset="0"/>
+              </a:rPr>
+              <a:t> </a:t>
+            </a:r>
+            <a:r>
+              <a:rPr lang="en-US" sz="2200" dirty="0">
+                <a:solidFill>
+                  <a:srgbClr val="FF0000"/>
+                </a:solidFill>
+                <a:latin typeface="Questrial" panose="020B0604020202020204" charset="0"/>
+              </a:rPr>
+              <a:t>set </a:t>
+            </a:r>
+            <a:r>
+              <a:rPr lang="en-US" sz="2200" dirty="0" err="1" smtClean="0">
+                <a:solidFill>
+                  <a:srgbClr val="FF0000"/>
+                </a:solidFill>
+                <a:latin typeface="Questrial" panose="020B0604020202020204" charset="0"/>
+              </a:rPr>
+              <a:t>init.version</a:t>
+            </a:r>
+            <a:r>
+              <a:rPr lang="en-US" sz="2200" dirty="0" smtClean="0">
+                <a:solidFill>
+                  <a:srgbClr val="FF0000"/>
+                </a:solidFill>
+                <a:latin typeface="Questrial" panose="020B0604020202020204" charset="0"/>
+              </a:rPr>
+              <a:t> </a:t>
+            </a:r>
+            <a:r>
+              <a:rPr lang="en-US" sz="2000" dirty="0">
+                <a:solidFill>
+                  <a:schemeClr val="tx1"/>
+                </a:solidFill>
+                <a:latin typeface="Questrial" panose="020B0604020202020204" charset="0"/>
+              </a:rPr>
+              <a:t>– </a:t>
+            </a:r>
+            <a:r>
+              <a:rPr lang="en-US" sz="2200" dirty="0">
+                <a:solidFill>
+                  <a:schemeClr val="tx1"/>
+                </a:solidFill>
+                <a:latin typeface="Questrial" panose="020B0604020202020204" charset="0"/>
+              </a:rPr>
+              <a:t>change default </a:t>
+            </a:r>
+            <a:r>
+              <a:rPr lang="en-US" sz="2200" dirty="0" smtClean="0">
+                <a:solidFill>
+                  <a:schemeClr val="tx1"/>
+                </a:solidFill>
+                <a:latin typeface="Questrial" panose="020B0604020202020204" charset="0"/>
+              </a:rPr>
+              <a:t>version</a:t>
+            </a:r>
+            <a:endParaRPr lang="en-US" sz="2200" dirty="0" smtClean="0">
+              <a:solidFill>
+                <a:srgbClr val="FF0000"/>
+              </a:solidFill>
+              <a:latin typeface="Questrial" panose="020B0604020202020204" charset="0"/>
+            </a:endParaRPr>
+          </a:p>
+          <a:p>
+            <a:pPr marL="652780" lvl="1" indent="-284480">
+              <a:spcBef>
+                <a:spcPts val="625"/>
+              </a:spcBef>
+              <a:buClr>
+                <a:srgbClr val="93B6D2"/>
+              </a:buClr>
+              <a:buSzPct val="69230"/>
+              <a:buFont typeface="Noto Sans Symbols"/>
+              <a:buChar char="⬜"/>
+            </a:pPr>
+            <a:r>
+              <a:rPr lang="en-US" sz="2200" dirty="0" err="1">
+                <a:solidFill>
+                  <a:srgbClr val="FF0000"/>
+                </a:solidFill>
+                <a:latin typeface="Questrial" panose="020B0604020202020204" charset="0"/>
+              </a:rPr>
+              <a:t>npm</a:t>
+            </a:r>
+            <a:r>
+              <a:rPr lang="en-US" sz="2200" dirty="0">
+                <a:solidFill>
+                  <a:srgbClr val="FF0000"/>
+                </a:solidFill>
+                <a:latin typeface="Questrial" panose="020B0604020202020204" charset="0"/>
+              </a:rPr>
+              <a:t> set </a:t>
+            </a:r>
+            <a:r>
+              <a:rPr lang="en-US" sz="2200" dirty="0" err="1" smtClean="0">
+                <a:solidFill>
+                  <a:srgbClr val="FF0000"/>
+                </a:solidFill>
+                <a:latin typeface="Questrial" panose="020B0604020202020204" charset="0"/>
+              </a:rPr>
+              <a:t>init.license</a:t>
+            </a:r>
+            <a:r>
+              <a:rPr lang="en-US" sz="2400" dirty="0">
+                <a:solidFill>
+                  <a:schemeClr val="tx1"/>
+                </a:solidFill>
+                <a:latin typeface="Questrial" panose="020B0604020202020204" charset="0"/>
+              </a:rPr>
+              <a:t> – </a:t>
+            </a:r>
+            <a:r>
+              <a:rPr lang="en-US" sz="2200" dirty="0">
+                <a:solidFill>
+                  <a:schemeClr val="tx1"/>
+                </a:solidFill>
+                <a:latin typeface="Questrial" panose="020B0604020202020204" charset="0"/>
+              </a:rPr>
+              <a:t>change </a:t>
+            </a:r>
+            <a:r>
+              <a:rPr lang="en-US" sz="2200" dirty="0" err="1" smtClean="0">
+                <a:solidFill>
+                  <a:schemeClr val="tx1"/>
+                </a:solidFill>
+                <a:latin typeface="Questrial" panose="020B0604020202020204" charset="0"/>
+              </a:rPr>
+              <a:t>defaut</a:t>
+            </a:r>
+            <a:r>
+              <a:rPr lang="en-US" sz="2200" dirty="0" smtClean="0">
+                <a:solidFill>
+                  <a:schemeClr val="tx1"/>
+                </a:solidFill>
+                <a:latin typeface="Questrial" panose="020B0604020202020204" charset="0"/>
+              </a:rPr>
+              <a:t> license type</a:t>
+            </a:r>
+            <a:endParaRPr lang="en-US" sz="2200" dirty="0">
+              <a:latin typeface="Questrial" panose="020B0604020202020204" charset="0"/>
+            </a:endParaRPr>
+          </a:p>
+          <a:p>
+            <a:pPr marL="332740" lvl="0" indent="-320040">
+              <a:buClr>
+                <a:srgbClr val="DD8046"/>
+              </a:buClr>
+              <a:buSzPct val="60344"/>
+              <a:buFont typeface="Arial"/>
+              <a:buChar char=""/>
+            </a:pPr>
+            <a:endParaRPr lang="en-US" sz="2600" dirty="0" smtClean="0">
+              <a:latin typeface="Questrial" panose="020B0604020202020204" charset="0"/>
+            </a:endParaRPr>
+          </a:p>
+          <a:p>
+            <a:pPr marL="332740" lvl="0" indent="-320040">
+              <a:buClr>
+                <a:srgbClr val="DD8046"/>
+              </a:buClr>
+              <a:buSzPct val="60344"/>
+              <a:buFont typeface="Arial"/>
+              <a:buChar char=""/>
+            </a:pPr>
             <a:endParaRPr lang="en-US" sz="2600" dirty="0" smtClean="0">
               <a:latin typeface="Questrial" panose="020B0604020202020204" charset="0"/>
             </a:endParaRPr>
@@ -20831,7 +21347,7 @@
     </p:spTree>
     <p:extLst>
       <p:ext uri="{BB962C8B-B14F-4D97-AF65-F5344CB8AC3E}">
-        <p14:creationId xmlns:p14="http://schemas.microsoft.com/office/powerpoint/2010/main" val="1900695307"/>
+        <p14:creationId xmlns:p14="http://schemas.microsoft.com/office/powerpoint/2010/main" val="3159946491"/>
       </p:ext>
     </p:extLst>
   </p:cSld>
@@ -20898,8 +21414,12 @@
               <a:buSzPct val="25000"/>
             </a:pPr>
             <a:r>
+              <a:rPr lang="en-US" sz="3800" dirty="0" err="1" smtClean="0"/>
+              <a:t>npm</a:t>
+            </a:r>
+            <a:r>
               <a:rPr lang="en-US" sz="3800" dirty="0" smtClean="0"/>
-              <a:t>yarn</a:t>
+              <a:t> – configuring</a:t>
             </a:r>
             <a:endParaRPr lang="en-US" sz="3800" b="0" i="0" u="none" strike="noStrike" cap="none" dirty="0">
               <a:solidFill>
@@ -21021,7 +21541,7 @@
                 <a:cs typeface="Questrial"/>
                 <a:sym typeface="Questrial"/>
               </a:rPr>
-              <a:t>25</a:t>
+              <a:t>24</a:t>
             </a:r>
             <a:endParaRPr lang="en-US" sz="1200" b="1" dirty="0">
               <a:solidFill>
@@ -21110,10 +21630,7 @@
           </a:bodyPr>
           <a:lstStyle/>
           <a:p>
-            <a:pPr marL="332740" indent="-320040">
-              <a:spcBef>
-                <a:spcPts val="695"/>
-              </a:spcBef>
+            <a:pPr marL="332740" lvl="0" indent="-320040">
               <a:buClr>
                 <a:srgbClr val="DD8046"/>
               </a:buClr>
@@ -21122,17 +21639,14 @@
               <a:buChar char=""/>
             </a:pPr>
             <a:r>
-              <a:rPr lang="en-US" sz="2600" dirty="0">
-                <a:latin typeface="Questrial" panose="020B0604020202020204" charset="0"/>
-              </a:rPr>
-              <a:t>Version 5 </a:t>
-            </a:r>
-            <a:r>
               <a:rPr lang="en-US" sz="2600" dirty="0" smtClean="0">
                 <a:latin typeface="Questrial" panose="020B0604020202020204" charset="0"/>
               </a:rPr>
-              <a:t>changed all that</a:t>
-            </a:r>
+              <a:t>If need to install from another repo:</a:t>
+            </a:r>
+            <a:endParaRPr lang="en-US" sz="2600" dirty="0">
+              <a:latin typeface="Questrial" panose="020B0604020202020204" charset="0"/>
+            </a:endParaRPr>
           </a:p>
           <a:p>
             <a:pPr marL="652780" lvl="1" indent="-284480">
@@ -21147,11 +21661,29 @@
               <a:buChar char="⬜"/>
             </a:pPr>
             <a:r>
+              <a:rPr lang="en-US" sz="2200" dirty="0" err="1" smtClean="0">
+                <a:solidFill>
+                  <a:srgbClr val="FF0000"/>
+                </a:solidFill>
+                <a:latin typeface="Questrial" panose="020B0604020202020204" charset="0"/>
+              </a:rPr>
+              <a:t>npm</a:t>
+            </a:r>
+            <a:r>
               <a:rPr lang="en-US" sz="2200" dirty="0" smtClean="0">
-                <a:latin typeface="Questrial" panose="020B0604020202020204" charset="0"/>
-              </a:rPr>
-              <a:t>Much better installation times rival those of yarn</a:t>
-            </a:r>
+                <a:solidFill>
+                  <a:srgbClr val="FF0000"/>
+                </a:solidFill>
+                <a:latin typeface="Questrial" panose="020B0604020202020204" charset="0"/>
+              </a:rPr>
+              <a:t> set registry https://registry.npmjs.org</a:t>
+            </a:r>
+            <a:endParaRPr lang="en-US" sz="2200" dirty="0" smtClean="0">
+              <a:solidFill>
+                <a:schemeClr val="tx1"/>
+              </a:solidFill>
+              <a:latin typeface="Questrial" panose="020B0604020202020204" charset="0"/>
+            </a:endParaRPr>
           </a:p>
           <a:p>
             <a:pPr marL="652780" lvl="1" indent="-284480">
@@ -21167,10 +21699,37 @@
             </a:pPr>
             <a:r>
               <a:rPr lang="en-US" sz="2200" dirty="0" smtClean="0">
-                <a:latin typeface="Questrial" panose="020B0604020202020204" charset="0"/>
-              </a:rPr>
-              <a:t>Also utilizes lock files</a:t>
-            </a:r>
+                <a:solidFill>
+                  <a:srgbClr val="FF0000"/>
+                </a:solidFill>
+                <a:latin typeface="Questrial" panose="020B0604020202020204" charset="0"/>
+              </a:rPr>
+              <a:t>prefix </a:t>
+            </a:r>
+            <a:r>
+              <a:rPr lang="en-US" sz="2200" dirty="0">
+                <a:solidFill>
+                  <a:schemeClr val="tx1"/>
+                </a:solidFill>
+                <a:latin typeface="Questrial" panose="020B0604020202020204" charset="0"/>
+              </a:rPr>
+              <a:t>– </a:t>
+            </a:r>
+            <a:r>
+              <a:rPr lang="en-US" sz="2200" dirty="0" smtClean="0">
+                <a:solidFill>
+                  <a:schemeClr val="tx1"/>
+                </a:solidFill>
+                <a:latin typeface="Questrial" panose="020B0604020202020204" charset="0"/>
+              </a:rPr>
+              <a:t>location where globally installed items reside</a:t>
+            </a:r>
+            <a:endParaRPr lang="en-US" sz="2200" dirty="0">
+              <a:solidFill>
+                <a:srgbClr val="FF0000"/>
+              </a:solidFill>
+              <a:latin typeface="Questrial" panose="020B0604020202020204" charset="0"/>
+            </a:endParaRPr>
           </a:p>
           <a:p>
             <a:pPr marL="652780" lvl="1" indent="-284480">
@@ -21186,31 +21745,34 @@
             </a:pPr>
             <a:r>
               <a:rPr lang="en-US" sz="2200" dirty="0" smtClean="0">
-                <a:latin typeface="Questrial" panose="020B0604020202020204" charset="0"/>
-              </a:rPr>
-              <a:t>Better flagging: </a:t>
+                <a:solidFill>
+                  <a:srgbClr val="FF0000"/>
+                </a:solidFill>
+                <a:latin typeface="Questrial" panose="020B0604020202020204" charset="0"/>
+              </a:rPr>
+              <a:t>production </a:t>
+            </a:r>
+            <a:r>
+              <a:rPr lang="en-US" sz="2200" dirty="0">
+                <a:solidFill>
+                  <a:schemeClr val="tx1"/>
+                </a:solidFill>
+                <a:latin typeface="Questrial" panose="020B0604020202020204" charset="0"/>
+              </a:rPr>
+              <a:t>– </a:t>
             </a:r>
             <a:r>
               <a:rPr lang="en-US" sz="2200" dirty="0" smtClean="0">
                 <a:solidFill>
-                  <a:srgbClr val="0070C0"/>
-                </a:solidFill>
-                <a:latin typeface="Questrial" panose="020B0604020202020204" charset="0"/>
-              </a:rPr>
-              <a:t>--save </a:t>
-            </a:r>
-            <a:r>
-              <a:rPr lang="en-US" sz="2200" dirty="0" smtClean="0">
-                <a:latin typeface="Questrial" panose="020B0604020202020204" charset="0"/>
-              </a:rPr>
-              <a:t>not necessary, as it’s the default</a:t>
-            </a:r>
-          </a:p>
-          <a:p>
-            <a:pPr marL="332740" indent="-320040">
-              <a:spcBef>
-                <a:spcPts val="695"/>
-              </a:spcBef>
+                  <a:schemeClr val="tx1"/>
+                </a:solidFill>
+                <a:latin typeface="Questrial" panose="020B0604020202020204" charset="0"/>
+              </a:rPr>
+              <a:t>set to “true” to run in “production” mode</a:t>
+            </a:r>
+          </a:p>
+          <a:p>
+            <a:pPr marL="332740" lvl="0" indent="-320040">
               <a:buClr>
                 <a:srgbClr val="DD8046"/>
               </a:buClr>
@@ -21222,20 +21784,103 @@
               <a:rPr lang="en-US" sz="2600" dirty="0">
                 <a:latin typeface="Questrial" panose="020B0604020202020204" charset="0"/>
               </a:rPr>
-              <a:t>yarn seems to be the “cool newer thing </a:t>
+              <a:t>If need to </a:t>
+            </a:r>
+            <a:r>
+              <a:rPr lang="en-US" sz="2600" dirty="0" smtClean="0">
+                <a:latin typeface="Questrial" panose="020B0604020202020204" charset="0"/>
+              </a:rPr>
+              <a:t>run in production mode</a:t>
+            </a:r>
+            <a:endParaRPr lang="en-US" sz="2600" dirty="0">
+              <a:latin typeface="Questrial" panose="020B0604020202020204" charset="0"/>
+            </a:endParaRPr>
+          </a:p>
+          <a:p>
+            <a:pPr marL="652780" lvl="1" indent="-284480">
+              <a:spcBef>
+                <a:spcPts val="625"/>
+              </a:spcBef>
+              <a:buClr>
+                <a:srgbClr val="93B6D2"/>
+              </a:buClr>
+              <a:buSzPct val="69230"/>
+              <a:buFont typeface="Noto Sans Symbols"/>
+              <a:buChar char="⬜"/>
+            </a:pPr>
+            <a:r>
+              <a:rPr lang="en-US" sz="2200" dirty="0" err="1" smtClean="0">
+                <a:solidFill>
+                  <a:srgbClr val="FF0000"/>
+                </a:solidFill>
+                <a:latin typeface="Questrial" panose="020B0604020202020204" charset="0"/>
+              </a:rPr>
+              <a:t>npm</a:t>
             </a:r>
             <a:r>
               <a:rPr lang="en-US" sz="2200" dirty="0" smtClean="0">
-                <a:latin typeface="Questrial" panose="020B0604020202020204" charset="0"/>
-              </a:rPr>
-              <a:t>Much better</a:t>
-            </a:r>
-          </a:p>
-          <a:p>
-            <a:pPr marL="332740" indent="-320040">
-              <a:spcBef>
-                <a:spcPts val="695"/>
-              </a:spcBef>
+                <a:solidFill>
+                  <a:srgbClr val="FF0000"/>
+                </a:solidFill>
+                <a:latin typeface="Questrial" panose="020B0604020202020204" charset="0"/>
+              </a:rPr>
+              <a:t> set production=true</a:t>
+            </a:r>
+          </a:p>
+          <a:p>
+            <a:pPr marL="652780" lvl="1" indent="-284480">
+              <a:spcBef>
+                <a:spcPts val="625"/>
+              </a:spcBef>
+              <a:buClr>
+                <a:srgbClr val="93B6D2"/>
+              </a:buClr>
+              <a:buSzPct val="69230"/>
+              <a:buFont typeface="Noto Sans Symbols"/>
+              <a:buChar char="⬜"/>
+            </a:pPr>
+            <a:r>
+              <a:rPr lang="en-US" sz="2200" dirty="0" smtClean="0">
+                <a:solidFill>
+                  <a:schemeClr val="tx1"/>
+                </a:solidFill>
+                <a:latin typeface="Questrial" panose="020B0604020202020204" charset="0"/>
+              </a:rPr>
+              <a:t>May also type:</a:t>
+            </a:r>
+            <a:r>
+              <a:rPr lang="en-US" sz="2200" dirty="0" smtClean="0">
+                <a:solidFill>
+                  <a:srgbClr val="FF0000"/>
+                </a:solidFill>
+                <a:latin typeface="Questrial" panose="020B0604020202020204" charset="0"/>
+              </a:rPr>
+              <a:t> </a:t>
+            </a:r>
+            <a:r>
+              <a:rPr lang="en-US" sz="2200" dirty="0" err="1" smtClean="0">
+                <a:solidFill>
+                  <a:srgbClr val="FF0000"/>
+                </a:solidFill>
+                <a:latin typeface="Questrial" panose="020B0604020202020204" charset="0"/>
+              </a:rPr>
+              <a:t>npm</a:t>
+            </a:r>
+            <a:r>
+              <a:rPr lang="en-US" sz="2200" dirty="0" smtClean="0">
+                <a:solidFill>
+                  <a:srgbClr val="FF0000"/>
+                </a:solidFill>
+                <a:latin typeface="Questrial" panose="020B0604020202020204" charset="0"/>
+              </a:rPr>
+              <a:t> install --production</a:t>
+            </a:r>
+            <a:endParaRPr lang="en-US" sz="2200" dirty="0" smtClean="0">
+              <a:latin typeface="Questrial" panose="020B0604020202020204" charset="0"/>
+            </a:endParaRPr>
+          </a:p>
+          <a:p>
+            <a:pPr marL="332740" lvl="0" indent="-320040">
               <a:buClr>
                 <a:srgbClr val="DD8046"/>
               </a:buClr>
@@ -21244,19 +21889,251 @@
               <a:buChar char=""/>
             </a:pPr>
             <a:r>
+              <a:rPr lang="en-US" sz="2600" dirty="0">
+                <a:latin typeface="Questrial" panose="020B0604020202020204" charset="0"/>
+              </a:rPr>
+              <a:t>If need to </a:t>
+            </a:r>
+            <a:r>
+              <a:rPr lang="en-US" sz="2600" dirty="0" smtClean="0">
+                <a:latin typeface="Questrial" panose="020B0604020202020204" charset="0"/>
+              </a:rPr>
+              <a:t>run </a:t>
+            </a:r>
+            <a:r>
+              <a:rPr lang="en-US" sz="2600" dirty="0" err="1" smtClean="0">
+                <a:latin typeface="Questrial" panose="020B0604020202020204" charset="0"/>
+              </a:rPr>
+              <a:t>npm</a:t>
+            </a:r>
+            <a:r>
+              <a:rPr lang="en-US" sz="2600" dirty="0" smtClean="0">
+                <a:latin typeface="Questrial" panose="020B0604020202020204" charset="0"/>
+              </a:rPr>
+              <a:t> under a proxy (default null)</a:t>
+            </a:r>
+          </a:p>
+          <a:p>
+            <a:pPr marL="652780" lvl="1" indent="-284480">
+              <a:spcBef>
+                <a:spcPts val="625"/>
+              </a:spcBef>
+              <a:buClr>
+                <a:srgbClr val="93B6D2"/>
+              </a:buClr>
+              <a:buSzPct val="69230"/>
+              <a:buFont typeface="Noto Sans Symbols"/>
+              <a:buChar char="⬜"/>
+            </a:pPr>
+            <a:r>
               <a:rPr lang="en-US" sz="2200" dirty="0" err="1" smtClean="0">
+                <a:solidFill>
+                  <a:srgbClr val="FF0000"/>
+                </a:solidFill>
                 <a:latin typeface="Questrial" panose="020B0604020202020204" charset="0"/>
               </a:rPr>
               <a:t>npm</a:t>
             </a:r>
             <a:r>
               <a:rPr lang="en-US" sz="2200" dirty="0" smtClean="0">
-                <a:latin typeface="Questrial" panose="020B0604020202020204" charset="0"/>
-              </a:rPr>
-              <a:t> seems to be more than enough</a:t>
-            </a:r>
+                <a:solidFill>
+                  <a:srgbClr val="FF0000"/>
+                </a:solidFill>
+                <a:latin typeface="Questrial" panose="020B0604020202020204" charset="0"/>
+              </a:rPr>
+              <a:t> proxy http://proxy.company.com:8080</a:t>
+            </a:r>
+            <a:endParaRPr lang="en-US" sz="2200" dirty="0" smtClean="0">
+              <a:latin typeface="Questrial" panose="020B0604020202020204" charset="0"/>
+            </a:endParaRPr>
+          </a:p>
+          <a:p>
+            <a:pPr marL="332740" lvl="0" indent="-320040">
+              <a:buClr>
+                <a:srgbClr val="DD8046"/>
+              </a:buClr>
+              <a:buSzPct val="60344"/>
+              <a:buFont typeface="Arial"/>
+              <a:buChar char=""/>
+            </a:pPr>
             <a:endParaRPr lang="en-US" sz="2600" dirty="0" smtClean="0">
               <a:latin typeface="Questrial" panose="020B0604020202020204" charset="0"/>
+            </a:endParaRPr>
+          </a:p>
+          <a:p>
+            <a:pPr marL="332740" lvl="0" indent="-320040">
+              <a:buClr>
+                <a:srgbClr val="DD8046"/>
+              </a:buClr>
+              <a:buSzPct val="60344"/>
+              <a:buFont typeface="Arial"/>
+              <a:buChar char=""/>
+            </a:pPr>
+            <a:endParaRPr lang="en-US" sz="2600" dirty="0" smtClean="0">
+              <a:latin typeface="Questrial" panose="020B0604020202020204" charset="0"/>
+            </a:endParaRPr>
+          </a:p>
+        </p:txBody>
+      </p:sp>
+      <p:sp>
+        <p:nvSpPr>
+          <p:cNvPr id="4" name="Rectangle 3"/>
+          <p:cNvSpPr>
+            <a:spLocks noChangeArrowheads="1"/>
+          </p:cNvSpPr>
+          <p:nvPr/>
+        </p:nvSpPr>
+        <p:spPr bwMode="auto">
+          <a:xfrm>
+            <a:off x="0" y="0"/>
+            <a:ext cx="9144000" cy="457200"/>
+          </a:xfrm>
+          <a:prstGeom prst="rect">
+            <a:avLst/>
+          </a:prstGeom>
+          <a:solidFill>
+            <a:srgbClr val="EEEEFF"/>
+          </a:solidFill>
+          <a:ln>
+            <a:noFill/>
+          </a:ln>
+          <a:effectLst/>
+          <a:extLst>
+            <a:ext uri="{91240B29-F687-4F45-9708-019B960494DF}">
+              <a14:hiddenLine xmlns:a14="http://schemas.microsoft.com/office/drawing/2010/main" w="9525">
+                <a:solidFill>
+                  <a:schemeClr val="tx1"/>
+                </a:solidFill>
+                <a:miter lim="800000"/>
+                <a:headEnd/>
+                <a:tailEnd/>
+              </a14:hiddenLine>
+            </a:ext>
+            <a:ext uri="{AF507438-7753-43E0-B8FC-AC1667EBCBE1}">
+              <a14:hiddenEffects xmlns:a14="http://schemas.microsoft.com/office/drawing/2010/main">
+                <a:effectLst>
+                  <a:outerShdw dist="35921" dir="2700000" algn="ctr" rotWithShape="0">
+                    <a:schemeClr val="bg2"/>
+                  </a:outerShdw>
+                </a:effectLst>
+              </a14:hiddenEffects>
+            </a:ext>
+          </a:extLst>
+        </p:spPr>
+        <p:txBody>
+          <a:bodyPr vert="horz" wrap="none" lIns="0" tIns="0" rIns="0" bIns="98394" numCol="1" anchor="ctr" anchorCtr="0" compatLnSpc="1">
+            <a:prstTxWarp prst="textNoShape">
+              <a:avLst/>
+            </a:prstTxWarp>
+            <a:spAutoFit/>
+          </a:bodyPr>
+          <a:lstStyle/>
+          <a:p>
+            <a:pPr marL="0" marR="0" lvl="0" indent="0" algn="l" defTabSz="914400" rtl="0" eaLnBrk="0" fontAlgn="base" latinLnBrk="0" hangingPunct="0">
+              <a:lnSpc>
+                <a:spcPct val="100000"/>
+              </a:lnSpc>
+              <a:spcBef>
+                <a:spcPct val="0"/>
+              </a:spcBef>
+              <a:spcAft>
+                <a:spcPct val="0"/>
+              </a:spcAft>
+              <a:buClrTx/>
+              <a:buSzTx/>
+              <a:buFontTx/>
+              <a:buNone/>
+              <a:tabLst/>
+            </a:pPr>
+            <a:r>
+              <a:rPr kumimoji="0" lang="he-IL" altLang="he-IL" sz="1100" b="0" i="0" u="none" strike="noStrike" cap="none" normalizeH="0" baseline="0" smtClean="0">
+                <a:ln>
+                  <a:noFill/>
+                </a:ln>
+                <a:solidFill>
+                  <a:srgbClr val="111111"/>
+                </a:solidFill>
+                <a:effectLst/>
+                <a:latin typeface="Arial Unicode MS" panose="020B0604020202020204" pitchFamily="34" charset="-128"/>
+              </a:rPr>
+              <a:t>npm config </a:t>
+            </a:r>
+            <a:endParaRPr kumimoji="0" lang="he-IL" altLang="he-IL" sz="1200" b="0" i="0" u="none" strike="noStrike" cap="none" normalizeH="0" baseline="0" smtClean="0">
+              <a:ln>
+                <a:noFill/>
+              </a:ln>
+              <a:solidFill>
+                <a:srgbClr val="0086B3"/>
+              </a:solidFill>
+              <a:effectLst/>
+              <a:latin typeface="Arial" panose="020B0604020202020204" pitchFamily="34" charset="0"/>
+            </a:endParaRPr>
+          </a:p>
+          <a:p>
+            <a:pPr marL="0" marR="0" lvl="0" indent="0" algn="l" defTabSz="914400" rtl="0" eaLnBrk="0" fontAlgn="base" latinLnBrk="0" hangingPunct="0">
+              <a:lnSpc>
+                <a:spcPct val="100000"/>
+              </a:lnSpc>
+              <a:spcBef>
+                <a:spcPct val="0"/>
+              </a:spcBef>
+              <a:spcAft>
+                <a:spcPct val="0"/>
+              </a:spcAft>
+              <a:buClrTx/>
+              <a:buSzTx/>
+              <a:buFontTx/>
+              <a:buNone/>
+              <a:tabLst/>
+            </a:pPr>
+            <a:r>
+              <a:rPr kumimoji="0" lang="he-IL" altLang="he-IL" sz="1100" b="0" i="0" u="none" strike="noStrike" cap="none" normalizeH="0" baseline="0" smtClean="0">
+                <a:ln>
+                  <a:noFill/>
+                </a:ln>
+                <a:solidFill>
+                  <a:srgbClr val="111111"/>
+                </a:solidFill>
+                <a:effectLst/>
+                <a:latin typeface="Arial Unicode MS" panose="020B0604020202020204" pitchFamily="34" charset="-128"/>
+              </a:rPr>
+              <a:t> proxy </a:t>
+            </a:r>
+            <a:r>
+              <a:rPr kumimoji="0" lang="he-IL" altLang="he-IL" sz="1100" b="0" i="0" u="none" strike="noStrike" cap="none" normalizeH="0" baseline="0" smtClean="0">
+                <a:ln>
+                  <a:noFill/>
+                </a:ln>
+                <a:solidFill>
+                  <a:srgbClr val="0060B7"/>
+                </a:solidFill>
+                <a:effectLst/>
+                <a:latin typeface="Arial Unicode MS" panose="020B0604020202020204" pitchFamily="34" charset="-128"/>
+                <a:hlinkClick r:id="rId3"/>
+              </a:rPr>
+              <a:t>http://proxy.company.com:8080</a:t>
+            </a:r>
+            <a:r>
+              <a:rPr kumimoji="0" lang="he-IL" altLang="he-IL" sz="600" b="0" i="0" u="none" strike="noStrike" cap="none" normalizeH="0" baseline="0" smtClean="0">
+                <a:ln>
+                  <a:noFill/>
+                </a:ln>
+                <a:solidFill>
+                  <a:schemeClr val="tx1"/>
+                </a:solidFill>
+                <a:effectLst/>
+              </a:rPr>
+              <a:t> </a:t>
+            </a:r>
+            <a:endParaRPr kumimoji="0" lang="he-IL" altLang="he-IL" sz="1800" b="0" i="0" u="none" strike="noStrike" cap="none" normalizeH="0" baseline="0" smtClean="0">
+              <a:ln>
+                <a:noFill/>
+              </a:ln>
+              <a:solidFill>
+                <a:schemeClr val="tx1"/>
+              </a:solidFill>
+              <a:effectLst/>
+              <a:latin typeface="Arial" panose="020B0604020202020204" pitchFamily="34" charset="0"/>
             </a:endParaRPr>
           </a:p>
         </p:txBody>
@@ -21264,7 +22141,7 @@
     </p:spTree>
     <p:extLst>
       <p:ext uri="{BB962C8B-B14F-4D97-AF65-F5344CB8AC3E}">
-        <p14:creationId xmlns:p14="http://schemas.microsoft.com/office/powerpoint/2010/main" val="3067293701"/>
+        <p14:creationId xmlns:p14="http://schemas.microsoft.com/office/powerpoint/2010/main" val="1239621252"/>
       </p:ext>
     </p:extLst>
   </p:cSld>
@@ -21311,7 +22188,7 @@
         <p:spPr>
           <a:xfrm>
             <a:off x="691370" y="344175"/>
-            <a:ext cx="6768685" cy="696600"/>
+            <a:ext cx="5220543" cy="696600"/>
           </a:xfrm>
           <a:prstGeom prst="rect">
             <a:avLst/>
@@ -21331,13 +22208,16 @@
               <a:buSzPct val="25000"/>
             </a:pPr>
             <a:r>
-              <a:rPr lang="en-US" sz="3800" dirty="0"/>
-              <a:t>Package Resolution at runtime</a:t>
-            </a:r>
-            <a:endParaRPr lang="en-US" sz="3800" i="0" u="none" strike="noStrike" cap="none" dirty="0">
+              <a:rPr lang="en-US" sz="3800" dirty="0" smtClean="0"/>
+              <a:t>yarn</a:t>
+            </a:r>
+            <a:endParaRPr lang="en-US" sz="3800" b="0" i="0" u="none" strike="noStrike" cap="none" dirty="0">
               <a:solidFill>
                 <a:srgbClr val="775F54"/>
               </a:solidFill>
+              <a:latin typeface="Questrial"/>
+              <a:ea typeface="Questrial"/>
+              <a:cs typeface="Questrial"/>
               <a:sym typeface="Questrial"/>
             </a:endParaRPr>
           </a:p>
@@ -21451,7 +22331,7 @@
                 <a:cs typeface="Questrial"/>
                 <a:sym typeface="Questrial"/>
               </a:rPr>
-              <a:t>26</a:t>
+              <a:t>25</a:t>
             </a:r>
             <a:endParaRPr lang="en-US" sz="1200" b="1" dirty="0">
               <a:solidFill>
@@ -21552,14 +22432,95 @@
               <a:buChar char=""/>
             </a:pPr>
             <a:r>
+              <a:rPr lang="en-US" sz="2600" dirty="0" err="1" smtClean="0">
+                <a:latin typeface="Questrial" panose="020B0604020202020204" charset="0"/>
+              </a:rPr>
+              <a:t>npm</a:t>
+            </a:r>
+            <a:r>
               <a:rPr lang="en-US" sz="2600" dirty="0" smtClean="0">
                 <a:latin typeface="Questrial" panose="020B0604020202020204" charset="0"/>
               </a:rPr>
-              <a:t>Suppose we have</a:t>
-            </a:r>
-          </a:p>
-          <a:p>
-            <a:pPr marL="825500" lvl="1" indent="-457200">
+              <a:t> </a:t>
+            </a:r>
+            <a:r>
+              <a:rPr lang="en-US" sz="2600" dirty="0">
+                <a:latin typeface="Questrial" panose="020B0604020202020204" charset="0"/>
+              </a:rPr>
+              <a:t>is not the only player in the packaging </a:t>
+            </a:r>
+            <a:r>
+              <a:rPr lang="en-US" sz="2600" dirty="0" smtClean="0">
+                <a:latin typeface="Questrial" panose="020B0604020202020204" charset="0"/>
+              </a:rPr>
+              <a:t>game </a:t>
+            </a:r>
+          </a:p>
+          <a:p>
+            <a:pPr marL="332740" indent="-320040">
+              <a:spcBef>
+                <a:spcPts val="695"/>
+              </a:spcBef>
+              <a:buClr>
+                <a:srgbClr val="DD8046"/>
+              </a:buClr>
+              <a:buSzPct val="60344"/>
+              <a:buFont typeface="Arial"/>
+              <a:buChar char=""/>
+            </a:pPr>
+            <a:r>
+              <a:rPr lang="en-US" sz="2600" dirty="0" smtClean="0">
+                <a:latin typeface="Questrial" panose="020B0604020202020204" charset="0"/>
+              </a:rPr>
+              <a:t>yarn is the newest kid in town</a:t>
+            </a:r>
+          </a:p>
+          <a:p>
+            <a:pPr marL="332740" indent="-320040">
+              <a:spcBef>
+                <a:spcPts val="695"/>
+              </a:spcBef>
+              <a:buClr>
+                <a:srgbClr val="DD8046"/>
+              </a:buClr>
+              <a:buSzPct val="60344"/>
+              <a:buFont typeface="Arial"/>
+              <a:buChar char=""/>
+            </a:pPr>
+            <a:r>
+              <a:rPr lang="en-US" sz="2600" dirty="0" smtClean="0">
+                <a:latin typeface="Questrial" panose="020B0604020202020204" charset="0"/>
+              </a:rPr>
+              <a:t>In public use from end of 2016</a:t>
+            </a:r>
+          </a:p>
+          <a:p>
+            <a:pPr marL="332740" indent="-320040">
+              <a:spcBef>
+                <a:spcPts val="695"/>
+              </a:spcBef>
+              <a:buClr>
+                <a:srgbClr val="DD8046"/>
+              </a:buClr>
+              <a:buSzPct val="60344"/>
+              <a:buFont typeface="Arial"/>
+              <a:buChar char=""/>
+            </a:pPr>
+            <a:r>
+              <a:rPr lang="en-US" sz="2600" dirty="0" smtClean="0">
+                <a:latin typeface="Questrial" panose="020B0604020202020204" charset="0"/>
+              </a:rPr>
+              <a:t>Developed </a:t>
+            </a:r>
+            <a:r>
+              <a:rPr lang="en-US" sz="2600" dirty="0">
+                <a:latin typeface="Questrial" panose="020B0604020202020204" charset="0"/>
+              </a:rPr>
+              <a:t>by Facebook</a:t>
+            </a:r>
+          </a:p>
+          <a:p>
+            <a:pPr marL="652780" lvl="1" indent="-284480">
               <a:spcBef>
                 <a:spcPts val="625"/>
               </a:spcBef>
@@ -21567,57 +22528,93 @@
                 <a:srgbClr val="93B6D2"/>
               </a:buClr>
               <a:buSzPct val="69230"/>
-              <a:buFont typeface="Wingdings" panose="05000000000000000000" pitchFamily="2" charset="2"/>
-              <a:buChar char="q"/>
+              <a:buFont typeface="Noto Sans Symbols"/>
+              <a:buChar char="⬜"/>
             </a:pPr>
             <a:r>
               <a:rPr lang="en-US" sz="2200" dirty="0" smtClean="0">
                 <a:latin typeface="Questrial" panose="020B0604020202020204" charset="0"/>
               </a:rPr>
-              <a:t>A module in </a:t>
+              <a:t>To answer performance problems using </a:t>
             </a:r>
             <a:r>
               <a:rPr lang="en-US" sz="2200" dirty="0" err="1" smtClean="0">
                 <a:latin typeface="Questrial" panose="020B0604020202020204" charset="0"/>
               </a:rPr>
-              <a:t>node</a:t>
-            </a:r>
-            <a:r>
-              <a:rPr lang="en-US" sz="2200" dirty="0" err="1" smtClean="0">
-                <a:latin typeface="+mn-lt"/>
-              </a:rPr>
-              <a:t>_</a:t>
-            </a:r>
-            <a:r>
-              <a:rPr lang="en-US" sz="2200" dirty="0" err="1" smtClean="0">
-                <a:latin typeface="Questrial" panose="020B0604020202020204" charset="0"/>
-              </a:rPr>
-              <a:t>modules</a:t>
+              <a:t>npm</a:t>
             </a:r>
             <a:r>
               <a:rPr lang="en-US" sz="2200" dirty="0" smtClean="0">
                 <a:latin typeface="Questrial" panose="020B0604020202020204" charset="0"/>
               </a:rPr>
-              <a:t> called </a:t>
-            </a:r>
-            <a:r>
-              <a:rPr lang="en-US" sz="2200" dirty="0" smtClean="0">
-                <a:solidFill>
-                  <a:srgbClr val="0070C0"/>
-                </a:solidFill>
-                <a:latin typeface="Questrial" panose="020B0604020202020204" charset="0"/>
-              </a:rPr>
-              <a:t>foobar.js</a:t>
-            </a:r>
-            <a:r>
-              <a:rPr lang="en-US" sz="2200" dirty="0" smtClean="0">
-                <a:latin typeface="Questrial" panose="020B0604020202020204" charset="0"/>
-              </a:rPr>
-              <a:t>, containing</a:t>
-            </a:r>
-          </a:p>
-          <a:p>
-            <a:pPr marL="825500" lvl="1" indent="-457200">
+              <a:t> at the time</a:t>
+            </a:r>
+            <a:endParaRPr lang="en-US" sz="2200" dirty="0">
+              <a:latin typeface="Questrial" panose="020B0604020202020204" charset="0"/>
+            </a:endParaRPr>
+          </a:p>
+          <a:p>
+            <a:pPr marL="332740" indent="-320040">
+              <a:buClr>
+                <a:srgbClr val="DD8046"/>
+              </a:buClr>
+              <a:buSzPct val="60344"/>
+              <a:buFont typeface="Arial"/>
+              <a:buChar char=""/>
+            </a:pPr>
+            <a:r>
+              <a:rPr lang="en-US" sz="2600" dirty="0" smtClean="0">
+                <a:latin typeface="Questrial" panose="020B0604020202020204" charset="0"/>
+              </a:rPr>
+              <a:t>Utilizes lock files</a:t>
+            </a:r>
+          </a:p>
+          <a:p>
+            <a:pPr marL="332740" indent="-320040">
+              <a:buClr>
+                <a:srgbClr val="DD8046"/>
+              </a:buClr>
+              <a:buSzPct val="60344"/>
+              <a:buFont typeface="Arial"/>
+              <a:buChar char=""/>
+            </a:pPr>
+            <a:r>
+              <a:rPr lang="en-US" sz="2600" dirty="0" smtClean="0">
+                <a:latin typeface="Questrial" panose="020B0604020202020204" charset="0"/>
+              </a:rPr>
+              <a:t>Installs packages much faster than </a:t>
+            </a:r>
+            <a:r>
+              <a:rPr lang="en-US" sz="2600" dirty="0" err="1" smtClean="0">
+                <a:latin typeface="Questrial" panose="020B0604020202020204" charset="0"/>
+              </a:rPr>
+              <a:t>npm</a:t>
+            </a:r>
+            <a:r>
+              <a:rPr lang="en-US" sz="2600" dirty="0" smtClean="0">
+                <a:latin typeface="Questrial" panose="020B0604020202020204" charset="0"/>
+              </a:rPr>
+              <a:t> 4</a:t>
+            </a:r>
+          </a:p>
+          <a:p>
+            <a:pPr marL="332740" indent="-320040">
+              <a:buClr>
+                <a:srgbClr val="DD8046"/>
+              </a:buClr>
+              <a:buSzPct val="60344"/>
+              <a:buFont typeface="Arial"/>
+              <a:buChar char=""/>
+            </a:pPr>
+            <a:r>
+              <a:rPr lang="en-US" sz="2600" dirty="0">
+                <a:latin typeface="Questrial" panose="020B0604020202020204" charset="0"/>
+              </a:rPr>
+              <a:t>Has no independent repository</a:t>
+            </a:r>
+          </a:p>
+          <a:p>
+            <a:pPr marL="652780" lvl="1" indent="-284480">
               <a:spcBef>
                 <a:spcPts val="625"/>
               </a:spcBef>
@@ -21625,323 +22622,66 @@
                 <a:srgbClr val="93B6D2"/>
               </a:buClr>
               <a:buSzPct val="69230"/>
-              <a:buFont typeface="+mj-lt"/>
-              <a:buAutoNum type="arabicPeriod"/>
-            </a:pPr>
-            <a:endParaRPr lang="en-US" sz="2200" dirty="0">
+              <a:buFont typeface="Noto Sans Symbols"/>
+              <a:buChar char="⬜"/>
+            </a:pPr>
+            <a:r>
+              <a:rPr lang="en-US" sz="2200" dirty="0" smtClean="0">
+                <a:latin typeface="Questrial" panose="020B0604020202020204" charset="0"/>
+              </a:rPr>
+              <a:t>Uses </a:t>
+            </a:r>
+            <a:r>
+              <a:rPr lang="en-US" sz="2200" dirty="0" err="1" smtClean="0">
+                <a:latin typeface="Questrial" panose="020B0604020202020204" charset="0"/>
+              </a:rPr>
+              <a:t>npm</a:t>
+            </a:r>
+            <a:r>
+              <a:rPr lang="en-US" sz="2200" dirty="0" smtClean="0">
+                <a:latin typeface="Questrial" panose="020B0604020202020204" charset="0"/>
+              </a:rPr>
+              <a:t> repository as its package </a:t>
+            </a:r>
+            <a:r>
+              <a:rPr lang="en-US" sz="2200" dirty="0" err="1" smtClean="0">
+                <a:latin typeface="Questrial" panose="020B0604020202020204" charset="0"/>
+              </a:rPr>
+              <a:t>intalltion</a:t>
+            </a:r>
+            <a:r>
+              <a:rPr lang="en-US" sz="2200" dirty="0" smtClean="0">
+                <a:latin typeface="Questrial" panose="020B0604020202020204" charset="0"/>
+              </a:rPr>
+              <a:t> source</a:t>
+            </a:r>
+            <a:endParaRPr lang="en-US" sz="2600" dirty="0" smtClean="0">
               <a:latin typeface="Questrial" panose="020B0604020202020204" charset="0"/>
             </a:endParaRPr>
           </a:p>
           <a:p>
-            <a:pPr marL="825500" lvl="1" indent="-457200">
-              <a:spcBef>
-                <a:spcPts val="625"/>
-              </a:spcBef>
+            <a:pPr marL="332740" lvl="0" indent="-320040">
               <a:buClr>
-                <a:srgbClr val="93B6D2"/>
+                <a:srgbClr val="DD8046"/>
               </a:buClr>
-              <a:buSzPct val="69230"/>
-              <a:buFont typeface="+mj-lt"/>
-              <a:buAutoNum type="arabicPeriod"/>
-            </a:pPr>
-            <a:endParaRPr lang="en-US" sz="2200" dirty="0" smtClean="0">
+              <a:buSzPct val="60344"/>
+              <a:buFont typeface="Arial"/>
+              <a:buChar char=""/>
+            </a:pPr>
+            <a:r>
+              <a:rPr lang="en-US" sz="2600" dirty="0" smtClean="0">
+                <a:latin typeface="Questrial" panose="020B0604020202020204" charset="0"/>
+              </a:rPr>
+              <a:t>Was considered by many a better alternative to </a:t>
+            </a:r>
+            <a:r>
+              <a:rPr lang="en-US" sz="2600" dirty="0" err="1" smtClean="0">
+                <a:latin typeface="Questrial" panose="020B0604020202020204" charset="0"/>
+              </a:rPr>
+              <a:t>npm</a:t>
+            </a:r>
+            <a:endParaRPr lang="en-US" sz="2600" dirty="0" smtClean="0">
               <a:latin typeface="Questrial" panose="020B0604020202020204" charset="0"/>
-            </a:endParaRPr>
-          </a:p>
-          <a:p>
-            <a:pPr marL="825500" lvl="1" indent="-457200">
-              <a:spcBef>
-                <a:spcPts val="625"/>
-              </a:spcBef>
-              <a:buClr>
-                <a:srgbClr val="93B6D2"/>
-              </a:buClr>
-              <a:buSzPct val="69230"/>
-              <a:buFont typeface="+mj-lt"/>
-              <a:buAutoNum type="arabicPeriod"/>
-            </a:pPr>
-            <a:endParaRPr lang="en-US" sz="2200" dirty="0" smtClean="0">
-              <a:latin typeface="Questrial" panose="020B0604020202020204" charset="0"/>
-            </a:endParaRPr>
-          </a:p>
-          <a:p>
-            <a:pPr marL="825500" lvl="1" indent="-457200">
-              <a:spcBef>
-                <a:spcPts val="625"/>
-              </a:spcBef>
-              <a:buClr>
-                <a:srgbClr val="93B6D2"/>
-              </a:buClr>
-              <a:buSzPct val="69230"/>
-              <a:buFont typeface="Wingdings" panose="05000000000000000000" pitchFamily="2" charset="2"/>
-              <a:buChar char="q"/>
-            </a:pPr>
-            <a:r>
-              <a:rPr lang="en-US" sz="2200" dirty="0">
-                <a:latin typeface="Questrial" panose="020B0604020202020204" charset="0"/>
-              </a:rPr>
-              <a:t>A file called ‘app.js</a:t>
-            </a:r>
-            <a:r>
-              <a:rPr lang="en-US" sz="2200" dirty="0" smtClean="0">
-                <a:latin typeface="Questrial" panose="020B0604020202020204" charset="0"/>
-              </a:rPr>
-              <a:t>’:</a:t>
-            </a:r>
-          </a:p>
-          <a:p>
-            <a:pPr marL="825500" lvl="1" indent="-457200">
-              <a:spcBef>
-                <a:spcPts val="625"/>
-              </a:spcBef>
-              <a:buClr>
-                <a:srgbClr val="93B6D2"/>
-              </a:buClr>
-              <a:buSzPct val="69230"/>
-              <a:buFont typeface="+mj-lt"/>
-              <a:buAutoNum type="arabicPeriod"/>
-            </a:pPr>
-            <a:endParaRPr lang="en-US" sz="2200" dirty="0">
-              <a:latin typeface="Questrial" panose="020B0604020202020204" charset="0"/>
-            </a:endParaRPr>
-          </a:p>
-          <a:p>
-            <a:pPr marL="368300" lvl="1">
-              <a:spcBef>
-                <a:spcPts val="625"/>
-              </a:spcBef>
-              <a:buClr>
-                <a:srgbClr val="93B6D2"/>
-              </a:buClr>
-              <a:buSzPct val="69230"/>
-            </a:pPr>
-            <a:endParaRPr lang="en-US" sz="2200" dirty="0" smtClean="0">
-              <a:solidFill>
-                <a:srgbClr val="0070C0"/>
-              </a:solidFill>
-              <a:latin typeface="Questrial" panose="020B0604020202020204" charset="0"/>
-            </a:endParaRPr>
-          </a:p>
-        </p:txBody>
-      </p:sp>
-      <p:sp>
-        <p:nvSpPr>
-          <p:cNvPr id="7" name="Shape 190"/>
-          <p:cNvSpPr txBox="1"/>
-          <p:nvPr/>
-        </p:nvSpPr>
-        <p:spPr>
-          <a:xfrm>
-            <a:off x="1378064" y="2577512"/>
-            <a:ext cx="2269546" cy="932475"/>
-          </a:xfrm>
-          <a:prstGeom prst="rect">
-            <a:avLst/>
-          </a:prstGeom>
-          <a:solidFill>
-            <a:schemeClr val="bg1"/>
-          </a:solidFill>
-          <a:ln w="19800" cap="flat" cmpd="sng">
-            <a:solidFill>
-              <a:schemeClr val="bg1"/>
-            </a:solidFill>
-            <a:prstDash val="solid"/>
-            <a:round/>
-            <a:headEnd type="none" w="med" len="med"/>
-            <a:tailEnd type="none" w="med" len="med"/>
-          </a:ln>
-        </p:spPr>
-        <p:txBody>
-          <a:bodyPr wrap="square" lIns="0" tIns="31100" rIns="0" bIns="0" anchor="t" anchorCtr="0">
-            <a:noAutofit/>
-          </a:bodyPr>
-          <a:lstStyle/>
-          <a:p>
-            <a:r>
-              <a:rPr lang="en-US" dirty="0" smtClean="0">
-                <a:solidFill>
-                  <a:srgbClr val="0070C0"/>
-                </a:solidFill>
-              </a:rPr>
-              <a:t>function </a:t>
-            </a:r>
-            <a:r>
-              <a:rPr lang="en-US" dirty="0" smtClean="0"/>
-              <a:t>foo</a:t>
-            </a:r>
-            <a:r>
-              <a:rPr lang="en-US" dirty="0"/>
-              <a:t>() {</a:t>
-            </a:r>
-          </a:p>
-          <a:p>
-            <a:r>
-              <a:rPr lang="en-US" dirty="0"/>
-              <a:t>   </a:t>
-            </a:r>
-            <a:r>
-              <a:rPr lang="en-US" dirty="0">
-                <a:solidFill>
-                  <a:srgbClr val="0070C0"/>
-                </a:solidFill>
-              </a:rPr>
-              <a:t>return</a:t>
-            </a:r>
-            <a:r>
-              <a:rPr lang="en-US" dirty="0">
-                <a:solidFill>
-                  <a:schemeClr val="accent5">
-                    <a:lumMod val="50000"/>
-                  </a:schemeClr>
-                </a:solidFill>
-              </a:rPr>
-              <a:t> </a:t>
-            </a:r>
-            <a:r>
-              <a:rPr lang="en-US" dirty="0"/>
-              <a:t>'bar';</a:t>
-            </a:r>
-          </a:p>
-          <a:p>
-            <a:r>
-              <a:rPr lang="en-US" dirty="0" smtClean="0"/>
-              <a:t>}</a:t>
-            </a:r>
-          </a:p>
-          <a:p>
-            <a:r>
-              <a:rPr lang="en-US" dirty="0" err="1"/>
-              <a:t>module.exports.foo</a:t>
-            </a:r>
-            <a:r>
-              <a:rPr lang="en-US" dirty="0"/>
-              <a:t> = foo;</a:t>
-            </a:r>
-          </a:p>
-          <a:p>
-            <a:endParaRPr lang="en-US" dirty="0"/>
-          </a:p>
-          <a:p>
-            <a:r>
-              <a:rPr lang="en-US" dirty="0"/>
-              <a:t/>
-            </a:r>
-            <a:br>
-              <a:rPr lang="en-US" dirty="0"/>
-            </a:br>
-            <a:endParaRPr lang="en-US" dirty="0" smtClean="0"/>
-          </a:p>
-          <a:p>
-            <a:endParaRPr lang="en-US" sz="1400" dirty="0">
-              <a:solidFill>
-                <a:srgbClr val="FFFFFF"/>
-              </a:solidFill>
-              <a:latin typeface="Questrial"/>
-              <a:ea typeface="Questrial"/>
-              <a:cs typeface="Questrial"/>
-              <a:sym typeface="Questrial"/>
-            </a:endParaRPr>
-          </a:p>
-        </p:txBody>
-      </p:sp>
-      <p:sp>
-        <p:nvSpPr>
-          <p:cNvPr id="9" name="Shape 190"/>
-          <p:cNvSpPr txBox="1"/>
-          <p:nvPr/>
-        </p:nvSpPr>
-        <p:spPr>
-          <a:xfrm>
-            <a:off x="1378064" y="4209592"/>
-            <a:ext cx="3094349" cy="533154"/>
-          </a:xfrm>
-          <a:prstGeom prst="rect">
-            <a:avLst/>
-          </a:prstGeom>
-          <a:solidFill>
-            <a:schemeClr val="bg1"/>
-          </a:solidFill>
-          <a:ln w="19800" cap="flat" cmpd="sng">
-            <a:solidFill>
-              <a:schemeClr val="bg1"/>
-            </a:solidFill>
-            <a:prstDash val="solid"/>
-            <a:round/>
-            <a:headEnd type="none" w="med" len="med"/>
-            <a:tailEnd type="none" w="med" len="med"/>
-          </a:ln>
-        </p:spPr>
-        <p:txBody>
-          <a:bodyPr wrap="square" lIns="0" tIns="31100" rIns="0" bIns="0" anchor="t" anchorCtr="0">
-            <a:noAutofit/>
-          </a:bodyPr>
-          <a:lstStyle/>
-          <a:p>
-            <a:r>
-              <a:rPr lang="en-US" dirty="0" err="1">
-                <a:solidFill>
-                  <a:srgbClr val="0070C0"/>
-                </a:solidFill>
-              </a:rPr>
-              <a:t>const</a:t>
-            </a:r>
-            <a:r>
-              <a:rPr lang="en-US" dirty="0">
-                <a:solidFill>
-                  <a:srgbClr val="0070C0"/>
-                </a:solidFill>
-              </a:rPr>
-              <a:t> </a:t>
-            </a:r>
-            <a:r>
-              <a:rPr lang="en-US" dirty="0"/>
-              <a:t>{foo, bar} = require('</a:t>
-            </a:r>
-            <a:r>
-              <a:rPr lang="en-US" dirty="0" err="1"/>
-              <a:t>foobar</a:t>
-            </a:r>
-            <a:r>
-              <a:rPr lang="en-US" dirty="0" smtClean="0"/>
-              <a:t>');</a:t>
-            </a:r>
-            <a:endParaRPr lang="en-US" dirty="0"/>
-          </a:p>
-          <a:p>
-            <a:r>
-              <a:rPr lang="en-US" dirty="0"/>
-              <a:t>console.log (foo());</a:t>
-            </a:r>
-          </a:p>
-          <a:p>
-            <a:r>
-              <a:rPr lang="en-US" dirty="0"/>
-              <a:t/>
-            </a:r>
-            <a:br>
-              <a:rPr lang="en-US" dirty="0"/>
-            </a:br>
-            <a:endParaRPr lang="en-US" dirty="0"/>
-          </a:p>
-          <a:p>
-            <a:r>
-              <a:rPr lang="en-US" dirty="0"/>
-              <a:t/>
-            </a:r>
-            <a:br>
-              <a:rPr lang="en-US" dirty="0"/>
-            </a:br>
-            <a:endParaRPr lang="en-US" dirty="0" smtClean="0"/>
-          </a:p>
-          <a:p>
-            <a:endParaRPr lang="en-US" sz="1400" dirty="0">
-              <a:solidFill>
-                <a:srgbClr val="FFFFFF"/>
-              </a:solidFill>
-              <a:latin typeface="Questrial"/>
-              <a:ea typeface="Questrial"/>
-              <a:cs typeface="Questrial"/>
-              <a:sym typeface="Questrial"/>
             </a:endParaRPr>
           </a:p>
         </p:txBody>
@@ -21949,7 +22689,7 @@
     </p:spTree>
     <p:extLst>
       <p:ext uri="{BB962C8B-B14F-4D97-AF65-F5344CB8AC3E}">
-        <p14:creationId xmlns:p14="http://schemas.microsoft.com/office/powerpoint/2010/main" val="420641615"/>
+        <p14:creationId xmlns:p14="http://schemas.microsoft.com/office/powerpoint/2010/main" val="1900695307"/>
       </p:ext>
     </p:extLst>
   </p:cSld>
@@ -21996,7 +22736,7 @@
         <p:spPr>
           <a:xfrm>
             <a:off x="691370" y="344175"/>
-            <a:ext cx="6768685" cy="696600"/>
+            <a:ext cx="5220543" cy="696600"/>
           </a:xfrm>
           <a:prstGeom prst="rect">
             <a:avLst/>
@@ -22016,13 +22756,16 @@
               <a:buSzPct val="25000"/>
             </a:pPr>
             <a:r>
-              <a:rPr lang="en-US" sz="3800" dirty="0"/>
-              <a:t>Package Resolution at runtime</a:t>
-            </a:r>
-            <a:endParaRPr lang="en-US" sz="3800" i="0" u="none" strike="noStrike" cap="none" dirty="0">
+              <a:rPr lang="en-US" sz="3800" dirty="0" smtClean="0"/>
+              <a:t>yarn</a:t>
+            </a:r>
+            <a:endParaRPr lang="en-US" sz="3800" b="0" i="0" u="none" strike="noStrike" cap="none" dirty="0">
               <a:solidFill>
                 <a:srgbClr val="775F54"/>
               </a:solidFill>
+              <a:latin typeface="Questrial"/>
+              <a:ea typeface="Questrial"/>
+              <a:cs typeface="Questrial"/>
               <a:sym typeface="Questrial"/>
             </a:endParaRPr>
           </a:p>
@@ -22136,7 +22879,1122 @@
                 <a:cs typeface="Questrial"/>
                 <a:sym typeface="Questrial"/>
               </a:rPr>
+              <a:t>26</a:t>
+            </a:r>
+            <a:endParaRPr lang="en-US" sz="1200" b="1" dirty="0">
+              <a:solidFill>
+                <a:srgbClr val="FFFFFF"/>
+              </a:solidFill>
+              <a:latin typeface="Questrial"/>
+              <a:ea typeface="Questrial"/>
+              <a:cs typeface="Questrial"/>
+              <a:sym typeface="Questrial"/>
+            </a:endParaRPr>
+          </a:p>
+        </p:txBody>
+      </p:sp>
+      <p:sp>
+        <p:nvSpPr>
+          <p:cNvPr id="85" name="Shape 85"/>
+          <p:cNvSpPr txBox="1"/>
+          <p:nvPr/>
+        </p:nvSpPr>
+        <p:spPr>
+          <a:xfrm>
+            <a:off x="7679817" y="52577"/>
+            <a:ext cx="1344900" cy="239400"/>
+          </a:xfrm>
+          <a:prstGeom prst="rect">
+            <a:avLst/>
+          </a:prstGeom>
+          <a:noFill/>
+          <a:ln>
+            <a:noFill/>
+          </a:ln>
+        </p:spPr>
+        <p:txBody>
+          <a:bodyPr wrap="square" lIns="0" tIns="12700" rIns="0" bIns="0" anchor="t" anchorCtr="0">
+            <a:noAutofit/>
+          </a:bodyPr>
+          <a:lstStyle/>
+          <a:p>
+            <a:pPr marL="12700" marR="0" lvl="0" indent="0" algn="l" rtl="0">
+              <a:lnSpc>
+                <a:spcPct val="100000"/>
+              </a:lnSpc>
+              <a:spcBef>
+                <a:spcPts val="0"/>
+              </a:spcBef>
+              <a:buSzPct val="25000"/>
+              <a:buNone/>
+            </a:pPr>
+            <a:r>
+              <a:rPr lang="en-US" sz="1400">
+                <a:solidFill>
+                  <a:srgbClr val="775F54"/>
+                </a:solidFill>
+                <a:latin typeface="Questrial"/>
+                <a:ea typeface="Questrial"/>
+                <a:cs typeface="Questrial"/>
+                <a:sym typeface="Questrial"/>
+              </a:rPr>
+              <a:t>© 2017 Ori Calvo</a:t>
+            </a:r>
+          </a:p>
+        </p:txBody>
+      </p:sp>
+      <p:sp>
+        <p:nvSpPr>
+          <p:cNvPr id="8" name="Shape 83"/>
+          <p:cNvSpPr txBox="1"/>
+          <p:nvPr/>
+        </p:nvSpPr>
+        <p:spPr>
+          <a:xfrm>
+            <a:off x="561316" y="1524735"/>
+            <a:ext cx="8229600" cy="5229150"/>
+          </a:xfrm>
+          <a:prstGeom prst="rect">
+            <a:avLst/>
+          </a:prstGeom>
+          <a:noFill/>
+          <a:ln>
+            <a:noFill/>
+          </a:ln>
+        </p:spPr>
+        <p:txBody>
+          <a:bodyPr wrap="square" lIns="0" tIns="100950" rIns="0" bIns="0" anchor="t" anchorCtr="0">
+            <a:noAutofit/>
+          </a:bodyPr>
+          <a:lstStyle/>
+          <a:p>
+            <a:pPr marL="332740" indent="-320040">
+              <a:spcBef>
+                <a:spcPts val="695"/>
+              </a:spcBef>
+              <a:buClr>
+                <a:srgbClr val="DD8046"/>
+              </a:buClr>
+              <a:buSzPct val="60344"/>
+              <a:buFont typeface="Arial"/>
+              <a:buChar char=""/>
+            </a:pPr>
+            <a:r>
+              <a:rPr lang="en-US" sz="2600" dirty="0">
+                <a:latin typeface="Questrial" panose="020B0604020202020204" charset="0"/>
+              </a:rPr>
+              <a:t>Version 5 </a:t>
+            </a:r>
+            <a:r>
+              <a:rPr lang="en-US" sz="2600" dirty="0" smtClean="0">
+                <a:latin typeface="Questrial" panose="020B0604020202020204" charset="0"/>
+              </a:rPr>
+              <a:t>changed all that</a:t>
+            </a:r>
+          </a:p>
+          <a:p>
+            <a:pPr marL="652780" lvl="1" indent="-284480">
+              <a:spcBef>
+                <a:spcPts val="625"/>
+              </a:spcBef>
+              <a:buClr>
+                <a:srgbClr val="93B6D2"/>
+              </a:buClr>
+              <a:buSzPct val="69230"/>
+              <a:buFont typeface="Noto Sans Symbols"/>
+              <a:buChar char="⬜"/>
+            </a:pPr>
+            <a:r>
+              <a:rPr lang="en-US" sz="2200" dirty="0" smtClean="0">
+                <a:latin typeface="Questrial" panose="020B0604020202020204" charset="0"/>
+              </a:rPr>
+              <a:t>Much better installation times rival those of yarn</a:t>
+            </a:r>
+          </a:p>
+          <a:p>
+            <a:pPr marL="652780" lvl="1" indent="-284480">
+              <a:spcBef>
+                <a:spcPts val="625"/>
+              </a:spcBef>
+              <a:buClr>
+                <a:srgbClr val="93B6D2"/>
+              </a:buClr>
+              <a:buSzPct val="69230"/>
+              <a:buFont typeface="Noto Sans Symbols"/>
+              <a:buChar char="⬜"/>
+            </a:pPr>
+            <a:r>
+              <a:rPr lang="en-US" sz="2200" dirty="0" smtClean="0">
+                <a:latin typeface="Questrial" panose="020B0604020202020204" charset="0"/>
+              </a:rPr>
+              <a:t>Also utilizes lock files</a:t>
+            </a:r>
+          </a:p>
+          <a:p>
+            <a:pPr marL="652780" lvl="1" indent="-284480">
+              <a:spcBef>
+                <a:spcPts val="625"/>
+              </a:spcBef>
+              <a:buClr>
+                <a:srgbClr val="93B6D2"/>
+              </a:buClr>
+              <a:buSzPct val="69230"/>
+              <a:buFont typeface="Noto Sans Symbols"/>
+              <a:buChar char="⬜"/>
+            </a:pPr>
+            <a:r>
+              <a:rPr lang="en-US" sz="2200" dirty="0" smtClean="0">
+                <a:latin typeface="Questrial" panose="020B0604020202020204" charset="0"/>
+              </a:rPr>
+              <a:t>Better flagging: </a:t>
+            </a:r>
+            <a:r>
+              <a:rPr lang="en-US" sz="2200" dirty="0" smtClean="0">
+                <a:solidFill>
+                  <a:srgbClr val="0070C0"/>
+                </a:solidFill>
+                <a:latin typeface="Questrial" panose="020B0604020202020204" charset="0"/>
+              </a:rPr>
+              <a:t>--save </a:t>
+            </a:r>
+            <a:r>
+              <a:rPr lang="en-US" sz="2200" dirty="0" smtClean="0">
+                <a:latin typeface="Questrial" panose="020B0604020202020204" charset="0"/>
+              </a:rPr>
+              <a:t>not necessary, as it’s the default</a:t>
+            </a:r>
+          </a:p>
+          <a:p>
+            <a:pPr marL="332740" indent="-320040">
+              <a:spcBef>
+                <a:spcPts val="695"/>
+              </a:spcBef>
+              <a:buClr>
+                <a:srgbClr val="DD8046"/>
+              </a:buClr>
+              <a:buSzPct val="60344"/>
+              <a:buFont typeface="Arial"/>
+              <a:buChar char=""/>
+            </a:pPr>
+            <a:r>
+              <a:rPr lang="en-US" sz="2600" dirty="0">
+                <a:latin typeface="Questrial" panose="020B0604020202020204" charset="0"/>
+              </a:rPr>
+              <a:t>yarn seems to be the “cool newer thing </a:t>
+            </a:r>
+            <a:r>
+              <a:rPr lang="en-US" sz="2200" dirty="0" smtClean="0">
+                <a:latin typeface="Questrial" panose="020B0604020202020204" charset="0"/>
+              </a:rPr>
+              <a:t>Much better</a:t>
+            </a:r>
+          </a:p>
+          <a:p>
+            <a:pPr marL="332740" indent="-320040">
+              <a:spcBef>
+                <a:spcPts val="695"/>
+              </a:spcBef>
+              <a:buClr>
+                <a:srgbClr val="DD8046"/>
+              </a:buClr>
+              <a:buSzPct val="60344"/>
+              <a:buFont typeface="Arial"/>
+              <a:buChar char=""/>
+            </a:pPr>
+            <a:r>
+              <a:rPr lang="en-US" sz="2200" dirty="0" err="1" smtClean="0">
+                <a:latin typeface="Questrial" panose="020B0604020202020204" charset="0"/>
+              </a:rPr>
+              <a:t>npm</a:t>
+            </a:r>
+            <a:r>
+              <a:rPr lang="en-US" sz="2200" dirty="0" smtClean="0">
+                <a:latin typeface="Questrial" panose="020B0604020202020204" charset="0"/>
+              </a:rPr>
+              <a:t> seems to be more than enough</a:t>
+            </a:r>
+            <a:endParaRPr lang="en-US" sz="2600" dirty="0" smtClean="0">
+              <a:latin typeface="Questrial" panose="020B0604020202020204" charset="0"/>
+            </a:endParaRPr>
+          </a:p>
+        </p:txBody>
+      </p:sp>
+    </p:spTree>
+    <p:extLst>
+      <p:ext uri="{BB962C8B-B14F-4D97-AF65-F5344CB8AC3E}">
+        <p14:creationId xmlns:p14="http://schemas.microsoft.com/office/powerpoint/2010/main" val="3067293701"/>
+      </p:ext>
+    </p:extLst>
+  </p:cSld>
+  <p:clrMapOvr>
+    <a:masterClrMapping/>
+  </p:clrMapOvr>
+  <p:timing>
+    <p:tnLst>
+      <p:par>
+        <p:cTn id="1" dur="indefinite" restart="never" nodeType="tmRoot"/>
+      </p:par>
+    </p:tnLst>
+  </p:timing>
+</p:sld>
+</file>
+
+<file path=ppt/slides/slide28.xml><?xml version="1.0" encoding="utf-8"?>
+<p:sld xmlns:a="http://schemas.openxmlformats.org/drawingml/2006/main" xmlns:r="http://schemas.openxmlformats.org/officeDocument/2006/relationships" xmlns:p="http://schemas.openxmlformats.org/presentationml/2006/main">
+  <p:cSld>
+    <p:spTree>
+      <p:nvGrpSpPr>
+        <p:cNvPr id="1" name="Shape 80"/>
+        <p:cNvGrpSpPr/>
+        <p:nvPr/>
+      </p:nvGrpSpPr>
+      <p:grpSpPr>
+        <a:xfrm>
+          <a:off x="0" y="0"/>
+          <a:ext cx="0" cy="0"/>
+          <a:chOff x="0" y="0"/>
+          <a:chExt cx="0" cy="0"/>
+        </a:xfrm>
+      </p:grpSpPr>
+      <p:sp>
+        <p:nvSpPr>
+          <p:cNvPr id="81" name="Shape 81"/>
+          <p:cNvSpPr txBox="1">
+            <a:spLocks noGrp="1"/>
+          </p:cNvSpPr>
+          <p:nvPr>
+            <p:ph type="title"/>
+          </p:nvPr>
+        </p:nvSpPr>
+        <p:spPr>
+          <a:xfrm>
+            <a:off x="691370" y="344175"/>
+            <a:ext cx="6768685" cy="696600"/>
+          </a:xfrm>
+          <a:prstGeom prst="rect">
+            <a:avLst/>
+          </a:prstGeom>
+          <a:noFill/>
+          <a:ln>
+            <a:noFill/>
+          </a:ln>
+        </p:spPr>
+        <p:txBody>
+          <a:bodyPr wrap="square" lIns="0" tIns="12700" rIns="0" bIns="0" anchor="t" anchorCtr="0">
+            <a:noAutofit/>
+          </a:bodyPr>
+          <a:lstStyle/>
+          <a:p>
+            <a:pPr marL="12700" lvl="0">
+              <a:buSzPct val="25000"/>
+            </a:pPr>
+            <a:r>
+              <a:rPr lang="en-US" sz="3800" dirty="0"/>
+              <a:t>Package Resolution at runtime</a:t>
+            </a:r>
+            <a:endParaRPr lang="en-US" sz="3800" i="0" u="none" strike="noStrike" cap="none" dirty="0">
+              <a:solidFill>
+                <a:srgbClr val="775F54"/>
+              </a:solidFill>
+              <a:sym typeface="Questrial"/>
+            </a:endParaRPr>
+          </a:p>
+        </p:txBody>
+      </p:sp>
+      <p:sp>
+        <p:nvSpPr>
+          <p:cNvPr id="82" name="Shape 82"/>
+          <p:cNvSpPr txBox="1">
+            <a:spLocks noGrp="1"/>
+          </p:cNvSpPr>
+          <p:nvPr>
+            <p:ph type="sldNum" idx="12"/>
+          </p:nvPr>
+        </p:nvSpPr>
+        <p:spPr>
+          <a:xfrm>
+            <a:off x="8472169" y="6469257"/>
+            <a:ext cx="240029" cy="219709"/>
+          </a:xfrm>
+          <a:prstGeom prst="rect">
+            <a:avLst/>
+          </a:prstGeom>
+          <a:noFill/>
+          <a:ln>
+            <a:noFill/>
+          </a:ln>
+        </p:spPr>
+        <p:txBody>
+          <a:bodyPr wrap="square" lIns="0" tIns="0" rIns="0" bIns="0" anchor="t" anchorCtr="0">
+            <a:noAutofit/>
+          </a:bodyPr>
+          <a:lstStyle/>
+          <a:p>
+            <a:pPr marL="25400" marR="0" lvl="0" indent="0" algn="l" rtl="0">
+              <a:lnSpc>
+                <a:spcPct val="112857"/>
+              </a:lnSpc>
+              <a:spcBef>
+                <a:spcPts val="0"/>
+              </a:spcBef>
+              <a:buSzPct val="25000"/>
+              <a:buNone/>
+            </a:pPr>
+            <a:fld id="{00000000-1234-1234-1234-123412341234}" type="slidenum">
+              <a:rPr lang="en-US" sz="1400" b="1" i="0">
+                <a:solidFill>
+                  <a:srgbClr val="775F54"/>
+                </a:solidFill>
+                <a:latin typeface="Questrial"/>
+                <a:ea typeface="Questrial"/>
+                <a:cs typeface="Questrial"/>
+                <a:sym typeface="Questrial"/>
+              </a:rPr>
+              <a:t>28</a:t>
+            </a:fld>
+            <a:endParaRPr lang="en-US" sz="1400" b="1" i="0">
+              <a:solidFill>
+                <a:srgbClr val="775F54"/>
+              </a:solidFill>
+              <a:latin typeface="Questrial"/>
+              <a:ea typeface="Questrial"/>
+              <a:cs typeface="Questrial"/>
+              <a:sym typeface="Questrial"/>
+            </a:endParaRPr>
+          </a:p>
+        </p:txBody>
+      </p:sp>
+      <p:sp>
+        <p:nvSpPr>
+          <p:cNvPr id="84" name="Shape 84"/>
+          <p:cNvSpPr txBox="1"/>
+          <p:nvPr/>
+        </p:nvSpPr>
+        <p:spPr>
+          <a:xfrm>
+            <a:off x="144854" y="1275243"/>
+            <a:ext cx="202446" cy="249493"/>
+          </a:xfrm>
+          <a:prstGeom prst="rect">
+            <a:avLst/>
+          </a:prstGeom>
+          <a:noFill/>
+          <a:ln>
+            <a:noFill/>
+          </a:ln>
+        </p:spPr>
+        <p:txBody>
+          <a:bodyPr wrap="square" lIns="0" tIns="12700" rIns="0" bIns="0" anchor="t" anchorCtr="0">
+            <a:noAutofit/>
+          </a:bodyPr>
+          <a:lstStyle/>
+          <a:p>
+            <a:pPr marL="12700" marR="0" lvl="0" indent="0" algn="l" rtl="0">
+              <a:lnSpc>
+                <a:spcPct val="100000"/>
+              </a:lnSpc>
+              <a:spcBef>
+                <a:spcPts val="0"/>
+              </a:spcBef>
+              <a:buSzPct val="25000"/>
+              <a:buNone/>
+            </a:pPr>
+            <a:r>
+              <a:rPr lang="en-US" sz="1200" b="1" dirty="0" smtClean="0">
+                <a:solidFill>
+                  <a:srgbClr val="FFFFFF"/>
+                </a:solidFill>
+                <a:latin typeface="Questrial"/>
+                <a:ea typeface="Questrial"/>
+                <a:cs typeface="Questrial"/>
+                <a:sym typeface="Questrial"/>
+              </a:rPr>
               <a:t>27</a:t>
+            </a:r>
+            <a:endParaRPr lang="en-US" sz="1200" b="1" dirty="0">
+              <a:solidFill>
+                <a:srgbClr val="FFFFFF"/>
+              </a:solidFill>
+              <a:latin typeface="Questrial"/>
+              <a:ea typeface="Questrial"/>
+              <a:cs typeface="Questrial"/>
+              <a:sym typeface="Questrial"/>
+            </a:endParaRPr>
+          </a:p>
+        </p:txBody>
+      </p:sp>
+      <p:sp>
+        <p:nvSpPr>
+          <p:cNvPr id="85" name="Shape 85"/>
+          <p:cNvSpPr txBox="1"/>
+          <p:nvPr/>
+        </p:nvSpPr>
+        <p:spPr>
+          <a:xfrm>
+            <a:off x="7679817" y="52577"/>
+            <a:ext cx="1344900" cy="239400"/>
+          </a:xfrm>
+          <a:prstGeom prst="rect">
+            <a:avLst/>
+          </a:prstGeom>
+          <a:noFill/>
+          <a:ln>
+            <a:noFill/>
+          </a:ln>
+        </p:spPr>
+        <p:txBody>
+          <a:bodyPr wrap="square" lIns="0" tIns="12700" rIns="0" bIns="0" anchor="t" anchorCtr="0">
+            <a:noAutofit/>
+          </a:bodyPr>
+          <a:lstStyle/>
+          <a:p>
+            <a:pPr marL="12700" marR="0" lvl="0" indent="0" algn="l" rtl="0">
+              <a:lnSpc>
+                <a:spcPct val="100000"/>
+              </a:lnSpc>
+              <a:spcBef>
+                <a:spcPts val="0"/>
+              </a:spcBef>
+              <a:buSzPct val="25000"/>
+              <a:buNone/>
+            </a:pPr>
+            <a:r>
+              <a:rPr lang="en-US" sz="1400">
+                <a:solidFill>
+                  <a:srgbClr val="775F54"/>
+                </a:solidFill>
+                <a:latin typeface="Questrial"/>
+                <a:ea typeface="Questrial"/>
+                <a:cs typeface="Questrial"/>
+                <a:sym typeface="Questrial"/>
+              </a:rPr>
+              <a:t>© 2017 Ori Calvo</a:t>
+            </a:r>
+          </a:p>
+        </p:txBody>
+      </p:sp>
+      <p:sp>
+        <p:nvSpPr>
+          <p:cNvPr id="8" name="Shape 83"/>
+          <p:cNvSpPr txBox="1"/>
+          <p:nvPr/>
+        </p:nvSpPr>
+        <p:spPr>
+          <a:xfrm>
+            <a:off x="561316" y="1524735"/>
+            <a:ext cx="8229600" cy="5229150"/>
+          </a:xfrm>
+          <a:prstGeom prst="rect">
+            <a:avLst/>
+          </a:prstGeom>
+          <a:noFill/>
+          <a:ln>
+            <a:noFill/>
+          </a:ln>
+        </p:spPr>
+        <p:txBody>
+          <a:bodyPr wrap="square" lIns="0" tIns="100950" rIns="0" bIns="0" anchor="t" anchorCtr="0">
+            <a:noAutofit/>
+          </a:bodyPr>
+          <a:lstStyle/>
+          <a:p>
+            <a:pPr marL="332740" indent="-320040">
+              <a:spcBef>
+                <a:spcPts val="695"/>
+              </a:spcBef>
+              <a:buClr>
+                <a:srgbClr val="DD8046"/>
+              </a:buClr>
+              <a:buSzPct val="60344"/>
+              <a:buFont typeface="Arial"/>
+              <a:buChar char=""/>
+            </a:pPr>
+            <a:r>
+              <a:rPr lang="en-US" sz="2600" dirty="0" smtClean="0">
+                <a:latin typeface="Questrial" panose="020B0604020202020204" charset="0"/>
+              </a:rPr>
+              <a:t>Suppose we have</a:t>
+            </a:r>
+          </a:p>
+          <a:p>
+            <a:pPr marL="825500" lvl="1" indent="-457200">
+              <a:spcBef>
+                <a:spcPts val="625"/>
+              </a:spcBef>
+              <a:buClr>
+                <a:srgbClr val="93B6D2"/>
+              </a:buClr>
+              <a:buSzPct val="69230"/>
+              <a:buFont typeface="Wingdings" panose="05000000000000000000" pitchFamily="2" charset="2"/>
+              <a:buChar char="q"/>
+            </a:pPr>
+            <a:r>
+              <a:rPr lang="en-US" sz="2200" dirty="0" smtClean="0">
+                <a:latin typeface="Questrial" panose="020B0604020202020204" charset="0"/>
+              </a:rPr>
+              <a:t>A module in </a:t>
+            </a:r>
+            <a:r>
+              <a:rPr lang="en-US" sz="2200" dirty="0" err="1" smtClean="0">
+                <a:latin typeface="Questrial" panose="020B0604020202020204" charset="0"/>
+              </a:rPr>
+              <a:t>node</a:t>
+            </a:r>
+            <a:r>
+              <a:rPr lang="en-US" sz="2200" dirty="0" err="1" smtClean="0">
+                <a:latin typeface="+mn-lt"/>
+              </a:rPr>
+              <a:t>_</a:t>
+            </a:r>
+            <a:r>
+              <a:rPr lang="en-US" sz="2200" dirty="0" err="1" smtClean="0">
+                <a:latin typeface="Questrial" panose="020B0604020202020204" charset="0"/>
+              </a:rPr>
+              <a:t>modules</a:t>
+            </a:r>
+            <a:r>
+              <a:rPr lang="en-US" sz="2200" dirty="0" smtClean="0">
+                <a:latin typeface="Questrial" panose="020B0604020202020204" charset="0"/>
+              </a:rPr>
+              <a:t> called </a:t>
+            </a:r>
+            <a:r>
+              <a:rPr lang="en-US" sz="2200" dirty="0" smtClean="0">
+                <a:solidFill>
+                  <a:srgbClr val="0070C0"/>
+                </a:solidFill>
+                <a:latin typeface="Questrial" panose="020B0604020202020204" charset="0"/>
+              </a:rPr>
+              <a:t>foobar.js</a:t>
+            </a:r>
+            <a:r>
+              <a:rPr lang="en-US" sz="2200" dirty="0" smtClean="0">
+                <a:latin typeface="Questrial" panose="020B0604020202020204" charset="0"/>
+              </a:rPr>
+              <a:t>, containing</a:t>
+            </a:r>
+          </a:p>
+          <a:p>
+            <a:pPr marL="825500" lvl="1" indent="-457200">
+              <a:spcBef>
+                <a:spcPts val="625"/>
+              </a:spcBef>
+              <a:buClr>
+                <a:srgbClr val="93B6D2"/>
+              </a:buClr>
+              <a:buSzPct val="69230"/>
+              <a:buFont typeface="+mj-lt"/>
+              <a:buAutoNum type="arabicPeriod"/>
+            </a:pPr>
+            <a:endParaRPr lang="en-US" sz="2200" dirty="0">
+              <a:latin typeface="Questrial" panose="020B0604020202020204" charset="0"/>
+            </a:endParaRPr>
+          </a:p>
+          <a:p>
+            <a:pPr marL="825500" lvl="1" indent="-457200">
+              <a:spcBef>
+                <a:spcPts val="625"/>
+              </a:spcBef>
+              <a:buClr>
+                <a:srgbClr val="93B6D2"/>
+              </a:buClr>
+              <a:buSzPct val="69230"/>
+              <a:buFont typeface="+mj-lt"/>
+              <a:buAutoNum type="arabicPeriod"/>
+            </a:pPr>
+            <a:endParaRPr lang="en-US" sz="2200" dirty="0" smtClean="0">
+              <a:latin typeface="Questrial" panose="020B0604020202020204" charset="0"/>
+            </a:endParaRPr>
+          </a:p>
+          <a:p>
+            <a:pPr marL="825500" lvl="1" indent="-457200">
+              <a:spcBef>
+                <a:spcPts val="625"/>
+              </a:spcBef>
+              <a:buClr>
+                <a:srgbClr val="93B6D2"/>
+              </a:buClr>
+              <a:buSzPct val="69230"/>
+              <a:buFont typeface="+mj-lt"/>
+              <a:buAutoNum type="arabicPeriod"/>
+            </a:pPr>
+            <a:endParaRPr lang="en-US" sz="2200" dirty="0" smtClean="0">
+              <a:latin typeface="Questrial" panose="020B0604020202020204" charset="0"/>
+            </a:endParaRPr>
+          </a:p>
+          <a:p>
+            <a:pPr marL="825500" lvl="1" indent="-457200">
+              <a:spcBef>
+                <a:spcPts val="625"/>
+              </a:spcBef>
+              <a:buClr>
+                <a:srgbClr val="93B6D2"/>
+              </a:buClr>
+              <a:buSzPct val="69230"/>
+              <a:buFont typeface="Wingdings" panose="05000000000000000000" pitchFamily="2" charset="2"/>
+              <a:buChar char="q"/>
+            </a:pPr>
+            <a:r>
+              <a:rPr lang="en-US" sz="2200" dirty="0">
+                <a:latin typeface="Questrial" panose="020B0604020202020204" charset="0"/>
+              </a:rPr>
+              <a:t>A file called ‘app.js</a:t>
+            </a:r>
+            <a:r>
+              <a:rPr lang="en-US" sz="2200" dirty="0" smtClean="0">
+                <a:latin typeface="Questrial" panose="020B0604020202020204" charset="0"/>
+              </a:rPr>
+              <a:t>’:</a:t>
+            </a:r>
+          </a:p>
+          <a:p>
+            <a:pPr marL="825500" lvl="1" indent="-457200">
+              <a:spcBef>
+                <a:spcPts val="625"/>
+              </a:spcBef>
+              <a:buClr>
+                <a:srgbClr val="93B6D2"/>
+              </a:buClr>
+              <a:buSzPct val="69230"/>
+              <a:buFont typeface="+mj-lt"/>
+              <a:buAutoNum type="arabicPeriod"/>
+            </a:pPr>
+            <a:endParaRPr lang="en-US" sz="2200" dirty="0">
+              <a:latin typeface="Questrial" panose="020B0604020202020204" charset="0"/>
+            </a:endParaRPr>
+          </a:p>
+          <a:p>
+            <a:pPr marL="368300" lvl="1">
+              <a:spcBef>
+                <a:spcPts val="625"/>
+              </a:spcBef>
+              <a:buClr>
+                <a:srgbClr val="93B6D2"/>
+              </a:buClr>
+              <a:buSzPct val="69230"/>
+            </a:pPr>
+            <a:endParaRPr lang="en-US" sz="2200" dirty="0" smtClean="0">
+              <a:solidFill>
+                <a:srgbClr val="0070C0"/>
+              </a:solidFill>
+              <a:latin typeface="Questrial" panose="020B0604020202020204" charset="0"/>
+            </a:endParaRPr>
+          </a:p>
+        </p:txBody>
+      </p:sp>
+      <p:sp>
+        <p:nvSpPr>
+          <p:cNvPr id="7" name="Shape 190"/>
+          <p:cNvSpPr txBox="1"/>
+          <p:nvPr/>
+        </p:nvSpPr>
+        <p:spPr>
+          <a:xfrm>
+            <a:off x="1378064" y="2577512"/>
+            <a:ext cx="2269546" cy="932475"/>
+          </a:xfrm>
+          <a:prstGeom prst="rect">
+            <a:avLst/>
+          </a:prstGeom>
+          <a:solidFill>
+            <a:schemeClr val="bg1"/>
+          </a:solidFill>
+          <a:ln w="19800" cap="flat" cmpd="sng">
+            <a:solidFill>
+              <a:schemeClr val="bg1"/>
+            </a:solidFill>
+            <a:prstDash val="solid"/>
+            <a:round/>
+            <a:headEnd type="none" w="med" len="med"/>
+            <a:tailEnd type="none" w="med" len="med"/>
+          </a:ln>
+        </p:spPr>
+        <p:txBody>
+          <a:bodyPr wrap="square" lIns="0" tIns="31100" rIns="0" bIns="0" anchor="t" anchorCtr="0">
+            <a:noAutofit/>
+          </a:bodyPr>
+          <a:lstStyle/>
+          <a:p>
+            <a:r>
+              <a:rPr lang="en-US" dirty="0" smtClean="0">
+                <a:solidFill>
+                  <a:srgbClr val="0070C0"/>
+                </a:solidFill>
+              </a:rPr>
+              <a:t>function </a:t>
+            </a:r>
+            <a:r>
+              <a:rPr lang="en-US" dirty="0" smtClean="0"/>
+              <a:t>foo</a:t>
+            </a:r>
+            <a:r>
+              <a:rPr lang="en-US" dirty="0"/>
+              <a:t>() {</a:t>
+            </a:r>
+          </a:p>
+          <a:p>
+            <a:r>
+              <a:rPr lang="en-US" dirty="0"/>
+              <a:t>   </a:t>
+            </a:r>
+            <a:r>
+              <a:rPr lang="en-US" dirty="0">
+                <a:solidFill>
+                  <a:srgbClr val="0070C0"/>
+                </a:solidFill>
+              </a:rPr>
+              <a:t>return</a:t>
+            </a:r>
+            <a:r>
+              <a:rPr lang="en-US" dirty="0">
+                <a:solidFill>
+                  <a:schemeClr val="accent5">
+                    <a:lumMod val="50000"/>
+                  </a:schemeClr>
+                </a:solidFill>
+              </a:rPr>
+              <a:t> </a:t>
+            </a:r>
+            <a:r>
+              <a:rPr lang="en-US" dirty="0"/>
+              <a:t>'bar';</a:t>
+            </a:r>
+          </a:p>
+          <a:p>
+            <a:r>
+              <a:rPr lang="en-US" dirty="0" smtClean="0"/>
+              <a:t>}</a:t>
+            </a:r>
+          </a:p>
+          <a:p>
+            <a:r>
+              <a:rPr lang="en-US" dirty="0" err="1"/>
+              <a:t>module.exports.foo</a:t>
+            </a:r>
+            <a:r>
+              <a:rPr lang="en-US" dirty="0"/>
+              <a:t> = foo;</a:t>
+            </a:r>
+          </a:p>
+          <a:p>
+            <a:endParaRPr lang="en-US" dirty="0"/>
+          </a:p>
+          <a:p>
+            <a:r>
+              <a:rPr lang="en-US" dirty="0"/>
+              <a:t/>
+            </a:r>
+            <a:br>
+              <a:rPr lang="en-US" dirty="0"/>
+            </a:br>
+            <a:endParaRPr lang="en-US" dirty="0" smtClean="0"/>
+          </a:p>
+          <a:p>
+            <a:endParaRPr lang="en-US" sz="1400" dirty="0">
+              <a:solidFill>
+                <a:srgbClr val="FFFFFF"/>
+              </a:solidFill>
+              <a:latin typeface="Questrial"/>
+              <a:ea typeface="Questrial"/>
+              <a:cs typeface="Questrial"/>
+              <a:sym typeface="Questrial"/>
+            </a:endParaRPr>
+          </a:p>
+        </p:txBody>
+      </p:sp>
+      <p:sp>
+        <p:nvSpPr>
+          <p:cNvPr id="9" name="Shape 190"/>
+          <p:cNvSpPr txBox="1"/>
+          <p:nvPr/>
+        </p:nvSpPr>
+        <p:spPr>
+          <a:xfrm>
+            <a:off x="1378064" y="4209592"/>
+            <a:ext cx="3094349" cy="533154"/>
+          </a:xfrm>
+          <a:prstGeom prst="rect">
+            <a:avLst/>
+          </a:prstGeom>
+          <a:solidFill>
+            <a:schemeClr val="bg1"/>
+          </a:solidFill>
+          <a:ln w="19800" cap="flat" cmpd="sng">
+            <a:solidFill>
+              <a:schemeClr val="bg1"/>
+            </a:solidFill>
+            <a:prstDash val="solid"/>
+            <a:round/>
+            <a:headEnd type="none" w="med" len="med"/>
+            <a:tailEnd type="none" w="med" len="med"/>
+          </a:ln>
+        </p:spPr>
+        <p:txBody>
+          <a:bodyPr wrap="square" lIns="0" tIns="31100" rIns="0" bIns="0" anchor="t" anchorCtr="0">
+            <a:noAutofit/>
+          </a:bodyPr>
+          <a:lstStyle/>
+          <a:p>
+            <a:r>
+              <a:rPr lang="en-US" dirty="0" err="1">
+                <a:solidFill>
+                  <a:srgbClr val="0070C0"/>
+                </a:solidFill>
+              </a:rPr>
+              <a:t>const</a:t>
+            </a:r>
+            <a:r>
+              <a:rPr lang="en-US" dirty="0">
+                <a:solidFill>
+                  <a:srgbClr val="0070C0"/>
+                </a:solidFill>
+              </a:rPr>
+              <a:t> </a:t>
+            </a:r>
+            <a:r>
+              <a:rPr lang="en-US" dirty="0"/>
+              <a:t>{foo, bar} = require('</a:t>
+            </a:r>
+            <a:r>
+              <a:rPr lang="en-US" dirty="0" err="1"/>
+              <a:t>foobar</a:t>
+            </a:r>
+            <a:r>
+              <a:rPr lang="en-US" dirty="0" smtClean="0"/>
+              <a:t>');</a:t>
+            </a:r>
+            <a:endParaRPr lang="en-US" dirty="0"/>
+          </a:p>
+          <a:p>
+            <a:r>
+              <a:rPr lang="en-US" dirty="0"/>
+              <a:t>console.log (foo());</a:t>
+            </a:r>
+          </a:p>
+          <a:p>
+            <a:r>
+              <a:rPr lang="en-US" dirty="0"/>
+              <a:t/>
+            </a:r>
+            <a:br>
+              <a:rPr lang="en-US" dirty="0"/>
+            </a:br>
+            <a:endParaRPr lang="en-US" dirty="0"/>
+          </a:p>
+          <a:p>
+            <a:r>
+              <a:rPr lang="en-US" dirty="0"/>
+              <a:t/>
+            </a:r>
+            <a:br>
+              <a:rPr lang="en-US" dirty="0"/>
+            </a:br>
+            <a:endParaRPr lang="en-US" dirty="0" smtClean="0"/>
+          </a:p>
+          <a:p>
+            <a:endParaRPr lang="en-US" sz="1400" dirty="0">
+              <a:solidFill>
+                <a:srgbClr val="FFFFFF"/>
+              </a:solidFill>
+              <a:latin typeface="Questrial"/>
+              <a:ea typeface="Questrial"/>
+              <a:cs typeface="Questrial"/>
+              <a:sym typeface="Questrial"/>
+            </a:endParaRPr>
+          </a:p>
+        </p:txBody>
+      </p:sp>
+    </p:spTree>
+    <p:extLst>
+      <p:ext uri="{BB962C8B-B14F-4D97-AF65-F5344CB8AC3E}">
+        <p14:creationId xmlns:p14="http://schemas.microsoft.com/office/powerpoint/2010/main" val="420641615"/>
+      </p:ext>
+    </p:extLst>
+  </p:cSld>
+  <p:clrMapOvr>
+    <a:masterClrMapping/>
+  </p:clrMapOvr>
+  <p:timing>
+    <p:tnLst>
+      <p:par>
+        <p:cTn id="1" dur="indefinite" restart="never" nodeType="tmRoot"/>
+      </p:par>
+    </p:tnLst>
+  </p:timing>
+</p:sld>
+</file>
+
+<file path=ppt/slides/slide29.xml><?xml version="1.0" encoding="utf-8"?>
+<p:sld xmlns:a="http://schemas.openxmlformats.org/drawingml/2006/main" xmlns:r="http://schemas.openxmlformats.org/officeDocument/2006/relationships" xmlns:p="http://schemas.openxmlformats.org/presentationml/2006/main">
+  <p:cSld>
+    <p:spTree>
+      <p:nvGrpSpPr>
+        <p:cNvPr id="1" name="Shape 80"/>
+        <p:cNvGrpSpPr/>
+        <p:nvPr/>
+      </p:nvGrpSpPr>
+      <p:grpSpPr>
+        <a:xfrm>
+          <a:off x="0" y="0"/>
+          <a:ext cx="0" cy="0"/>
+          <a:chOff x="0" y="0"/>
+          <a:chExt cx="0" cy="0"/>
+        </a:xfrm>
+      </p:grpSpPr>
+      <p:sp>
+        <p:nvSpPr>
+          <p:cNvPr id="81" name="Shape 81"/>
+          <p:cNvSpPr txBox="1">
+            <a:spLocks noGrp="1"/>
+          </p:cNvSpPr>
+          <p:nvPr>
+            <p:ph type="title"/>
+          </p:nvPr>
+        </p:nvSpPr>
+        <p:spPr>
+          <a:xfrm>
+            <a:off x="691370" y="344175"/>
+            <a:ext cx="6768685" cy="696600"/>
+          </a:xfrm>
+          <a:prstGeom prst="rect">
+            <a:avLst/>
+          </a:prstGeom>
+          <a:noFill/>
+          <a:ln>
+            <a:noFill/>
+          </a:ln>
+        </p:spPr>
+        <p:txBody>
+          <a:bodyPr wrap="square" lIns="0" tIns="12700" rIns="0" bIns="0" anchor="t" anchorCtr="0">
+            <a:noAutofit/>
+          </a:bodyPr>
+          <a:lstStyle/>
+          <a:p>
+            <a:pPr marL="12700" lvl="0">
+              <a:buSzPct val="25000"/>
+            </a:pPr>
+            <a:r>
+              <a:rPr lang="en-US" sz="3800" dirty="0"/>
+              <a:t>Package Resolution at runtime</a:t>
+            </a:r>
+            <a:endParaRPr lang="en-US" sz="3800" i="0" u="none" strike="noStrike" cap="none" dirty="0">
+              <a:solidFill>
+                <a:srgbClr val="775F54"/>
+              </a:solidFill>
+              <a:sym typeface="Questrial"/>
+            </a:endParaRPr>
+          </a:p>
+        </p:txBody>
+      </p:sp>
+      <p:sp>
+        <p:nvSpPr>
+          <p:cNvPr id="82" name="Shape 82"/>
+          <p:cNvSpPr txBox="1">
+            <a:spLocks noGrp="1"/>
+          </p:cNvSpPr>
+          <p:nvPr>
+            <p:ph type="sldNum" idx="12"/>
+          </p:nvPr>
+        </p:nvSpPr>
+        <p:spPr>
+          <a:xfrm>
+            <a:off x="8472169" y="6469257"/>
+            <a:ext cx="240029" cy="219709"/>
+          </a:xfrm>
+          <a:prstGeom prst="rect">
+            <a:avLst/>
+          </a:prstGeom>
+          <a:noFill/>
+          <a:ln>
+            <a:noFill/>
+          </a:ln>
+        </p:spPr>
+        <p:txBody>
+          <a:bodyPr wrap="square" lIns="0" tIns="0" rIns="0" bIns="0" anchor="t" anchorCtr="0">
+            <a:noAutofit/>
+          </a:bodyPr>
+          <a:lstStyle/>
+          <a:p>
+            <a:pPr marL="25400" marR="0" lvl="0" indent="0" algn="l" rtl="0">
+              <a:lnSpc>
+                <a:spcPct val="112857"/>
+              </a:lnSpc>
+              <a:spcBef>
+                <a:spcPts val="0"/>
+              </a:spcBef>
+              <a:buSzPct val="25000"/>
+              <a:buNone/>
+            </a:pPr>
+            <a:fld id="{00000000-1234-1234-1234-123412341234}" type="slidenum">
+              <a:rPr lang="en-US" sz="1400" b="1" i="0">
+                <a:solidFill>
+                  <a:srgbClr val="775F54"/>
+                </a:solidFill>
+                <a:latin typeface="Questrial"/>
+                <a:ea typeface="Questrial"/>
+                <a:cs typeface="Questrial"/>
+                <a:sym typeface="Questrial"/>
+              </a:rPr>
+              <a:t>29</a:t>
+            </a:fld>
+            <a:endParaRPr lang="en-US" sz="1400" b="1" i="0">
+              <a:solidFill>
+                <a:srgbClr val="775F54"/>
+              </a:solidFill>
+              <a:latin typeface="Questrial"/>
+              <a:ea typeface="Questrial"/>
+              <a:cs typeface="Questrial"/>
+              <a:sym typeface="Questrial"/>
+            </a:endParaRPr>
+          </a:p>
+        </p:txBody>
+      </p:sp>
+      <p:sp>
+        <p:nvSpPr>
+          <p:cNvPr id="84" name="Shape 84"/>
+          <p:cNvSpPr txBox="1"/>
+          <p:nvPr/>
+        </p:nvSpPr>
+        <p:spPr>
+          <a:xfrm>
+            <a:off x="144854" y="1275243"/>
+            <a:ext cx="202446" cy="249493"/>
+          </a:xfrm>
+          <a:prstGeom prst="rect">
+            <a:avLst/>
+          </a:prstGeom>
+          <a:noFill/>
+          <a:ln>
+            <a:noFill/>
+          </a:ln>
+        </p:spPr>
+        <p:txBody>
+          <a:bodyPr wrap="square" lIns="0" tIns="12700" rIns="0" bIns="0" anchor="t" anchorCtr="0">
+            <a:noAutofit/>
+          </a:bodyPr>
+          <a:lstStyle/>
+          <a:p>
+            <a:pPr marL="12700" marR="0" lvl="0" indent="0" algn="l" rtl="0">
+              <a:lnSpc>
+                <a:spcPct val="100000"/>
+              </a:lnSpc>
+              <a:spcBef>
+                <a:spcPts val="0"/>
+              </a:spcBef>
+              <a:buSzPct val="25000"/>
+              <a:buNone/>
+            </a:pPr>
+            <a:r>
+              <a:rPr lang="en-US" sz="1200" b="1" dirty="0" smtClean="0">
+                <a:solidFill>
+                  <a:srgbClr val="FFFFFF"/>
+                </a:solidFill>
+                <a:latin typeface="Questrial"/>
+                <a:ea typeface="Questrial"/>
+                <a:cs typeface="Questrial"/>
+                <a:sym typeface="Questrial"/>
+              </a:rPr>
+              <a:t>28</a:t>
             </a:r>
             <a:endParaRPr lang="en-US" sz="1200" b="1" dirty="0">
               <a:solidFill>
@@ -25207,19 +27065,7 @@
               <a:rPr lang="en-US" sz="2400" dirty="0" smtClean="0">
                 <a:latin typeface="Questrial" panose="020B0604020202020204" charset="0"/>
               </a:rPr>
-              <a:t>e.g. </a:t>
-            </a:r>
-            <a:r>
-              <a:rPr lang="en-US" sz="2400" dirty="0" smtClean="0">
-                <a:latin typeface="Questrial" panose="020B0604020202020204" charset="0"/>
-              </a:rPr>
-              <a:t> foo.js </a:t>
-            </a:r>
-            <a:r>
-              <a:rPr lang="en-US" sz="2400" dirty="0" smtClean="0">
-                <a:latin typeface="Questrial" panose="020B0604020202020204" charset="0"/>
-              </a:rPr>
-              <a:t>loads module ./goo.js</a:t>
+              <a:t>e.g.  foo.js loads module ./goo.js</a:t>
             </a:r>
           </a:p>
           <a:p>
@@ -26828,7 +28674,7 @@
         <p:spPr>
           <a:xfrm>
             <a:off x="691385" y="1524736"/>
-            <a:ext cx="8020813" cy="2974836"/>
+            <a:ext cx="8020813" cy="4441498"/>
           </a:xfrm>
           <a:prstGeom prst="rect">
             <a:avLst/>
@@ -26941,18 +28787,18 @@
               <a:buChar char=""/>
             </a:pPr>
             <a:r>
-              <a:rPr lang="en-US" sz="2800" dirty="0" smtClean="0">
+              <a:rPr lang="en-US" sz="2600" dirty="0" smtClean="0">
                 <a:latin typeface="Questrial" panose="020B0604020202020204" charset="0"/>
               </a:rPr>
               <a:t>No </a:t>
             </a:r>
             <a:r>
-              <a:rPr lang="en-US" sz="2800" dirty="0">
+              <a:rPr lang="en-US" sz="2600" dirty="0">
                 <a:latin typeface="Questrial" panose="020B0604020202020204" charset="0"/>
               </a:rPr>
               <a:t>need for them in your production package </a:t>
             </a:r>
-            <a:endParaRPr lang="en-US" sz="2800" dirty="0" smtClean="0">
+            <a:endParaRPr lang="en-US" sz="2600" dirty="0" smtClean="0">
               <a:latin typeface="Questrial" panose="020B0604020202020204" charset="0"/>
             </a:endParaRPr>
           </a:p>
@@ -26969,13 +28815,13 @@
               <a:buChar char=""/>
             </a:pPr>
             <a:r>
-              <a:rPr lang="en-US" sz="2800" dirty="0" smtClean="0">
+              <a:rPr lang="en-US" sz="2600" dirty="0" smtClean="0">
                 <a:latin typeface="Questrial" panose="020B0604020202020204" charset="0"/>
               </a:rPr>
               <a:t>These qualify as </a:t>
             </a:r>
             <a:r>
-              <a:rPr lang="en-US" sz="2800" dirty="0" smtClean="0">
+              <a:rPr lang="en-US" sz="2600" dirty="0" smtClean="0">
                 <a:solidFill>
                   <a:srgbClr val="0070C0"/>
                 </a:solidFill>
@@ -26983,12 +28829,6 @@
               </a:rPr>
               <a:t>dev-dependencies</a:t>
             </a:r>
-            <a:endParaRPr lang="en-US" sz="2800" dirty="0">
-              <a:solidFill>
-                <a:srgbClr val="0070C0"/>
-              </a:solidFill>
-              <a:latin typeface="Questrial" panose="020B0604020202020204" charset="0"/>
-            </a:endParaRPr>
           </a:p>
           <a:p>
             <a:pPr marL="332740" indent="-320040">
@@ -27002,7 +28842,107 @@
               <a:buFont typeface="Arial"/>
               <a:buChar char=""/>
             </a:pPr>
-            <a:endParaRPr lang="en-US" sz="2400" dirty="0" smtClean="0">
+            <a:r>
+              <a:rPr lang="en-US" sz="2600" dirty="0" err="1">
+                <a:solidFill>
+                  <a:srgbClr val="FF0000"/>
+                </a:solidFill>
+                <a:latin typeface="Questrial" panose="020B0604020202020204" charset="0"/>
+              </a:rPr>
+              <a:t>n</a:t>
+            </a:r>
+            <a:r>
+              <a:rPr lang="en-US" sz="2600" dirty="0" err="1" smtClean="0">
+                <a:solidFill>
+                  <a:srgbClr val="FF0000"/>
+                </a:solidFill>
+                <a:latin typeface="Questrial" panose="020B0604020202020204" charset="0"/>
+              </a:rPr>
+              <a:t>pm</a:t>
+            </a:r>
+            <a:r>
+              <a:rPr lang="en-US" sz="2600" dirty="0" smtClean="0">
+                <a:solidFill>
+                  <a:srgbClr val="FF0000"/>
+                </a:solidFill>
+                <a:latin typeface="Questrial" panose="020B0604020202020204" charset="0"/>
+              </a:rPr>
+              <a:t> install </a:t>
+            </a:r>
+            <a:r>
+              <a:rPr lang="en-US" sz="2600" dirty="0" smtClean="0">
+                <a:latin typeface="Questrial" panose="020B0604020202020204" charset="0"/>
+              </a:rPr>
+              <a:t>installs both dependency types</a:t>
+            </a:r>
+            <a:endParaRPr lang="en-US" sz="2600" dirty="0">
+              <a:solidFill>
+                <a:srgbClr val="FF0000"/>
+              </a:solidFill>
+              <a:latin typeface="Questrial" panose="020B0604020202020204" charset="0"/>
+            </a:endParaRPr>
+          </a:p>
+          <a:p>
+            <a:pPr marL="332740" indent="-320040">
+              <a:spcBef>
+                <a:spcPts val="695"/>
+              </a:spcBef>
+              <a:buClr>
+                <a:srgbClr val="DD8046"/>
+              </a:buClr>
+              <a:buSzPct val="60344"/>
+              <a:buFont typeface="Arial"/>
+              <a:buChar char=""/>
+            </a:pPr>
+            <a:r>
+              <a:rPr lang="en-US" sz="2600" dirty="0" smtClean="0">
+                <a:latin typeface="Questrial" panose="020B0604020202020204" charset="0"/>
+              </a:rPr>
+              <a:t>Use </a:t>
+            </a:r>
+            <a:r>
+              <a:rPr lang="en-US" sz="2600" dirty="0" err="1" smtClean="0">
+                <a:solidFill>
+                  <a:srgbClr val="FF0000"/>
+                </a:solidFill>
+                <a:latin typeface="Questrial" panose="020B0604020202020204" charset="0"/>
+              </a:rPr>
+              <a:t>npm</a:t>
+            </a:r>
+            <a:r>
+              <a:rPr lang="en-US" sz="2600" dirty="0" smtClean="0">
+                <a:solidFill>
+                  <a:srgbClr val="FF0000"/>
+                </a:solidFill>
+                <a:latin typeface="Questrial" panose="020B0604020202020204" charset="0"/>
+              </a:rPr>
+              <a:t> install </a:t>
+            </a:r>
+            <a:r>
+              <a:rPr lang="en-US" sz="2600" dirty="0" smtClean="0">
+                <a:solidFill>
+                  <a:srgbClr val="FF0000"/>
+                </a:solidFill>
+                <a:latin typeface="+mn-lt"/>
+              </a:rPr>
+              <a:t>--</a:t>
+            </a:r>
+            <a:r>
+              <a:rPr lang="en-US" sz="2600" dirty="0" smtClean="0">
+                <a:solidFill>
+                  <a:srgbClr val="FF0000"/>
+                </a:solidFill>
+                <a:latin typeface="Questrial" panose="020B0604020202020204" charset="0"/>
+              </a:rPr>
+              <a:t>only=production </a:t>
+            </a:r>
+            <a:r>
+              <a:rPr lang="en-US" sz="2600" dirty="0" smtClean="0">
+                <a:latin typeface="Questrial" panose="020B0604020202020204" charset="0"/>
+              </a:rPr>
+              <a:t>for dependencies only</a:t>
+            </a:r>
+            <a:endParaRPr lang="en-US" sz="2600" dirty="0" smtClean="0">
               <a:latin typeface="Questrial" panose="020B0604020202020204" charset="0"/>
             </a:endParaRPr>
           </a:p>
@@ -27315,8 +29255,8 @@
         </p:nvSpPr>
         <p:spPr>
           <a:xfrm>
-            <a:off x="691385" y="1524736"/>
-            <a:ext cx="8020813" cy="2974836"/>
+            <a:off x="691385" y="1524735"/>
+            <a:ext cx="8020813" cy="5066187"/>
           </a:xfrm>
           <a:prstGeom prst="rect">
             <a:avLst/>
@@ -27347,7 +29287,25 @@
               <a:rPr lang="en-US" sz="2600" dirty="0" smtClean="0">
                 <a:latin typeface="Questrial" panose="020B0604020202020204" charset="0"/>
               </a:rPr>
-              <a:t>Case scenario – plugins.</a:t>
+              <a:t>Case </a:t>
+            </a:r>
+            <a:r>
+              <a:rPr lang="en-US" sz="2600" dirty="0" smtClean="0">
+                <a:latin typeface="Questrial" panose="020B0604020202020204" charset="0"/>
+              </a:rPr>
+              <a:t>scenarios </a:t>
+            </a:r>
+            <a:r>
+              <a:rPr lang="en-US" sz="2600" dirty="0" smtClean="0">
+                <a:latin typeface="Questrial" panose="020B0604020202020204" charset="0"/>
+              </a:rPr>
+              <a:t>– </a:t>
+            </a:r>
+            <a:r>
+              <a:rPr lang="en-US" sz="2600" dirty="0" smtClean="0">
+                <a:latin typeface="Questrial" panose="020B0604020202020204" charset="0"/>
+              </a:rPr>
+              <a:t>plugins, components.</a:t>
             </a:r>
           </a:p>
           <a:p>
@@ -27366,7 +29324,13 @@
               <a:rPr lang="en-US" sz="2600" dirty="0" smtClean="0">
                 <a:latin typeface="Questrial" panose="020B0604020202020204" charset="0"/>
               </a:rPr>
-              <a:t>May have </a:t>
+              <a:t>May </a:t>
+            </a:r>
+            <a:r>
+              <a:rPr lang="en-US" sz="2600" dirty="0" smtClean="0">
+                <a:latin typeface="Questrial" panose="020B0604020202020204" charset="0"/>
+              </a:rPr>
+              <a:t>have </a:t>
             </a:r>
             <a:r>
               <a:rPr lang="en-US" sz="2600" dirty="0">
@@ -27400,25 +29364,83 @@
               <a:rPr lang="en-US" sz="2400" dirty="0" smtClean="0">
                 <a:latin typeface="Questrial" panose="020B0604020202020204" charset="0"/>
               </a:rPr>
-              <a:t>e.g. React </a:t>
-            </a:r>
+              <a:t>Plugin cannot know about them</a:t>
+            </a:r>
+          </a:p>
+          <a:p>
+            <a:pPr marL="652780" lvl="1" indent="-284480">
+              <a:spcBef>
+                <a:spcPts val="625"/>
+              </a:spcBef>
+              <a:buClr>
+                <a:srgbClr val="93B6D2"/>
+              </a:buClr>
+              <a:buSzPct val="69230"/>
+              <a:buFont typeface="Noto Sans Symbols"/>
+              <a:buChar char="⬜"/>
+            </a:pPr>
             <a:r>
               <a:rPr lang="en-US" sz="2400" dirty="0" smtClean="0">
                 <a:latin typeface="Questrial" panose="020B0604020202020204" charset="0"/>
               </a:rPr>
-              <a:t>depends on react-</a:t>
-            </a:r>
-            <a:r>
-              <a:rPr lang="en-US" sz="2400" dirty="0" err="1" smtClean="0">
-                <a:latin typeface="Questrial" panose="020B0604020202020204" charset="0"/>
-              </a:rPr>
-              <a:t>dom</a:t>
-            </a:r>
+              <a:t>Installing them both at the plugin and host may cause problems</a:t>
+            </a:r>
+          </a:p>
+          <a:p>
+            <a:pPr marL="652780" lvl="1" indent="-284480">
+              <a:spcBef>
+                <a:spcPts val="625"/>
+              </a:spcBef>
+              <a:buClr>
+                <a:srgbClr val="93B6D2"/>
+              </a:buClr>
+              <a:buSzPct val="69230"/>
+              <a:buFont typeface="Noto Sans Symbols"/>
+              <a:buChar char="⬜"/>
+            </a:pPr>
             <a:r>
               <a:rPr lang="en-US" sz="2400" dirty="0" smtClean="0">
                 <a:latin typeface="Questrial" panose="020B0604020202020204" charset="0"/>
               </a:rPr>
-              <a:t>, its user does also</a:t>
+              <a:t>Example – React component</a:t>
+            </a:r>
+          </a:p>
+          <a:p>
+            <a:pPr marL="652780" lvl="1" indent="-284480">
+              <a:spcBef>
+                <a:spcPts val="625"/>
+              </a:spcBef>
+              <a:buClr>
+                <a:srgbClr val="93B6D2"/>
+              </a:buClr>
+              <a:buSzPct val="69230"/>
+              <a:buFont typeface="Noto Sans Symbols"/>
+              <a:buChar char="⬜"/>
+            </a:pPr>
+            <a:r>
+              <a:rPr lang="en-US" sz="2400" dirty="0" smtClean="0">
+                <a:latin typeface="Questrial" panose="020B0604020202020204" charset="0"/>
+              </a:rPr>
+              <a:t>React requires that only 1 instant runs</a:t>
+            </a:r>
+          </a:p>
+          <a:p>
+            <a:pPr marL="652780" lvl="1" indent="-284480">
+              <a:spcBef>
+                <a:spcPts val="625"/>
+              </a:spcBef>
+              <a:buClr>
+                <a:srgbClr val="93B6D2"/>
+              </a:buClr>
+              <a:buSzPct val="69230"/>
+              <a:buFont typeface="Noto Sans Symbols"/>
+              <a:buChar char="⬜"/>
+            </a:pPr>
+            <a:r>
+              <a:rPr lang="en-US" sz="2400" dirty="0" smtClean="0">
+                <a:latin typeface="Questrial" panose="020B0604020202020204" charset="0"/>
+              </a:rPr>
+              <a:t>Without PD, 2 instances will run, causing errors</a:t>
             </a:r>
             <a:endParaRPr lang="en-US" sz="2400" dirty="0">
               <a:latin typeface="Questrial" panose="020B0604020202020204" charset="0"/>
@@ -27436,6 +29458,36 @@
               <a:buFont typeface="Arial"/>
               <a:buChar char=""/>
             </a:pPr>
+            <a:r>
+              <a:rPr lang="en-US" sz="2600" dirty="0" smtClean="0">
+                <a:latin typeface="Questrial" panose="020B0604020202020204" charset="0"/>
+              </a:rPr>
+              <a:t>PD </a:t>
+            </a:r>
+            <a:r>
+              <a:rPr lang="en-US" sz="2600" dirty="0">
+                <a:latin typeface="Questrial" panose="020B0604020202020204" charset="0"/>
+              </a:rPr>
+              <a:t>is manually </a:t>
+            </a:r>
+            <a:r>
+              <a:rPr lang="en-US" sz="2600" dirty="0" smtClean="0">
+                <a:latin typeface="Questrial" panose="020B0604020202020204" charset="0"/>
+              </a:rPr>
+              <a:t>written </a:t>
+            </a:r>
+            <a:r>
+              <a:rPr lang="en-US" sz="2600" dirty="0" smtClean="0">
+                <a:latin typeface="Questrial" panose="020B0604020202020204" charset="0"/>
+              </a:rPr>
+              <a:t>in </a:t>
+            </a:r>
+            <a:r>
+              <a:rPr lang="en-US" sz="2600" dirty="0" err="1" smtClean="0">
+                <a:latin typeface="Questrial" panose="020B0604020202020204" charset="0"/>
+              </a:rPr>
+              <a:t>package.json</a:t>
+            </a:r>
             <a:endParaRPr lang="en-US" sz="2600" dirty="0">
               <a:latin typeface="Questrial" panose="020B0604020202020204" charset="0"/>
             </a:endParaRPr>
@@ -27452,6 +29504,42 @@
               <a:buFont typeface="Arial"/>
               <a:buChar char=""/>
             </a:pPr>
+            <a:r>
+              <a:rPr lang="en-US" sz="2400" dirty="0">
+                <a:latin typeface="Questrial" panose="020B0604020202020204" charset="0"/>
+              </a:rPr>
+              <a:t>PDs </a:t>
+            </a:r>
+            <a:r>
+              <a:rPr lang="en-US" sz="2400" dirty="0" smtClean="0">
+                <a:latin typeface="Questrial" panose="020B0604020202020204" charset="0"/>
+              </a:rPr>
+              <a:t>don’t </a:t>
+            </a:r>
+            <a:r>
+              <a:rPr lang="en-US" sz="2400" dirty="0" smtClean="0">
+                <a:latin typeface="Questrial" panose="020B0604020202020204" charset="0"/>
+              </a:rPr>
+              <a:t>install directly into local </a:t>
+            </a:r>
+            <a:r>
+              <a:rPr lang="en-US" sz="2400" dirty="0" err="1" smtClean="0">
+                <a:latin typeface="Questrial" panose="020B0604020202020204" charset="0"/>
+              </a:rPr>
+              <a:t>node</a:t>
+            </a:r>
+            <a:r>
+              <a:rPr lang="en-US" sz="2400" dirty="0" err="1" smtClean="0">
+                <a:latin typeface="+mj-lt"/>
+              </a:rPr>
+              <a:t>_</a:t>
+            </a:r>
+            <a:r>
+              <a:rPr lang="en-US" sz="2400" dirty="0" err="1" smtClean="0">
+                <a:latin typeface="Questrial" panose="020B0604020202020204" charset="0"/>
+              </a:rPr>
+              <a:t>modules</a:t>
+            </a:r>
             <a:endParaRPr lang="en-US" sz="2400" dirty="0" smtClean="0">
               <a:latin typeface="Questrial" panose="020B0604020202020204" charset="0"/>
             </a:endParaRPr>
@@ -27466,6 +29554,18 @@
               </a:buClr>
               <a:buSzPct val="69230"/>
             </a:pPr>
+            <a:r>
+              <a:rPr lang="en-US" sz="2600" dirty="0" err="1" smtClean="0">
+                <a:latin typeface="Questrial" panose="020B0604020202020204" charset="0"/>
+              </a:rPr>
+              <a:t>npm</a:t>
+            </a:r>
+            <a:r>
+              <a:rPr lang="en-US" sz="2600" dirty="0" smtClean="0">
+                <a:latin typeface="Questrial" panose="020B0604020202020204" charset="0"/>
+              </a:rPr>
+              <a:t> will warn if host doesn’t have the dependency</a:t>
+            </a:r>
             <a:endParaRPr lang="en-US" sz="2600" dirty="0" smtClean="0">
               <a:latin typeface="Questrial" panose="020B0604020202020204" charset="0"/>
             </a:endParaRPr>
